--- a/reference_content/Slides/002a_tree_review_step_by_step.pptx
+++ b/reference_content/Slides/002a_tree_review_step_by_step.pptx
@@ -5,18 +5,23 @@
     <p:sldMasterId id="2147483660" r:id="rId1"/>
   </p:sldMasterIdLst>
   <p:sldIdLst>
-    <p:sldId id="256" r:id="rId2"/>
-    <p:sldId id="257" r:id="rId3"/>
-    <p:sldId id="258" r:id="rId4"/>
-    <p:sldId id="259" r:id="rId5"/>
-    <p:sldId id="260" r:id="rId6"/>
-    <p:sldId id="261" r:id="rId7"/>
-    <p:sldId id="263" r:id="rId8"/>
-    <p:sldId id="264" r:id="rId9"/>
-    <p:sldId id="262" r:id="rId10"/>
-    <p:sldId id="265" r:id="rId11"/>
-    <p:sldId id="267" r:id="rId12"/>
-    <p:sldId id="266" r:id="rId13"/>
+    <p:sldId id="268" r:id="rId2"/>
+    <p:sldId id="256" r:id="rId3"/>
+    <p:sldId id="257" r:id="rId4"/>
+    <p:sldId id="269" r:id="rId5"/>
+    <p:sldId id="270" r:id="rId6"/>
+    <p:sldId id="271" r:id="rId7"/>
+    <p:sldId id="272" r:id="rId8"/>
+    <p:sldId id="258" r:id="rId9"/>
+    <p:sldId id="259" r:id="rId10"/>
+    <p:sldId id="260" r:id="rId11"/>
+    <p:sldId id="261" r:id="rId12"/>
+    <p:sldId id="263" r:id="rId13"/>
+    <p:sldId id="264" r:id="rId14"/>
+    <p:sldId id="262" r:id="rId15"/>
+    <p:sldId id="265" r:id="rId16"/>
+    <p:sldId id="267" r:id="rId17"/>
+    <p:sldId id="266" r:id="rId18"/>
   </p:sldIdLst>
   <p:sldSz cx="12192000" cy="6858000"/>
   <p:notesSz cx="6858000" cy="9144000"/>
@@ -139,6 +144,741 @@
           <inkml:channelProperty channel="F" name="resolution" value="0" units="1/dev"/>
         </inkml:channelProperties>
       </inkml:inkSource>
+      <inkml:timestamp xml:id="ts0" timeString="2025-01-14T17:57:36.016"/>
+    </inkml:context>
+    <inkml:brush xml:id="br0">
+      <inkml:brushProperty name="width" value="0.05" units="cm"/>
+      <inkml:brushProperty name="height" value="0.05" units="cm"/>
+    </inkml:brush>
+  </inkml:definitions>
+  <inkml:trace contextRef="#ctx0" brushRef="#br0">190 229 24575,'-17'92'0,"0"1"0,0 0 0,0-1 0,5-38 0,1-1-2458,-5 35 0,-5 26 1,1-9-1,7-40 968,8-48 1490,0 31 0,3-26 2818,-3 26-2818,0-9 1719,4-10-1719,-5 69 0,6-61 0,5 23 0,1-2 6784,-3-35-6784,13 68 0,-10-71 0,12 71 0,-5-67 0,-1 26 0,-2 1 0,-2-29 0,14 54 0,-14-54 0,20 49 0,-19-44 0,18 48 0,-19-62 0,9 45 0,-10-46 0,8 47 0,-12-41 0,18 47 0,-13-47-6784,15 47 6784,-10-52-4537,10 40 4537,-15-43 0,8 23 0,-15-19 0,10-3 0,-10 0 4537,5-4-4537,-1-1 0,2-1 0,4-5 0,71 6 0,-48-5-2269,52 4 1,1 1 2268,-47-5-1012,30 3 1,23 3 0,-19-2 1011,-23-3-508,12 2 1,24 1 0,1-1 0,-23-1 507,-3-2 0,6 3 0,25 2 0,-2 1 0,-24-2 0,-12-1 0,27 2 0,23 3 0,-23-3 0,-26-5 0,11 3 0,15 3 0,-13-2 0,3-3 0,-7 3 0,11 2 0,-14-3 0,-10-3 0,39 5 0,-5-1 0,-55-4 860,29 2 0,-2 0-860,-38-3 2881,35-6-2881,-41 5 0,9-4 0,-11 5 4308,0 0-4308,10 0 6442,-7 0-6442,29 5 0,-27-4 0,38 5 0,-38-6 1033,16 0-1033,-21 0 0,0-6 0,0-6 0,0-1 0,-5-4 0,14-6 0,-17 8 0,23-23 0,-25 22 0,25-44 0,-23 40 0,23-67 0,-25 65 0,7-37 0,-2-1 0,-5 33-3392,3-41 0,0 1 3392,-3 41-2269,3-46 1,0-1 2268,-3 42-1517,0-49 0,1-1 1517,-3 51-1015,2-53 1,1-1 1014,-2 52 0,2-48 0,0-1 0,-3 52 0,2-46 0,1 0 0,-2 46 0,5-52 0,-1 1 0,-4 48 0,2-44 0,0 1 0,-3 49 111,2-39 1,1 1-112,-2 37 0,5-45 0,-1-1 0,-4 43 0,5-62 2140,-6 78-2140,5-24 3199,-4 21-3199,5-17 4038,-12 22-4038,5 0 0,-9 6 0,-18-21 0,11 22 0,-30-21 0,-2-1 0,21 19 0,-51-19 0,-2 0 0,48 17-2269,-57-7 1,0 0 2268,57 9-1012,-29 1 1,-20-1 0,17 2 1011,20 3-677,-35-4 1,-24-4 0,22 3 676,30 4 278,-25-2 1,-23-2 0,19 1-279,10 0 0,-6 2 0,-18 0 0,16 0 0,0-2 0,8 5 0,-11 1 0,19 2 0,26 0 0,-41 7 0,2 0 0,48-6 269,-26 9 1,2 0-270,32-9 0,-39 9 0,48-6 2101,-31-4-2101,37 10 3751,-43-5-3751,42 6 5609,-31-5-5609,29-2 0,-9 6 0,5-9 0,-11 9 0,9-11 0,-30 10 0,27-7 0,-47 18 0,44-18-2128,-30 12 1,-2 1 2127,26-10-1759,-35 11 0,-1 3 1759,37-11-1517,-38 3 0,-1-2 1517,36-3-483,-27-2 1,3 0 482,38 2 2556,-44 0-2556,47-2 3822,-22 0-3822,20-4 5714,-4 5-5714,5-6 3228,0 0-3228,0 0 0,0 0 0,6 0 0,1 0 0</inkml:trace>
+</inkml:ink>
+</file>
+
+<file path=ppt/ink/ink10.xml><?xml version="1.0" encoding="utf-8"?>
+<inkml:ink xmlns:inkml="http://www.w3.org/2003/InkML">
+  <inkml:definitions>
+    <inkml:context xml:id="ctx0">
+      <inkml:inkSource xml:id="inkSrc0">
+        <inkml:traceFormat>
+          <inkml:channel name="X" type="integer" min="-2.14748E9" max="2.14748E9" units="cm"/>
+          <inkml:channel name="Y" type="integer" min="-2.14748E9" max="2.14748E9" units="cm"/>
+          <inkml:channel name="F" type="integer" max="32767" units="dev"/>
+        </inkml:traceFormat>
+        <inkml:channelProperties>
+          <inkml:channelProperty channel="X" name="resolution" value="1000" units="1/cm"/>
+          <inkml:channelProperty channel="Y" name="resolution" value="1000" units="1/cm"/>
+          <inkml:channelProperty channel="F" name="resolution" value="0" units="1/dev"/>
+        </inkml:channelProperties>
+      </inkml:inkSource>
+      <inkml:timestamp xml:id="ts0" timeString="2025-01-14T17:57:50.572"/>
+    </inkml:context>
+    <inkml:brush xml:id="br0">
+      <inkml:brushProperty name="width" value="0.05" units="cm"/>
+      <inkml:brushProperty name="height" value="0.05" units="cm"/>
+    </inkml:brush>
+  </inkml:definitions>
+  <inkml:trace contextRef="#ctx0" brushRef="#br0">0 48 24575,'12'0'0,"0"0"0,6 0 0,-5 0 0,4 0-8503,59-5 8503,-48 4 0,48-5-2818,0 6 2818,-48 0-928,29-2 0,-1-1 928,-35 2 0,44-10 0,-49 10 0,7-10 0,-18 10 0,-5-5 0</inkml:trace>
+</inkml:ink>
+</file>
+
+<file path=ppt/ink/ink11.xml><?xml version="1.0" encoding="utf-8"?>
+<inkml:ink xmlns:inkml="http://www.w3.org/2003/InkML">
+  <inkml:definitions>
+    <inkml:context xml:id="ctx0">
+      <inkml:inkSource xml:id="inkSrc0">
+        <inkml:traceFormat>
+          <inkml:channel name="X" type="integer" min="-2.14748E9" max="2.14748E9" units="cm"/>
+          <inkml:channel name="Y" type="integer" min="-2.14748E9" max="2.14748E9" units="cm"/>
+          <inkml:channel name="F" type="integer" max="32767" units="dev"/>
+        </inkml:traceFormat>
+        <inkml:channelProperties>
+          <inkml:channelProperty channel="X" name="resolution" value="1000" units="1/cm"/>
+          <inkml:channelProperty channel="Y" name="resolution" value="1000" units="1/cm"/>
+          <inkml:channelProperty channel="F" name="resolution" value="0" units="1/dev"/>
+        </inkml:channelProperties>
+      </inkml:inkSource>
+      <inkml:timestamp xml:id="ts0" timeString="2025-01-14T17:57:51.606"/>
+    </inkml:context>
+    <inkml:brush xml:id="br0">
+      <inkml:brushProperty name="width" value="0.05" units="cm"/>
+      <inkml:brushProperty name="height" value="0.05" units="cm"/>
+    </inkml:brush>
+  </inkml:definitions>
+  <inkml:trace contextRef="#ctx0" brushRef="#br0">1 0 24575,'6'6'0,"0"0"0,-1 6 0,-4 0 0,10 10 0,-4-7 0,15 55 0,-7-47-4252,0 38 1,-2 1 4251,-5-34-1409,1 33 0,-2 0 1409,-6-37-1517,4 42 0,1 1 1517,-5-37-1015,4 40 1,1-1 1014,-5-44 0,15 71 0,-13-76 2029,13 34-2029,-15-40 3034,4 9-3034,-5-12 4537,0 1-4537,0 0 6784,0 0-6784,0 0 0,0 0 0,0 0 0,0 0 0,0-6 0,0-1 0</inkml:trace>
+</inkml:ink>
+</file>
+
+<file path=ppt/ink/ink12.xml><?xml version="1.0" encoding="utf-8"?>
+<inkml:ink xmlns:inkml="http://www.w3.org/2003/InkML">
+  <inkml:definitions>
+    <inkml:context xml:id="ctx0">
+      <inkml:inkSource xml:id="inkSrc0">
+        <inkml:traceFormat>
+          <inkml:channel name="X" type="integer" min="-2.14748E9" max="2.14748E9" units="cm"/>
+          <inkml:channel name="Y" type="integer" min="-2.14748E9" max="2.14748E9" units="cm"/>
+          <inkml:channel name="F" type="integer" max="32767" units="dev"/>
+        </inkml:traceFormat>
+        <inkml:channelProperties>
+          <inkml:channelProperty channel="X" name="resolution" value="1000" units="1/cm"/>
+          <inkml:channelProperty channel="Y" name="resolution" value="1000" units="1/cm"/>
+          <inkml:channelProperty channel="F" name="resolution" value="0" units="1/dev"/>
+        </inkml:channelProperties>
+      </inkml:inkSource>
+      <inkml:timestamp xml:id="ts0" timeString="2025-01-14T17:57:52.376"/>
+    </inkml:context>
+    <inkml:brush xml:id="br0">
+      <inkml:brushProperty name="width" value="0.05" units="cm"/>
+      <inkml:brushProperty name="height" value="0.05" units="cm"/>
+    </inkml:brush>
+  </inkml:definitions>
+  <inkml:trace contextRef="#ctx0" brushRef="#br0">0 61 24575,'6'-7'0,"0"2"0,6 5 0,0 0 0,-5-6 0,4 5 0,6-4 0,-2 5 0,18-6 0,-18 5 0,50-4 0,-43 5-3392,34 0 0,1 0 3392,-30 0-2269,47 0 1,2 0 2268,-44 0-1517,54-3 0,0 0 1517,-54 2-1015,48-4 1,0-1 1014,-50 5 2029,51-4-2029,-27 5 0,12 5 0,-1 2 0,27 10 0,-71-9 1183,65 13-1183,-64-19-872,59 19 872,-61-13 3088,45 9-3088,-48-10 4717,16-2-4717,-21-5 0,-5 0 0,-2 0 0</inkml:trace>
+</inkml:ink>
+</file>
+
+<file path=ppt/ink/ink13.xml><?xml version="1.0" encoding="utf-8"?>
+<inkml:ink xmlns:inkml="http://www.w3.org/2003/InkML">
+  <inkml:definitions>
+    <inkml:context xml:id="ctx0">
+      <inkml:inkSource xml:id="inkSrc0">
+        <inkml:traceFormat>
+          <inkml:channel name="X" type="integer" min="-2.14748E9" max="2.14748E9" units="cm"/>
+          <inkml:channel name="Y" type="integer" min="-2.14748E9" max="2.14748E9" units="cm"/>
+          <inkml:channel name="F" type="integer" max="32767" units="dev"/>
+        </inkml:traceFormat>
+        <inkml:channelProperties>
+          <inkml:channelProperty channel="X" name="resolution" value="1000" units="1/cm"/>
+          <inkml:channelProperty channel="Y" name="resolution" value="1000" units="1/cm"/>
+          <inkml:channelProperty channel="F" name="resolution" value="0" units="1/dev"/>
+        </inkml:channelProperties>
+      </inkml:inkSource>
+      <inkml:timestamp xml:id="ts0" timeString="2025-01-14T17:57:55.851"/>
+    </inkml:context>
+    <inkml:brush xml:id="br0">
+      <inkml:brushProperty name="width" value="0.05" units="cm"/>
+      <inkml:brushProperty name="height" value="0.05" units="cm"/>
+    </inkml:brush>
+  </inkml:definitions>
+  <inkml:trace contextRef="#ctx0" brushRef="#br0">169 573 24575,'0'12'0,"0"5"0,0-4 0,0 10 0,0-10 0,0 4 0,5 16 0,2-21 0,5 46 0,-6-45 0,0 51 0,-6-45 0,0 46 0,0-47 0,0 52 0,0-50 0,-6 65 0,5-62-3392,-2 27 0,1 1 3392,2-27-2269,0 42 1,0 1 2268,0-37-1517,0 58 0,0 2 1517,0-55-1015,0 59 1,0 0 1014,0-62 0,0 46 0,0-1 0,0-51 0,0 33 0,0-1 0,0-34 0,0 27 0,0-1 0,0-27 1801,-6 57-1801,5-61 0,-9 29 0,8-33 0,-8 23 0,8-22 0,-3 38 0,5-30 0,-5 42 0,3-43 0,-13 47 0,12-50 2857,-8 45-2857,11-48 4337,0 21-4337,0-25 6484,6-1-6484,0-7 757,12-5-757,-5 0 148,4 0-148,22-5 0,-20 4 0,56-10 0,-53 4-3392,30 1 0,3 0 3392,-23 0-2269,47-1 1,5 3 2268,-27 3-1012,10-1 1,16 0 0,-9 0 1011,-23 2 0,1 0-677,30 0 1,12 0 0,-14 0 676,11 0 0,-9 0 0,14 0 0,-20 0 0,-23 0 0,25 2 0,20 0 0,-23 0 0,-29-1 0,54 2 0,-5-1 0,-66-2 0,39 0 0,-2 0 0,-41 0 0,40 3 0,0-1 0,-38 0 0,45 3 0,1 0 0,-38-3 0,30 1 0,0-1 0,-30-2 0,20 0 0,-1 0 0,-25 0 210,38-5 1,0-1-211,-36 4 0,37-7 0,-2 2 0,-42 5 0,35-3 0,1 0 0,-34 3 0,36-3 0,0 0 0,-37 3-211,34-1 1,1 1 210,-35 2 0,44 2 0,2 1 0,-41-1 0,56 3 0,0 0 0,-53-3 153,45 0 1,-1 1-154,-45-3 0,33 0 0,1 0 0,-29 0 476,20 0 0,0 0-476,-24 0 0,50 0 0,-59 0 0,41 0 0,-46 5 992,67 2-992,-62-1-221,32 3 0,1-2 221,-32-4-525,31 4 0,1 1 525,-27-1 0,24-4 0,1 1 0,-26 6 1851,52-8-1851,-64 3 1754,27-5-1754,-29 0 4190,7 0-4190,-15-6 6266,-2 0-6266,-5-6 0,11-37 0,-8 27 0,13-59 0,-15 61 0,4-72 0,-5 69-2610,0-39 0,0 0 2610,0 34-2269,0-54 1,0-2 2268,0 49-1012,3-29 1,1-21 0,0 18 1011,-1 27-677,3-29 1,3-20 0,-3 21 676,-3 30 0,4-23 0,4-19 0,-3 18 0,-4 28 0,6-61 0,2 2 0,-6 66 0,-2-52 0,-1 3 0,2 55 543,-4-30 0,-2 0-543,1 31 2567,0-51-2567,0 52 0,0-30 0,0 35 0,5-20 0,-3 20 3838,3-25-3838,-5 23 0,0-28 0,0 28 0,0-38 0,0 35 0,0-57 0,0 55 0,5-30 0,1 0 0,-4 25 0,9-71 0,-11 77-409,0-61 409,0 60 0,0-50 0,0 54 0,0-27 0,0 29 0,0-7 0,0 10 5537,-5 5-5537,-2 2 3765,-10 5-3765,4 0 0,-10 0 0,-5 5 0,6-4 0,-53 15 0,52-13-3392,-41 7 0,0 1 3392,35-3-2269,-48 1 1,0-1 2268,46-1-1517,-63 1 0,-5-1 1517,55-4-677,-25 1 1,-19 0 0,19-1 676,25-3 0,-24 0 0,-20 0 0,22 0 0,27 0 0,-27-3 0,-21-1 0,21 0 0,28 1 0,-30-2 0,-21-1 0,19 1 0,25 4 0,-26-2 0,-20-1 0,19 0 0,23 3 0,-17-2 0,-15-1 0,17 0 0,25 3 0,-57-4 0,1-1 0,61 5 0,-52-2 0,2 1 0,55 2 0,-41 0 0,1 0 0,43 0 0,-38-3 0,0 0 0,38 2 244,-41-4 0,1-1-244,38 5 0,-29-2 0,2 1 0,34 2 1172,-54 10-1172,56-7 0,-51 23 0,51-22 0,-72 33 0,67-31 0,-27 12 0,0 0 0,29-14 0,-69 23 0,70-25 0,-75 19 0,72-13-307,-27 4 1,1-1 306,27-3-539,-73 18 539,74-22 0,-75 22 0,75-23 0,-58 18 0,61-18 2230,-40 12-2230,42-13 0,-27 8 0,30-8 0,-24 3 0,27 0-754,-47 2 754,44-1 0,-36 1 0,-2-3 0,26-3 0,-38 2 0,0 0 0,38-3-992,-33-3 0,0 0 992,35 2 1701,-61-4-1701,66 5 2872,-19 0-2872,26 0 0,0 0 0,6-6 4293,-31 0-4293,24-1 0,-47 2 0,43 5 6421,-37 0-6421,37 0 0,-26 5 0,28-4 1097,-18 4-1097,19-5 0,-9 0 0,17 0 0,0 0 0</inkml:trace>
+</inkml:ink>
+</file>
+
+<file path=ppt/ink/ink14.xml><?xml version="1.0" encoding="utf-8"?>
+<inkml:ink xmlns:inkml="http://www.w3.org/2003/InkML">
+  <inkml:definitions>
+    <inkml:context xml:id="ctx0">
+      <inkml:inkSource xml:id="inkSrc0">
+        <inkml:traceFormat>
+          <inkml:channel name="X" type="integer" min="-2.14748E9" max="2.14748E9" units="cm"/>
+          <inkml:channel name="Y" type="integer" min="-2.14748E9" max="2.14748E9" units="cm"/>
+          <inkml:channel name="F" type="integer" max="32767" units="dev"/>
+        </inkml:traceFormat>
+        <inkml:channelProperties>
+          <inkml:channelProperty channel="X" name="resolution" value="1000" units="1/cm"/>
+          <inkml:channelProperty channel="Y" name="resolution" value="1000" units="1/cm"/>
+          <inkml:channelProperty channel="F" name="resolution" value="0" units="1/dev"/>
+        </inkml:channelProperties>
+      </inkml:inkSource>
+      <inkml:timestamp xml:id="ts0" timeString="2025-01-14T17:57:56.596"/>
+    </inkml:context>
+    <inkml:brush xml:id="br0">
+      <inkml:brushProperty name="width" value="0.05" units="cm"/>
+      <inkml:brushProperty name="height" value="0.05" units="cm"/>
+    </inkml:brush>
+  </inkml:definitions>
+  <inkml:trace contextRef="#ctx0" brushRef="#br0">60 1 24575,'0'11'0,"0"1"0,0 0 0,0 5 0,0-4 0,0 5 0,0 15 0,0-16 0,-5 58 0,3-53-3437,-3 32 3437,5-42 0,0 0-596,0 0 596,0 0 0,0 0 0,0-1 0,0 7 0,-5 21 0,3-15-2724,-5 42 0,-1 3 2724,5-33-720,-1 31 0,0 20 0,1-19 720,3-28-905,-1 29 1,-1 19-1,0-20 905,1-31-677,-1 26 1,0 18 0,0-18 676,2-28 0,0 51 0,0-2 0,0-56 0,6 68 0,-5-79 2029,4 16-2029,1-26 0,-5-7 3034,4-7-3034,6-26 0,-8 16 810,7-17 1,-10 28 0,0 0-1</inkml:trace>
+</inkml:ink>
+</file>
+
+<file path=ppt/ink/ink15.xml><?xml version="1.0" encoding="utf-8"?>
+<inkml:ink xmlns:inkml="http://www.w3.org/2003/InkML">
+  <inkml:definitions>
+    <inkml:context xml:id="ctx0">
+      <inkml:inkSource xml:id="inkSrc0">
+        <inkml:traceFormat>
+          <inkml:channel name="X" type="integer" min="-2.14748E9" max="2.14748E9" units="cm"/>
+          <inkml:channel name="Y" type="integer" min="-2.14748E9" max="2.14748E9" units="cm"/>
+          <inkml:channel name="F" type="integer" max="32767" units="dev"/>
+        </inkml:traceFormat>
+        <inkml:channelProperties>
+          <inkml:channelProperty channel="X" name="resolution" value="1000" units="1/cm"/>
+          <inkml:channelProperty channel="Y" name="resolution" value="1000" units="1/cm"/>
+          <inkml:channelProperty channel="F" name="resolution" value="0" units="1/dev"/>
+        </inkml:channelProperties>
+      </inkml:inkSource>
+      <inkml:timestamp xml:id="ts0" timeString="2025-01-14T17:57:57.426"/>
+    </inkml:context>
+    <inkml:brush xml:id="br0">
+      <inkml:brushProperty name="width" value="0.05" units="cm"/>
+      <inkml:brushProperty name="height" value="0.05" units="cm"/>
+    </inkml:brush>
+  </inkml:definitions>
+  <inkml:trace contextRef="#ctx0" brushRef="#br0">54 79 24575,'7'-5'0,"3"4"0,-3-5 0,5 6 0,0 0 0,11-5 0,-9 4 0,51-15 0,-42 8 0,69-9 0,-66 10 0,62-4 0,-61 10 0,43 1 0,-52 1 0,25 15 0,-28-13-6784,13 34 6784,-20-26-4057,8 54 4057,-15-45-3193,-6 55 3193,2-50 0,-12 14-2135,-8 19 2135,13-40 1067,-16 29 1,-6 7-1068,-25 7 0,3 2 2713,-11-16-2713,51-45 4537,-14 3-4537,15-5 6784,-4 0-6784,0-11 0,4 9 0,-26-20 0,22 20 0,-42-14 0,41 14 0,-42-8 0,43 8 0,-21-8 0,30 8 0,-3-3 0</inkml:trace>
+</inkml:ink>
+</file>
+
+<file path=ppt/ink/ink16.xml><?xml version="1.0" encoding="utf-8"?>
+<inkml:ink xmlns:inkml="http://www.w3.org/2003/InkML">
+  <inkml:definitions>
+    <inkml:context xml:id="ctx0">
+      <inkml:inkSource xml:id="inkSrc0">
+        <inkml:traceFormat>
+          <inkml:channel name="X" type="integer" min="-2.14748E9" max="2.14748E9" units="cm"/>
+          <inkml:channel name="Y" type="integer" min="-2.14748E9" max="2.14748E9" units="cm"/>
+          <inkml:channel name="F" type="integer" max="32767" units="dev"/>
+        </inkml:traceFormat>
+        <inkml:channelProperties>
+          <inkml:channelProperty channel="X" name="resolution" value="1000" units="1/cm"/>
+          <inkml:channelProperty channel="Y" name="resolution" value="1000" units="1/cm"/>
+          <inkml:channelProperty channel="F" name="resolution" value="0" units="1/dev"/>
+        </inkml:channelProperties>
+      </inkml:inkSource>
+      <inkml:timestamp xml:id="ts0" timeString="2025-01-14T17:57:57.942"/>
+    </inkml:context>
+    <inkml:brush xml:id="br0">
+      <inkml:brushProperty name="width" value="0.05" units="cm"/>
+      <inkml:brushProperty name="height" value="0.05" units="cm"/>
+    </inkml:brush>
+  </inkml:definitions>
+  <inkml:trace contextRef="#ctx0" brushRef="#br0">1 0 24575,'0'12'0,"5"-5"0,-4 3 0,5-3 0,-6 5 0,0 0 0,0 0 0,5-6 0,-4 21 0,10-12 0,-10 14-6784,21 31 6784,-18-38-2269,11 34 1,2 0 2268,-8-30-1517,5 31 0,0-2 1517,-6-32-2029,13 63 2029,-18-67 1685,23 56-1685,-22-55 2863,23 34-2863,-24-39 4281,13 2-4281,-15-7 6403,10-8-6403,-5 3 1152,6 0-1152,0-3-1696,0-3 0,-5 0 0,-2-4 0</inkml:trace>
+</inkml:ink>
+</file>
+
+<file path=ppt/ink/ink17.xml><?xml version="1.0" encoding="utf-8"?>
+<inkml:ink xmlns:inkml="http://www.w3.org/2003/InkML">
+  <inkml:definitions>
+    <inkml:context xml:id="ctx0">
+      <inkml:inkSource xml:id="inkSrc0">
+        <inkml:traceFormat>
+          <inkml:channel name="X" type="integer" min="-2.14748E9" max="2.14748E9" units="cm"/>
+          <inkml:channel name="Y" type="integer" min="-2.14748E9" max="2.14748E9" units="cm"/>
+          <inkml:channel name="F" type="integer" max="32767" units="dev"/>
+        </inkml:traceFormat>
+        <inkml:channelProperties>
+          <inkml:channelProperty channel="X" name="resolution" value="1000" units="1/cm"/>
+          <inkml:channelProperty channel="Y" name="resolution" value="1000" units="1/cm"/>
+          <inkml:channelProperty channel="F" name="resolution" value="0" units="1/dev"/>
+        </inkml:channelProperties>
+      </inkml:inkSource>
+      <inkml:timestamp xml:id="ts0" timeString="2025-01-14T17:57:58.755"/>
+    </inkml:context>
+    <inkml:brush xml:id="br0">
+      <inkml:brushProperty name="width" value="0.05" units="cm"/>
+      <inkml:brushProperty name="height" value="0.05" units="cm"/>
+    </inkml:brush>
+  </inkml:definitions>
+  <inkml:trace contextRef="#ctx0" brushRef="#br0">1 546 24575,'5'-7'0,"2"2"0,5 5 0,0 0 0,0 0 0,0 0 0,-1 0 0,1 0 0,0 0 0,16 0 0,-12 0 0,12 0-6784,32 5 6784,-36-4-760,32 2 0,1 0 760,-32-3 0,73 0 0,-78-6 0,50-11 0,-51 8-1088,41-34 1088,-48 31-716,25-37 716,-29 33 0,4-44 0,-7 40-2570,-26-72 2570,10 68-447,-12-28 0,-2 2 447,8 33 477,-22-42-477,26 56 0,-14-13 0,12 15 0,-34 6 0,31 3 0,-47 20 0,52-14 0,-33 27 0,-3 4 0,28-17-630,-18 18 0,3-1 630,28-30-2029,-29 66 2029,25-61 190,-7 33 1,0-1-191,11-35 1952,-2 58-1952,10-58 3184,0 16-3184,0-21 4762,10 0-4762,-7 0 0,40 16 0,-36-13-1222,68 45 1222,-59-46-1997,34 27 0,2-3 1997,-26-27-1517,36 18 0,-1 0 1517,-39-20-1015,37 3 1,-1-2 1014,-40-3 1756,64-2-1756,-65-5 2899,16 0-2899,-21-5 0,5-2 0,-9-5 0,19-10 0,-18 12 0,9-11 0,-13 20 0,-5-5 0</inkml:trace>
+</inkml:ink>
+</file>
+
+<file path=ppt/ink/ink18.xml><?xml version="1.0" encoding="utf-8"?>
+<inkml:ink xmlns:inkml="http://www.w3.org/2003/InkML">
+  <inkml:definitions>
+    <inkml:context xml:id="ctx0">
+      <inkml:inkSource xml:id="inkSrc0">
+        <inkml:traceFormat>
+          <inkml:channel name="X" type="integer" min="-2.14748E9" max="2.14748E9" units="cm"/>
+          <inkml:channel name="Y" type="integer" min="-2.14748E9" max="2.14748E9" units="cm"/>
+          <inkml:channel name="F" type="integer" max="32767" units="dev"/>
+        </inkml:traceFormat>
+        <inkml:channelProperties>
+          <inkml:channelProperty channel="X" name="resolution" value="1000" units="1/cm"/>
+          <inkml:channelProperty channel="Y" name="resolution" value="1000" units="1/cm"/>
+          <inkml:channelProperty channel="F" name="resolution" value="0" units="1/dev"/>
+        </inkml:channelProperties>
+      </inkml:inkSource>
+      <inkml:timestamp xml:id="ts0" timeString="2025-01-14T17:58:00.029"/>
+    </inkml:context>
+    <inkml:brush xml:id="br0">
+      <inkml:brushProperty name="width" value="0.05" units="cm"/>
+      <inkml:brushProperty name="height" value="0.05" units="cm"/>
+    </inkml:brush>
+  </inkml:definitions>
+  <inkml:trace contextRef="#ctx0" brushRef="#br0">427 203 24575,'-5'-6'0,"4"-5"0,-15 4 0,13-5 0,-7 0 0,-11-10-8503,10 7 8503,-17-2 1719,1-4-1719,6 17 0,-8-12 0,11 16 0,7 0 0,-7 0 6784,5 5-6784,-20 17 0,18-11-6784,-34 47 6784,32-49-667,-32 60 667,38-56 0,-10 46 0,21-42 0,0 16 0,0-21 0,0 0 0,0 0 0,6-6 0,0 10 0,1-8 0,4 4 0,11 20 0,-6-26 0,28 42 0,-28-43 0,23 21 0,-25-24 0,25 3 0,-23-5-877,38-5 877,-35 3 0,41-19 0,-43 17 0,16-12 0,-26 11 0,4 3 0,-10-8 0,10 8 6020,-5-8-6020,6 8 0,0-3 2308,0-6-2308,5-2 0,7-32 0,-9 21 0,1-31 0,-16 39 0,0-12 0,0 16 0,0 0 0,-5 6 0,3-5 0,-3 5 0,0-6 0,4-11 0,-5 8 0,1-29 0,4 27 0,-5-32 0,6 33 0,-5-7 0,4 13 0,-4 3 0,5-5 0,-6 5 0,5 7 0,-4 7 0,5 5 0,0 15 0,0-11 0,5 33 0,-4-32 0,5 21 0,-6-24 0,0 3 0,0-5 0,0 15 0,0-11 0,5 38 0,-4-36 0,5 47 0,-6-46 0,5 29 0,-4-33 0,5 12 0,-6-13 0,0 8 0,0-9 0,5 4 0,-4-5 0,5-5 0,-6-2 0</inkml:trace>
+</inkml:ink>
+</file>
+
+<file path=ppt/ink/ink19.xml><?xml version="1.0" encoding="utf-8"?>
+<inkml:ink xmlns:inkml="http://www.w3.org/2003/InkML">
+  <inkml:definitions>
+    <inkml:context xml:id="ctx0">
+      <inkml:inkSource xml:id="inkSrc0">
+        <inkml:traceFormat>
+          <inkml:channel name="X" type="integer" min="-2.14748E9" max="2.14748E9" units="cm"/>
+          <inkml:channel name="Y" type="integer" min="-2.14748E9" max="2.14748E9" units="cm"/>
+          <inkml:channel name="F" type="integer" max="32767" units="dev"/>
+        </inkml:traceFormat>
+        <inkml:channelProperties>
+          <inkml:channelProperty channel="X" name="resolution" value="1000" units="1/cm"/>
+          <inkml:channelProperty channel="Y" name="resolution" value="1000" units="1/cm"/>
+          <inkml:channelProperty channel="F" name="resolution" value="0" units="1/dev"/>
+        </inkml:channelProperties>
+      </inkml:inkSource>
+      <inkml:timestamp xml:id="ts0" timeString="2025-01-14T17:58:01.425"/>
+    </inkml:context>
+    <inkml:brush xml:id="br0">
+      <inkml:brushProperty name="width" value="0.05" units="cm"/>
+      <inkml:brushProperty name="height" value="0.05" units="cm"/>
+    </inkml:brush>
+  </inkml:definitions>
+  <inkml:trace contextRef="#ctx0" brushRef="#br0">451 863 24575,'-6'-5'0,"-5"4"0,-1-10 0,-1 10 0,-4-4 0,5 5 0,6-6 0,-21 5 0,17-4 0,-39 5 0,32 0 0,-37 10 0,37-7-6784,-43 44 6784,42-32-2269,-11 38 1,4 6 2268,14-30-1517,-9 57 0,3 3 1517,13-53-1015,-4 47 1,1-2 1014,7-54 1501,0 69-1501,0-78 2772,5 20-2772,2-31 4145,5-2-4145,-6 1 6199,5-5-6199,-4 4 1767,5 0-1767,-1-3 0,1 3 0,0-5 0,22 0 0,-17 0 0,54-27 0,-50 21-3392,25-27 0,0-3 3392,-24 20-2269,27-37 1,-1-2 2268,-25 28-1517,22-44 0,-4-3 1517,-26 44-1015,19-58 1,-4-1 1014,-24 54 0,7-26 0,3-20 0,-5 18 0,-7 25 0,3-26 0,2-19 0,-2 20 0,-4 27 0,3-56 0,-1 2 0,-5 59 0,-2-28 0,4 5 0,3 41 1332,-4-46-1332,5 47 2688,-1-32-2688,-4 30 4020,5-9-4020,-6 11 6011,0 11-6011,0 7 0,0 7 0,0 4-4451,-16 59 4451,12-49-504,-7 25 1,1-2 503,8-32 0,-8 41 0,9-41-46,-5 30 46,6-32 0,0 75 0,0-63-2094,0 41 0,0 0 2094,0-41 0,-2 39 0,-1-1 0,2-40-1176,-5 36 0,1-1 1176,4-36-693,-4 29 0,-1-1 693,5-31 1418,-4 64-1418,5-67 3039,0 41-3039,0-44 4544,0 17-4544,0-20 4096,0 4-4096,0-5 2666,0 0-2666,0-1 0,5 7 0,-4-5 0,5 9 0,-1-9 0,-4 20 0,5-17 0,-6 28 0,0-29 0,0 24 0,0-25 0,0 8 0,0-15 0,0-2 0</inkml:trace>
+</inkml:ink>
+</file>
+
+<file path=ppt/ink/ink2.xml><?xml version="1.0" encoding="utf-8"?>
+<inkml:ink xmlns:inkml="http://www.w3.org/2003/InkML">
+  <inkml:definitions>
+    <inkml:context xml:id="ctx0">
+      <inkml:inkSource xml:id="inkSrc0">
+        <inkml:traceFormat>
+          <inkml:channel name="X" type="integer" min="-2.14748E9" max="2.14748E9" units="cm"/>
+          <inkml:channel name="Y" type="integer" min="-2.14748E9" max="2.14748E9" units="cm"/>
+          <inkml:channel name="F" type="integer" max="32767" units="dev"/>
+        </inkml:traceFormat>
+        <inkml:channelProperties>
+          <inkml:channelProperty channel="X" name="resolution" value="1000" units="1/cm"/>
+          <inkml:channelProperty channel="Y" name="resolution" value="1000" units="1/cm"/>
+          <inkml:channelProperty channel="F" name="resolution" value="0" units="1/dev"/>
+        </inkml:channelProperties>
+      </inkml:inkSource>
+      <inkml:timestamp xml:id="ts0" timeString="2025-01-14T17:57:40.499"/>
+    </inkml:context>
+    <inkml:brush xml:id="br0">
+      <inkml:brushProperty name="width" value="0.05" units="cm"/>
+      <inkml:brushProperty name="height" value="0.05" units="cm"/>
+    </inkml:brush>
+  </inkml:definitions>
+  <inkml:trace contextRef="#ctx0" brushRef="#br0">60 0 24575,'0'12'0,"0"0"0,0 0 0,0 0 0,-5 0 0,3 0 0,-3-1 0,5 1 0,0 0 0,0 42 0,0-31 0,0 41 0,-5-49 0,4 81 0,-5-66 0,3 34 0,1 0 0,1-36 0,-4 23 0,-1 0 0,0-22 0,-1 57 0,2-67 0,5 45 0,0-45 0,0 35 0,0-39 0,5 18 0,-4-19 0,10 13 0,-10-12 0,5 18 0,-6-19 0,0 24 0,5-27 0,-4 26 0,5-28-6784,-6 24 6784,5-24 0,-4 23 0,5-23 0,-1 19 0,-4-15 0,10-1 0,-10-7 0,4-5 0</inkml:trace>
+</inkml:ink>
+</file>
+
+<file path=ppt/ink/ink20.xml><?xml version="1.0" encoding="utf-8"?>
+<inkml:ink xmlns:inkml="http://www.w3.org/2003/InkML">
+  <inkml:definitions>
+    <inkml:context xml:id="ctx0">
+      <inkml:inkSource xml:id="inkSrc0">
+        <inkml:traceFormat>
+          <inkml:channel name="X" type="integer" min="-2.14748E9" max="2.14748E9" units="cm"/>
+          <inkml:channel name="Y" type="integer" min="-2.14748E9" max="2.14748E9" units="cm"/>
+          <inkml:channel name="F" type="integer" max="32767" units="dev"/>
+        </inkml:traceFormat>
+        <inkml:channelProperties>
+          <inkml:channelProperty channel="X" name="resolution" value="1000" units="1/cm"/>
+          <inkml:channelProperty channel="Y" name="resolution" value="1000" units="1/cm"/>
+          <inkml:channelProperty channel="F" name="resolution" value="0" units="1/dev"/>
+        </inkml:channelProperties>
+      </inkml:inkSource>
+      <inkml:timestamp xml:id="ts0" timeString="2025-01-14T17:58:02.593"/>
+    </inkml:context>
+    <inkml:brush xml:id="br0">
+      <inkml:brushProperty name="width" value="0.05" units="cm"/>
+      <inkml:brushProperty name="height" value="0.05" units="cm"/>
+    </inkml:brush>
+  </inkml:definitions>
+  <inkml:trace contextRef="#ctx0" brushRef="#br0">2904 1 24575,'-12'0'0,"6"5"0,-5-4 0,4 10 0,-4-4 0,-28 20 0,26-11-4252,-35 21 1,-4 1 4251,30-14-1409,-49 32 0,-2 0 1409,44-31-1012,-21 17 1,-14 11 0,13-10 1011,18-12-677,-29 27 1,-19 19 0,17-16 676,25-21 0,-4 4 0,-15 17 0,-1 1 0,12-12 0,-18 17 0,4-2 0,-12 13 0,8-11 0,23-28 0,-1-1 0,-24 25 0,-11 9 0,12-13 0,-7-6 0,7-3 0,-11 9 0,14-11 0,5-6 0,1 1 0,-11 10 0,17-9 0,20-10 0,-38 41 0,7-1 0,48-45 0,-31 40 0,1 0 0,35-43 201,-20 31 0,0-2-201,18-32 0,-27 57 0,29-61 0,-28 45 0,31-45 505,-41 51-505,40-51 1253,-40 51-1253,36-57 1417,-27 40-1417,24-42 3698,-24 32-3698,22-32 0,-33 41 0,32-44 3914,-16 29-3914,21-35 2992,0 13-2992,6-17 2021,0 6-2021,6-16 0,6-22 0,-5 22 0,4-14 0</inkml:trace>
+</inkml:ink>
+</file>
+
+<file path=ppt/ink/ink21.xml><?xml version="1.0" encoding="utf-8"?>
+<inkml:ink xmlns:inkml="http://www.w3.org/2003/InkML">
+  <inkml:definitions>
+    <inkml:context xml:id="ctx0">
+      <inkml:inkSource xml:id="inkSrc0">
+        <inkml:traceFormat>
+          <inkml:channel name="X" type="integer" min="-2.14748E9" max="2.14748E9" units="cm"/>
+          <inkml:channel name="Y" type="integer" min="-2.14748E9" max="2.14748E9" units="cm"/>
+          <inkml:channel name="F" type="integer" max="32767" units="dev"/>
+        </inkml:traceFormat>
+        <inkml:channelProperties>
+          <inkml:channelProperty channel="X" name="resolution" value="1000" units="1/cm"/>
+          <inkml:channelProperty channel="Y" name="resolution" value="1000" units="1/cm"/>
+          <inkml:channelProperty channel="F" name="resolution" value="0" units="1/dev"/>
+        </inkml:channelProperties>
+      </inkml:inkSource>
+      <inkml:timestamp xml:id="ts0" timeString="2025-01-14T17:58:03.242"/>
+    </inkml:context>
+    <inkml:brush xml:id="br0">
+      <inkml:brushProperty name="width" value="0.05" units="cm"/>
+      <inkml:brushProperty name="height" value="0.05" units="cm"/>
+    </inkml:brush>
+  </inkml:definitions>
+  <inkml:trace contextRef="#ctx0" brushRef="#br0">119 1 24575,'0'12'0,"0"-1"0,0 1 0,0 32 0,0-25-8503,0 62 8503,0-60-1409,-2 34 0,-1 2 1409,2-29-1517,-7 33 0,0 0 1517,5-37-2029,-23 67 2029,22-71 0,-23 55 0,25-55 1091,-14 49-1091,15-50 642,-10 30 1,10-40-1,-4 7 1</inkml:trace>
+</inkml:ink>
+</file>
+
+<file path=ppt/ink/ink22.xml><?xml version="1.0" encoding="utf-8"?>
+<inkml:ink xmlns:inkml="http://www.w3.org/2003/InkML">
+  <inkml:definitions>
+    <inkml:context xml:id="ctx0">
+      <inkml:inkSource xml:id="inkSrc0">
+        <inkml:traceFormat>
+          <inkml:channel name="X" type="integer" min="-2.14748E9" max="2.14748E9" units="cm"/>
+          <inkml:channel name="Y" type="integer" min="-2.14748E9" max="2.14748E9" units="cm"/>
+          <inkml:channel name="F" type="integer" max="32767" units="dev"/>
+        </inkml:traceFormat>
+        <inkml:channelProperties>
+          <inkml:channelProperty channel="X" name="resolution" value="1000" units="1/cm"/>
+          <inkml:channelProperty channel="Y" name="resolution" value="1000" units="1/cm"/>
+          <inkml:channelProperty channel="F" name="resolution" value="0" units="1/dev"/>
+        </inkml:channelProperties>
+      </inkml:inkSource>
+      <inkml:timestamp xml:id="ts0" timeString="2025-01-14T17:58:12.127"/>
+    </inkml:context>
+    <inkml:brush xml:id="br0">
+      <inkml:brushProperty name="width" value="0.05" units="cm"/>
+      <inkml:brushProperty name="height" value="0.05" units="cm"/>
+    </inkml:brush>
+  </inkml:definitions>
+  <inkml:trace contextRef="#ctx0" brushRef="#br0">1 353 24575,'5'-12'0,"2"5"0,16-9 0,-9 8 0,9-4 0,-1 7 0,-7 5 0,40-5 0,-35 3 0,55-8 0,-55 8 0,51-19 0,-53 12 0,42-35 0,-42 27 0,26-38 0,-35 38 0,23-27 0,-23 29 0,19-7 0,-20 10 0,3 0 0,-1 10 0,-7-2 0,8 10 0</inkml:trace>
+</inkml:ink>
+</file>
+
+<file path=ppt/ink/ink23.xml><?xml version="1.0" encoding="utf-8"?>
+<inkml:ink xmlns:inkml="http://www.w3.org/2003/InkML">
+  <inkml:definitions>
+    <inkml:context xml:id="ctx0">
+      <inkml:inkSource xml:id="inkSrc0">
+        <inkml:traceFormat>
+          <inkml:channel name="X" type="integer" min="-2.14748E9" max="2.14748E9" units="cm"/>
+          <inkml:channel name="Y" type="integer" min="-2.14748E9" max="2.14748E9" units="cm"/>
+          <inkml:channel name="F" type="integer" max="32767" units="dev"/>
+        </inkml:traceFormat>
+        <inkml:channelProperties>
+          <inkml:channelProperty channel="X" name="resolution" value="1000" units="1/cm"/>
+          <inkml:channelProperty channel="Y" name="resolution" value="1000" units="1/cm"/>
+          <inkml:channelProperty channel="F" name="resolution" value="0" units="1/dev"/>
+        </inkml:channelProperties>
+      </inkml:inkSource>
+      <inkml:timestamp xml:id="ts0" timeString="2025-01-14T17:58:13.117"/>
+    </inkml:context>
+    <inkml:brush xml:id="br0">
+      <inkml:brushProperty name="width" value="0.05" units="cm"/>
+      <inkml:brushProperty name="height" value="0.05" units="cm"/>
+    </inkml:brush>
+  </inkml:definitions>
+  <inkml:trace contextRef="#ctx0" brushRef="#br0">1 97 24575,'12'0'0,"0"0"0,0 5 0,5-4 0,-4 4 0,5-5 0,10 0 0,-12 0 0,11 0 0,23 0 0,-29 0-8503,76-5 8503,-73 4-1552,63-21 1552,-69 18-1105,31-27 1105,-34 27 0,18-23 0,-18 24 4617,8-7-4617,-11 10 4372,-1 0-4372,1 0 2171,0 0-2171,0 0 0,-5 0 0,-2 0 0</inkml:trace>
+</inkml:ink>
+</file>
+
+<file path=ppt/ink/ink24.xml><?xml version="1.0" encoding="utf-8"?>
+<inkml:ink xmlns:inkml="http://www.w3.org/2003/InkML">
+  <inkml:definitions>
+    <inkml:context xml:id="ctx0">
+      <inkml:inkSource xml:id="inkSrc0">
+        <inkml:traceFormat>
+          <inkml:channel name="X" type="integer" min="-2.14748E9" max="2.14748E9" units="cm"/>
+          <inkml:channel name="Y" type="integer" min="-2.14748E9" max="2.14748E9" units="cm"/>
+          <inkml:channel name="F" type="integer" max="32767" units="dev"/>
+        </inkml:traceFormat>
+        <inkml:channelProperties>
+          <inkml:channelProperty channel="X" name="resolution" value="1000" units="1/cm"/>
+          <inkml:channelProperty channel="Y" name="resolution" value="1000" units="1/cm"/>
+          <inkml:channelProperty channel="F" name="resolution" value="0" units="1/dev"/>
+        </inkml:channelProperties>
+      </inkml:inkSource>
+      <inkml:timestamp xml:id="ts0" timeString="2025-01-14T17:58:14.347"/>
+    </inkml:context>
+    <inkml:brush xml:id="br0">
+      <inkml:brushProperty name="width" value="0.05" units="cm"/>
+      <inkml:brushProperty name="height" value="0.05" units="cm"/>
+    </inkml:brush>
+  </inkml:definitions>
+  <inkml:trace contextRef="#ctx0" brushRef="#br0">0 0 24575,'12'0'0,"0"0"0,11 11 0,-9-8 0,4 12 0,-8-13 0,-3 8 0,21 2 0,-12-4 0,7 8 0,40 6-6450,-43-11 6450,40 15 0,20-3 0,-13-8 0,24 8 0,6-2 0,-74-17 0,64 33 6450,-67-27-6450,33 21 0,1 3 0,-26-13 0,45 29 0,-1 1 0,-43-26 0,41 35 0,0-2-6784,-43-38 6784,38 43 0,-55-62-2818,34 47 2818,-22-38-356,43 64 356,-55-61 0,22 36 0,-29-35 5213,13 9-5213,-15-11 0,21 15 0,-18-11 0,38 38 0,-30-41-1244,22 26 1,3 1 1243,-16-23-2045,27 32 1,1-1 2044,-25-31-510,22 23 1,0-1 509,-26-26 0,34 25 0,-39-31 4032,13-2-4032,-15-5 0,10 0 0,-10 5 0,26 2 0,-22 5 0,54 5 0,-50-9 0,44 13 0,-49-18 6029,23 12-6029,-25-13 2279,9 3-2279,-11-5 0,10 0 0,-7 5-6784,71 28 6784,-58-20 0,25 15 0,-3-3 0,-32-20 0,28 21 0,0 1 0,-20-19 0,60 39 0,-69-37 0,11 7 0,-22-12 0</inkml:trace>
+</inkml:ink>
+</file>
+
+<file path=ppt/ink/ink25.xml><?xml version="1.0" encoding="utf-8"?>
+<inkml:ink xmlns:inkml="http://www.w3.org/2003/InkML">
+  <inkml:definitions>
+    <inkml:context xml:id="ctx0">
+      <inkml:inkSource xml:id="inkSrc0">
+        <inkml:traceFormat>
+          <inkml:channel name="X" type="integer" min="-2.14748E9" max="2.14748E9" units="cm"/>
+          <inkml:channel name="Y" type="integer" min="-2.14748E9" max="2.14748E9" units="cm"/>
+          <inkml:channel name="F" type="integer" max="32767" units="dev"/>
+        </inkml:traceFormat>
+        <inkml:channelProperties>
+          <inkml:channelProperty channel="X" name="resolution" value="1000" units="1/cm"/>
+          <inkml:channelProperty channel="Y" name="resolution" value="1000" units="1/cm"/>
+          <inkml:channelProperty channel="F" name="resolution" value="0" units="1/dev"/>
+        </inkml:channelProperties>
+      </inkml:inkSource>
+      <inkml:timestamp xml:id="ts0" timeString="2025-01-14T17:58:16.664"/>
+    </inkml:context>
+    <inkml:brush xml:id="br0">
+      <inkml:brushProperty name="width" value="0.05" units="cm"/>
+      <inkml:brushProperty name="height" value="0.05" units="cm"/>
+    </inkml:brush>
+  </inkml:definitions>
+  <inkml:trace contextRef="#ctx0" brushRef="#br0">471 302 24575,'0'-18'0,"0"5"0,0-4 0,0 15 0,0 4 0,0 10 0,0 31 0,0-23 0,-5 39 0,4-43 0,-15 43 0,8-39-6784,-9 50 6784,5-52-4537,-10 57 4537,12-53-1757,-21 68 1757,27-67 0,-10 30 0,1 1 0,11-29-1226,-9 36 0,1 0 1226,7-34 0,-4 29 0,-2 0 0,3-34 0,-3 31 0,0 1 0,2-29-427,-5 31 0,2 0 427,8-32 0,-14 72 0,15-75 1864,-5 49-1864,6-53 0,0 26 0,0-28 0,0 28 0,0-26 0,6 32 0,-5-33 2947,4 22-2947,1-29 4412,0 7-4412,6-16 6597,0 0-6597,38 0 552,-29 0-552,35 3 0,1 0-6709,-29-2 6709,48 4-2279,-16 4 0,-5 0 2279,-18-4-100,25 4 1,19 4 0,-3-1 99,6-2 0,-5 0 0,-6 0 0,3 0 0,7-2 0,5 0 0,-22-3 0,-29-4 0,41 2 0,-5-1 0,-52-2 0,39 0 0,-46 0 0,52 11 0,-44-3-21,39 7 1,2 3 20,-28-2 0,26 4 0,20 6 0,-17-5 0,-15-5-913,24 7 1,20 5 0,-22-8 912,-34-13-677,31 8 1,21 5 0,-20-5 676,-28-10 0,22 7 0,18 4 0,-20-4 0,-29-8 472,34 4 1,-3 0-473,-42-8 2497,29 0-2497,-38 0 0,15 0 0,-16-6 0,32 5 0,-33-4 0,45 5 0,-36 0 0,40 0 0,-41 0 0,47-6 0,-45 5 0,50-10 0,-51 10 0,57-10 0,-55 10 0,71-4 0,-69 5 0,74 0 0,-75 0 0,54-6 0,-59 5 0,33-15 0,-34 13 3734,17-13-3734,-20 15 5583,10-10-5583,-10 10 3625,4-10-3625,-10 5 0,9-6 0,-13 0 0,13 0 0,-15 0 0,4 0 0,1 5 0,-5-3 0,4 3 0,-5-5 0,0 0 0,0-16 0,0 12 0,0-38 0,0 35 0,6-62 0,-5 58-3392,2-35 0,-1-2 3392,-2 32-2269,0-44 1,0-1 2268,0 44-1517,3-51 0,0-1 1517,-2 49-1015,2-51 1,-1 0 1014,-2 52 0,0-47 0,0 1 0,0 47 0,0-40 0,0 1 0,0 42 424,0-30 0,0 1-424,0 33 0,0-58 0,0 63 2337,0-53-2337,-5 51 3607,4-24-3607,-5 32 5393,6 0-5393,0 0 3891,-5 0-3891,-2 6 0,1-5 0,-5 10 308,5-10-308,-6 10 0,5-10 0,-3 10 0,3-15 0,-5 13 0,-5-13 0,9 10 0,-8-1 0,10 2 0,-17-1 0,9 5-6784,-29-10 6784,25 10-4537,-78-15 4537,68 13-1517,-46-10 0,0 0 1517,43 9-677,-28-6 1,-19-3 0,17 4 676,21 5 0,-32-5 0,-21-3 0,22 1 0,32 2 0,-23 0 0,-18-1 0,20 1 0,28 1 0,-43 1 0,1 3 0,48 4 0,-30 0 0,0 0 0,34 0 0,-29 0 0,0 0 0,28 0 0,-33 0 0,0 0 0,30 0 0,-37 0 0,-1 0 0,36 0 0,-49-4 0,0-3 0,45-1 0,-36-5 0,-25-4 0,19 1 0,20-3 0,-22 1 0,-19-1 0,22 2 0,34 1 0,-53 5 0,2 3 0,57 2 0,-50 8 0,1 2 0,53-3 131,-41 8 0,2 3-131,41-3 393,-32 5 0,1 0-393,34-6 0,-67 8 0,72-15 0,-67 4 0,64-5 0,-75 5 0,75-3 344,-64 14-344,67-14 1471,-51 19-1471,51-18 0,-40 7 0,42-10 1364,-48 6-1364,45-5 0,-44 10 0,47-10 4123,-21 9-4123,30-3 0,-3 0 0,11-2 0</inkml:trace>
+</inkml:ink>
+</file>
+
+<file path=ppt/ink/ink26.xml><?xml version="1.0" encoding="utf-8"?>
+<inkml:ink xmlns:inkml="http://www.w3.org/2003/InkML">
+  <inkml:definitions>
+    <inkml:context xml:id="ctx0">
+      <inkml:inkSource xml:id="inkSrc0">
+        <inkml:traceFormat>
+          <inkml:channel name="X" type="integer" min="-2.14748E9" max="2.14748E9" units="cm"/>
+          <inkml:channel name="Y" type="integer" min="-2.14748E9" max="2.14748E9" units="cm"/>
+          <inkml:channel name="F" type="integer" max="32767" units="dev"/>
+        </inkml:traceFormat>
+        <inkml:channelProperties>
+          <inkml:channelProperty channel="X" name="resolution" value="1000" units="1/cm"/>
+          <inkml:channelProperty channel="Y" name="resolution" value="1000" units="1/cm"/>
+          <inkml:channelProperty channel="F" name="resolution" value="0" units="1/dev"/>
+        </inkml:channelProperties>
+      </inkml:inkSource>
+      <inkml:timestamp xml:id="ts0" timeString="2025-01-14T17:58:18.679"/>
+    </inkml:context>
+    <inkml:brush xml:id="br0">
+      <inkml:brushProperty name="width" value="0.05" units="cm"/>
+      <inkml:brushProperty name="height" value="0.05" units="cm"/>
+    </inkml:brush>
+  </inkml:definitions>
+  <inkml:trace contextRef="#ctx0" brushRef="#br0">24 0 24575,'0'12'0,"0"0"0,0 0 0,0-1 0,0 1 0,0 0 0,6-5 0,-5 19 0,4-15 0,-5 37 0,0-30 0,6 36 0,-5-37-6784,4 42 6784,-5-41-4537,0 63 4537,-5-59-1464,-1 74 1464,-1-73 0,-4 57 0,10-61-426,-4 35 426,5-38 3601,0 11-3601,0-15 5384,0 0-5384,-5-5 773,3 3 0,-3-9 0,5 5 0</inkml:trace>
+</inkml:ink>
+</file>
+
+<file path=ppt/ink/ink27.xml><?xml version="1.0" encoding="utf-8"?>
+<inkml:ink xmlns:inkml="http://www.w3.org/2003/InkML">
+  <inkml:definitions>
+    <inkml:context xml:id="ctx0">
+      <inkml:inkSource xml:id="inkSrc0">
+        <inkml:traceFormat>
+          <inkml:channel name="X" type="integer" min="-2.14748E9" max="2.14748E9" units="cm"/>
+          <inkml:channel name="Y" type="integer" min="-2.14748E9" max="2.14748E9" units="cm"/>
+          <inkml:channel name="F" type="integer" max="32767" units="dev"/>
+        </inkml:traceFormat>
+        <inkml:channelProperties>
+          <inkml:channelProperty channel="X" name="resolution" value="1000" units="1/cm"/>
+          <inkml:channelProperty channel="Y" name="resolution" value="1000" units="1/cm"/>
+          <inkml:channelProperty channel="F" name="resolution" value="0" units="1/dev"/>
+        </inkml:channelProperties>
+      </inkml:inkSource>
+      <inkml:timestamp xml:id="ts0" timeString="2025-01-14T17:58:19.540"/>
+    </inkml:context>
+    <inkml:brush xml:id="br0">
+      <inkml:brushProperty name="width" value="0.05" units="cm"/>
+      <inkml:brushProperty name="height" value="0.05" units="cm"/>
+    </inkml:brush>
+  </inkml:definitions>
+  <inkml:trace contextRef="#ctx0" brushRef="#br0">0 252 24575,'7'-5'0,"3"3"0,-3-8 0,5 3 0,0 0 0,0 2 0,5 5 0,-3 0 0,3 0 0,21-5 0,-19-2 0,68-10 0,-53 9 0,19-4 0,-1 2 0,-19 8-3392,30-14 0,-2 0 3392,-32 11-2269,41-14 1,0 0 2268,-44 15-1108,31-12 1,-1 0 1107,-33 12-504,58-22 504,-62 23 797,19-8 1,-31 11 0,-2 0 0</inkml:trace>
+</inkml:ink>
+</file>
+
+<file path=ppt/ink/ink28.xml><?xml version="1.0" encoding="utf-8"?>
+<inkml:ink xmlns:inkml="http://www.w3.org/2003/InkML">
+  <inkml:definitions>
+    <inkml:context xml:id="ctx0">
+      <inkml:inkSource xml:id="inkSrc0">
+        <inkml:traceFormat>
+          <inkml:channel name="X" type="integer" min="-2.14748E9" max="2.14748E9" units="cm"/>
+          <inkml:channel name="Y" type="integer" min="-2.14748E9" max="2.14748E9" units="cm"/>
+          <inkml:channel name="F" type="integer" max="32767" units="dev"/>
+        </inkml:traceFormat>
+        <inkml:channelProperties>
+          <inkml:channelProperty channel="X" name="resolution" value="1000" units="1/cm"/>
+          <inkml:channelProperty channel="Y" name="resolution" value="1000" units="1/cm"/>
+          <inkml:channelProperty channel="F" name="resolution" value="0" units="1/dev"/>
+        </inkml:channelProperties>
+      </inkml:inkSource>
+      <inkml:timestamp xml:id="ts0" timeString="2025-01-14T17:58:30.535"/>
+    </inkml:context>
+    <inkml:brush xml:id="br0">
+      <inkml:brushProperty name="width" value="0.05" units="cm"/>
+      <inkml:brushProperty name="height" value="0.05" units="cm"/>
+      <inkml:brushProperty name="color" value="#E71224"/>
+    </inkml:brush>
+  </inkml:definitions>
+  <inkml:trace contextRef="#ctx0" brushRef="#br0">1 0 24575,'17'0'0,"-4"0"0,10 0 0,-4 0 0,-1 0 0,47 11 0,-19-4-6123,19 5 6123,-32-6-4756,16 4 4756,-17-2 0,20 4 0,13 4 0,-26-8 0,57 14 0,-43-9 4095,0-1-4095,-36-1 0,-18-10 0,-11 9 0,0-8 6784,6 8-6784,-15-3 0,11 5 0,-12 0 0,0 10 0,7-13-6784,-28 33 6784,25-30 0,-36 37 0,32-28 0,-23 13 0,31-15 0,-7-7 0,14-7 0,0 0 0,-3-3 6784,9 8-6784,-10-9 0,10 10 0,-15-10 0,13 10 0,-12-10 0,8 4 0,6-5 0,2 0 0,6 6 0,19-5 0,-15 4-6784,38 1 6784,-32-5-1608,54 9 1608,-50-8 0,66 14 0,-66-14 0,60 19 0,-66-13-1091,43 9 1091,-47-5 0,22 5 0,-20-3 5447,-1 8-5447,-1-9 0,-4 20 0,-1-17 0,5 38 0,-10-36 0,5 42 0,-6-43 0,0 37 0,-6-37-3985,-5 32 3985,3-33 1231,-29 38-1231,25-36 0,-37 31 0,39-35 0,-43 30 0,40-27 0,-41 32 0,43-34 0,-36 24 0,35-30 0,-32 23 0,30-29 0,-35 24 0,31-25 0,-26 9 0,36-6 0,-2-3 0,10 3 0</inkml:trace>
+</inkml:ink>
+</file>
+
+<file path=ppt/ink/ink29.xml><?xml version="1.0" encoding="utf-8"?>
+<inkml:ink xmlns:inkml="http://www.w3.org/2003/InkML">
+  <inkml:definitions>
+    <inkml:context xml:id="ctx0">
+      <inkml:inkSource xml:id="inkSrc0">
+        <inkml:traceFormat>
+          <inkml:channel name="X" type="integer" min="-2.14748E9" max="2.14748E9" units="cm"/>
+          <inkml:channel name="Y" type="integer" min="-2.14748E9" max="2.14748E9" units="cm"/>
+          <inkml:channel name="F" type="integer" max="32767" units="dev"/>
+        </inkml:traceFormat>
+        <inkml:channelProperties>
+          <inkml:channelProperty channel="X" name="resolution" value="1000" units="1/cm"/>
+          <inkml:channelProperty channel="Y" name="resolution" value="1000" units="1/cm"/>
+          <inkml:channelProperty channel="F" name="resolution" value="0" units="1/dev"/>
+        </inkml:channelProperties>
+      </inkml:inkSource>
+      <inkml:timestamp xml:id="ts0" timeString="2025-01-14T17:58:31.846"/>
+    </inkml:context>
+    <inkml:brush xml:id="br0">
+      <inkml:brushProperty name="width" value="0.05" units="cm"/>
+      <inkml:brushProperty name="height" value="0.05" units="cm"/>
+      <inkml:brushProperty name="color" value="#E71224"/>
+    </inkml:brush>
+  </inkml:definitions>
+  <inkml:trace contextRef="#ctx0" brushRef="#br0">0 959 24575,'6'-7'0,"0"-4"0,6 5 0,0-1 0,0-4 0,6-1 0,-5-1 0,20-15 0,-17 14 0,39-30 0,-37 32 0,58-47 0,-55 51 0,21-20 0,-2-2 0,-26 18-3392,28-21 0,1 0 3392,-25 19-4068,41-39 4068,-45 49-3189,30-55 3189,-26 48-629,17-29 1,1 1 628,-16 29 0,45-48 0,-48 47 2566,38-33-2566,-38 33-377,32-36 377,-33 40 443,34-46-443,-38 41-1321,30-32 1321,-38 29 0,23-13 0,-25 15 0,14 1 804,-9 7 0,0 5 0,-2 0 0</inkml:trace>
+</inkml:ink>
+</file>
+
+<file path=ppt/ink/ink3.xml><?xml version="1.0" encoding="utf-8"?>
+<inkml:ink xmlns:inkml="http://www.w3.org/2003/InkML">
+  <inkml:definitions>
+    <inkml:context xml:id="ctx0">
+      <inkml:inkSource xml:id="inkSrc0">
+        <inkml:traceFormat>
+          <inkml:channel name="X" type="integer" min="-2.14748E9" max="2.14748E9" units="cm"/>
+          <inkml:channel name="Y" type="integer" min="-2.14748E9" max="2.14748E9" units="cm"/>
+          <inkml:channel name="F" type="integer" max="32767" units="dev"/>
+        </inkml:traceFormat>
+        <inkml:channelProperties>
+          <inkml:channelProperty channel="X" name="resolution" value="1000" units="1/cm"/>
+          <inkml:channelProperty channel="Y" name="resolution" value="1000" units="1/cm"/>
+          <inkml:channelProperty channel="F" name="resolution" value="0" units="1/dev"/>
+        </inkml:channelProperties>
+      </inkml:inkSource>
+      <inkml:timestamp xml:id="ts0" timeString="2025-01-14T17:57:41.162"/>
+    </inkml:context>
+    <inkml:brush xml:id="br0">
+      <inkml:brushProperty name="width" value="0.05" units="cm"/>
+      <inkml:brushProperty name="height" value="0.05" units="cm"/>
+    </inkml:brush>
+  </inkml:definitions>
+  <inkml:trace contextRef="#ctx0" brushRef="#br0">37 1 24575,'0'17'0,"0"-4"-9831,-6 4 8341,5-5 4308,-4 0-2818,5 11 1719,0-9-1719,-6 51 0,5-43 0,-2 36 0,1 1 6784,2-31-6784,-3 39 0,1-1 0,0-40 0,-1 28 0,1-1 0,2-32 0,0 60 0,0-62 0,0 35 0,0-39 0,5 23 0,-3-22 0,8 17 0,-8-20 0,8 20 0,-8-17 0,8 22 0,-8-23 0,3 7 0,-5-10 0,0 0 0,0 0 0,0-1 0,0 1 0,0 21 0,0-16 0,0 27 0,0-30 0,0 9 0,0-17 0,0 0 0</inkml:trace>
+</inkml:ink>
+</file>
+
+<file path=ppt/ink/ink30.xml><?xml version="1.0" encoding="utf-8"?>
+<inkml:ink xmlns:inkml="http://www.w3.org/2003/InkML">
+  <inkml:definitions>
+    <inkml:context xml:id="ctx0">
+      <inkml:inkSource xml:id="inkSrc0">
+        <inkml:traceFormat>
+          <inkml:channel name="X" type="integer" min="-2.14748E9" max="2.14748E9" units="cm"/>
+          <inkml:channel name="Y" type="integer" min="-2.14748E9" max="2.14748E9" units="cm"/>
+          <inkml:channel name="F" type="integer" max="32767" units="dev"/>
+        </inkml:traceFormat>
+        <inkml:channelProperties>
+          <inkml:channelProperty channel="X" name="resolution" value="1000" units="1/cm"/>
+          <inkml:channelProperty channel="Y" name="resolution" value="1000" units="1/cm"/>
+          <inkml:channelProperty channel="F" name="resolution" value="0" units="1/dev"/>
+        </inkml:channelProperties>
+      </inkml:inkSource>
+      <inkml:timestamp xml:id="ts0" timeString="2025-01-14T17:58:32.970"/>
+    </inkml:context>
+    <inkml:brush xml:id="br0">
+      <inkml:brushProperty name="width" value="0.05" units="cm"/>
+      <inkml:brushProperty name="height" value="0.05" units="cm"/>
+      <inkml:brushProperty name="color" value="#E71224"/>
+    </inkml:brush>
+  </inkml:definitions>
+  <inkml:trace contextRef="#ctx0" brushRef="#br0">1 1 24575,'0'12'0,"5"15"0,-3-11 0,3 12 0,-5-16 0,5 10 0,-3-7 0,3 7 0,-5 6 0,0-7 0,0 34 0,0-31 0,0 40 0,0-45-6784,-11 51 6784,9-51-4537,-9 57 4537,11-57-3034,0 57 3034,0-57-2029,6 77 2029,-5-70 0,7 30 0,0 0 0,-5-33 1145,12 68-1145,-13-71 0,3 39 0,-5-43 2596,0 22-2596,0-23 3882,5 12-3882,-3-13 5805,8 8-5805,-8-9 2956,3 4-2956,-5-5 0,0 0 0,0 0 0,0 0 0,0 0 0,0 5 0,0-4 0,0 9 0,0-8 0,0 3 0,0-5 0,0-1 0,0 1 0,0 0 0,0 0 0,0-5 0,0-2 0</inkml:trace>
+</inkml:ink>
+</file>
+
+<file path=ppt/ink/ink31.xml><?xml version="1.0" encoding="utf-8"?>
+<inkml:ink xmlns:inkml="http://www.w3.org/2003/InkML">
+  <inkml:definitions>
+    <inkml:context xml:id="ctx0">
+      <inkml:inkSource xml:id="inkSrc0">
+        <inkml:traceFormat>
+          <inkml:channel name="X" type="integer" min="-2.14748E9" max="2.14748E9" units="cm"/>
+          <inkml:channel name="Y" type="integer" min="-2.14748E9" max="2.14748E9" units="cm"/>
+          <inkml:channel name="F" type="integer" max="32767" units="dev"/>
+        </inkml:traceFormat>
+        <inkml:channelProperties>
+          <inkml:channelProperty channel="X" name="resolution" value="1000" units="1/cm"/>
+          <inkml:channelProperty channel="Y" name="resolution" value="1000" units="1/cm"/>
+          <inkml:channelProperty channel="F" name="resolution" value="0" units="1/dev"/>
+        </inkml:channelProperties>
+      </inkml:inkSource>
+      <inkml:timestamp xml:id="ts0" timeString="2025-01-14T17:58:35.744"/>
+    </inkml:context>
+    <inkml:brush xml:id="br0">
+      <inkml:brushProperty name="width" value="0.05" units="cm"/>
+      <inkml:brushProperty name="height" value="0.05" units="cm"/>
+      <inkml:brushProperty name="color" value="#E71224"/>
+    </inkml:brush>
+  </inkml:definitions>
+  <inkml:trace contextRef="#ctx0" brushRef="#br0">4040 0 24575,'-12'0'0,"0"0"0,5 5 0,-3-3 0,8 8 0,-50 18 0,35-16 0,-40 19 0,-4 1 0,34-18 0,-57 36 0,-2 2 0,45-31 0,-28 22 0,-22 15 0,16-11-463,8-11 463,10 2 0,-16 12 0,0 1 0,18-12 0,-4 4 0,-11 9 0,-14 12 0,20-15 0,30-20 0,-17 11 0,-13 9 0,14-10 0,23-15 0,-32 19 0,0-1 0,32-23 0,-27 14 0,0-2 463,23-18-463,-45 34 0,-2 1-6784,44-32 6784,-15 16 0,-4 5-4537,-22 17 4537,48-36-1517,-38 33 0,2-2 1517,38-37-1015,-32 32 1,2 2 1014,31-30 0,-20 16 0,2 0 0,24-16 2029,-41 27-2029,15-6 3034,10-4-3034,-40 32 4537,64-45-4537,-59 44 6784,57-52-6784,-47 51 0,40-48 0,-40 55 0,47-52 0,-41 47 0,42-52-6784,-43 50 6784,36-50-1837,-36 57 1837,37-50 0,-37 44 0,42-46 0,-51 36 0,54-37 0,-60 42 0,56-46-1964,-26 19 0,-2 0 1964,24-19-1314,-29 18 1,2 2 1313,34-14 852,-32 14 0,-1-2-852,27-18 0,-53 35 0,57-39 1085,-25 14-1085,29-17 0,-4 5 0,1-10 4009,10 10-4009,-9-10 5995,-8 20-5995,4-12 2383,-19 14-2383,19-17 0,-9 5 0,22-10 0,2 4 0,6-10 0,14-7 0,-12 4 0,25-19 0,-20 23 0,4-12 0,-13 16 0</inkml:trace>
+</inkml:ink>
+</file>
+
+<file path=ppt/ink/ink32.xml><?xml version="1.0" encoding="utf-8"?>
+<inkml:ink xmlns:inkml="http://www.w3.org/2003/InkML">
+  <inkml:definitions>
+    <inkml:context xml:id="ctx0">
+      <inkml:inkSource xml:id="inkSrc0">
+        <inkml:traceFormat>
+          <inkml:channel name="X" type="integer" min="-2.14748E9" max="2.14748E9" units="cm"/>
+          <inkml:channel name="Y" type="integer" min="-2.14748E9" max="2.14748E9" units="cm"/>
+          <inkml:channel name="F" type="integer" max="32767" units="dev"/>
+        </inkml:traceFormat>
+        <inkml:channelProperties>
+          <inkml:channelProperty channel="X" name="resolution" value="1000" units="1/cm"/>
+          <inkml:channelProperty channel="Y" name="resolution" value="1000" units="1/cm"/>
+          <inkml:channelProperty channel="F" name="resolution" value="0" units="1/dev"/>
+        </inkml:channelProperties>
+      </inkml:inkSource>
+      <inkml:timestamp xml:id="ts0" timeString="2025-01-14T17:58:37.976"/>
+    </inkml:context>
+    <inkml:brush xml:id="br0">
+      <inkml:brushProperty name="width" value="0.05" units="cm"/>
+      <inkml:brushProperty name="height" value="0.05" units="cm"/>
+      <inkml:brushProperty name="color" value="#E71224"/>
+    </inkml:brush>
+  </inkml:definitions>
+  <inkml:trace contextRef="#ctx0" brushRef="#br0">0 7 24575,'5'-6'0,"-3"6"0,8 1 0,-3 10 0,0-5 0,9 6 0,-14 0 0,30 16 0,-21-18 0,33 43 0,-34-40-6784,38 62 6784,-41-54-2269,22 24 1,0 1 2268,-21-24-1517,31 42 0,2 0 1517,-23-39-677,14 27 1,11 18 0,-8-16 676,-9-19 0,15 25 0,12 19 0,-10-18 0,-14-20 0,19 23 0,15 18 0,-14-19 0,-17-25 0,15 19 0,12 17 0,-15-17 0,-23-27 69,32 37 1,-5-1-70,-38-42 0,22 22 0,0-1 0,-26-26 0,42 56 0,-37-55 0,38 66 0,-37-64-70,17 30 1,1-2 69,-17-32 0,23 40 0,4 0 0,-19-37 0,18 35 0,-2 0 0,-24-33 0,17 22 0,-1 1 0,-17-25 0,12 24 0,1 1 0,-15-24 483,28 58-483,-29-66 0,19 49 0,-15-55 0,15 55 0,-18-50 0,27 57 0,-27-55 455,34 69-455,-28-67 0,12 42 0,-16-45 0,16 40 0,-12-39 0,8 31 0,1-2 0,-7-32 756,36 67-756,-42-66 0,25 25 0,-34-26 2868,13 0-2868,-9-5 4289,-1 3-4289,0-3 0,-1-1 749,-4 5-749,-1-10 0,-1 4 0,-4-5 0</inkml:trace>
+</inkml:ink>
+</file>
+
+<file path=ppt/ink/ink33.xml><?xml version="1.0" encoding="utf-8"?>
+<inkml:ink xmlns:inkml="http://www.w3.org/2003/InkML">
+  <inkml:definitions>
+    <inkml:context xml:id="ctx0">
+      <inkml:inkSource xml:id="inkSrc0">
+        <inkml:traceFormat>
+          <inkml:channel name="X" type="integer" min="-2.14748E9" max="2.14748E9" units="cm"/>
+          <inkml:channel name="Y" type="integer" min="-2.14748E9" max="2.14748E9" units="cm"/>
+          <inkml:channel name="F" type="integer" max="32767" units="dev"/>
+        </inkml:traceFormat>
+        <inkml:channelProperties>
+          <inkml:channelProperty channel="X" name="resolution" value="1000" units="1/cm"/>
+          <inkml:channelProperty channel="Y" name="resolution" value="1000" units="1/cm"/>
+          <inkml:channelProperty channel="F" name="resolution" value="0" units="1/dev"/>
+        </inkml:channelProperties>
+      </inkml:inkSource>
+      <inkml:timestamp xml:id="ts0" timeString="2025-01-14T17:58:43.256"/>
+    </inkml:context>
+    <inkml:brush xml:id="br0">
+      <inkml:brushProperty name="width" value="0.05" units="cm"/>
+      <inkml:brushProperty name="height" value="0.05" units="cm"/>
+      <inkml:brushProperty name="color" value="#E71224"/>
+    </inkml:brush>
+  </inkml:definitions>
+  <inkml:trace contextRef="#ctx0" brushRef="#br0">1 561 24575,'17'-6'0,"-9"10"0,8-8 0,-9 9 0,5-5 0,5 0 0,-4 0 0,36 6 0,-29-5-3392,36 4 0,1 1 3392,-27-5-2269,62 2 1,5-1 2268,-53-2-1012,43 0 1,28 0 0,-24 0 1011,-25 0-508,12 3 1,29 1 0,0 1 0,-28-1 507,-10 0 0,1 3 0,26 4 0,10 1 0,-8-1 0,-26-3 0,10 0 0,-18 1 0,23 3 0,11 2 0,1 0 0,-12-2 0,-24-3 0,21 0 0,-8-1 0,27 4 0,10 1 0,-11-1 0,-29-5 0,-3-3 0,10 0 0,27 1 0,-1-1 0,-31-1 0,-27-3 0,37 0 0,27 0 0,-28 0 0,-41 0 0,40 0 0,26 0 0,-25 0 0,-37 0 0,22 0 0,29 0 0,1 0 0,-26 0 0,-9 0 0,0 2 0,25 3 0,8 1 0,-7-1 0,-24-1 0,7 2 0,-3 0 0,26 1 0,8 1 0,-9 0 0,-26-4 0,2-1 0,7 0 0,27 2 0,-2 0 0,-32-2 0,-26-2 0,25 1 0,19 0 0,-22-1 0,-34-1 231,44-2 0,-3-1-231,-49 2 0,32-7 0,-1 0 0,-32 5 0,35-5 0,0 0 0,-32 7 0,37-2 0,1 1 0,-39 2-231,41 0 0,1 0 231,-40 0 0,37-3 0,-1 0 0,-39 2 328,37-9 1,0-1-329,-36 7 0,44-17 0,0-1 0,-41 15 0,46-22 0,0 0 0,-45 21 0,50-21 0,1-1 0,-50 18-329,58-10 1,-1 0 328,-55 13 0,60-5 0,2 2 0,-55 4 0,23 0 0,19 0 0,-18 1 0,-20-1 0,57-6 0,-4 1 0,-65 9 0,42-9 0,-3 0 0,-46 10 764,41-8-764,-54 11 2408,0 0-2408,-1 0 0,1-5 3599,0 4-3599,0-5 5383,0 6-5383,0 0 0,0 0 4230,6 0-4230,21 0 0,-15 0-6784,52 0 6784,-54 0-2318,75 6 2318,-73-5 0,32 2 0,1-1 0,-32-2-3769,67 0 3769,-74 0-603,53 0 603,-51 0 0,45 0 0,-48 0 409,38-5-409,-38 4 3672,27-5-3672,-29 1 955,7 4-955,-10-5 5964,-5 1-5964,-2-2 2474,-5-5-2474,-16-10 0,7 12 0,-13-11 0,-6 4 0,12 2-6784,-48-18 6784,43 24-4537,-65-23 4537,65 28 0,-23-18-3034,-8 10 3034,40-1 0,-83-9 0,25-8 3034,3 14-3034,-9-3 0,6 1 4537,38 9-4537,-54-8 0,0 0 6784,54 8-6784,-41-3 0,2 3 0,46 8 0,-39-5 0,63 6 0,2 0 0,11 0-6784,85 6 6784,-64-5-2269,48 4 1,-1 0 2268,-52-3-1517,49 3 0,2 0 1517,-47-3-1015,51 5 1,0 1 1014,-53-5 0,46 10 0,-1 0 0,-47-9 0,34 12 0,-1 0 0,-37-12 541,25 14 0,-1 1-541,-26-14 0,48 32 0,-58-28 2565,25 14-2565,-29-17 0,9 5 0,-5-10 3835,0 10-3835,-5-5 5735,9 6-5735,-8-5 3167,9 3-3167,-10-3 0,-2 5 0,-5-1 0,0 1 0,6 5 0,-5 2 0,4 10 0,-5-9 0,6 23 0,-5-26 0,4 16 0,-5-21 0,-5-5 0,-2 3 0,1-3 0,-5-1 0,10 5 0,-10-10 0,-11 20 0,11-11 0,-15 7 0,-2-1 0,11-14 0,-53 25 0,-3-2 0,11-4-3392,6 0 0,5 0 3392,23-11 0,-27 13-4537,38-13 4537,5-8-519,0 3 519,0 0 0,0 2 0,0-1 0,1 0 0,4-1 0,-19 7 2485,15-4-2485,-17 7 5321,-26 8-5321,6 3-2394,-13 3 1,-2-1 2393,4-4-1931,-14 9 0,6-3 1931,34-22-871,-46 23 0,-2 1 871,43-19-980,-55 16 1,-1 2 979,49-14 0,-46 10 0,0 0 0,49-15 0,-30 14 0,5 0 0,43-14 0,-29 16 0,53-23 0</inkml:trace>
+</inkml:ink>
+</file>
+
+<file path=ppt/ink/ink34.xml><?xml version="1.0" encoding="utf-8"?>
+<inkml:ink xmlns:inkml="http://www.w3.org/2003/InkML">
+  <inkml:definitions>
+    <inkml:context xml:id="ctx0">
+      <inkml:inkSource xml:id="inkSrc0">
+        <inkml:traceFormat>
+          <inkml:channel name="X" type="integer" min="-2.14748E9" max="2.14748E9" units="cm"/>
+          <inkml:channel name="Y" type="integer" min="-2.14748E9" max="2.14748E9" units="cm"/>
+          <inkml:channel name="F" type="integer" max="32767" units="dev"/>
+        </inkml:traceFormat>
+        <inkml:channelProperties>
+          <inkml:channelProperty channel="X" name="resolution" value="1000" units="1/cm"/>
+          <inkml:channelProperty channel="Y" name="resolution" value="1000" units="1/cm"/>
+          <inkml:channelProperty channel="F" name="resolution" value="0" units="1/dev"/>
+        </inkml:channelProperties>
+      </inkml:inkSource>
       <inkml:timestamp xml:id="ts0" timeString="2025-01-10T17:31:30.375"/>
     </inkml:context>
     <inkml:brush xml:id="br0">
@@ -151,7 +891,7 @@
 </inkml:ink>
 </file>
 
-<file path=ppt/ink/ink2.xml><?xml version="1.0" encoding="utf-8"?>
+<file path=ppt/ink/ink35.xml><?xml version="1.0" encoding="utf-8"?>
 <inkml:ink xmlns:inkml="http://www.w3.org/2003/InkML">
   <inkml:definitions>
     <inkml:context xml:id="ctx0">
@@ -179,7 +919,7 @@
 </inkml:ink>
 </file>
 
-<file path=ppt/ink/ink3.xml><?xml version="1.0" encoding="utf-8"?>
+<file path=ppt/ink/ink36.xml><?xml version="1.0" encoding="utf-8"?>
 <inkml:ink xmlns:inkml="http://www.w3.org/2003/InkML">
   <inkml:definitions>
     <inkml:context xml:id="ctx0">
@@ -207,7 +947,7 @@
 </inkml:ink>
 </file>
 
-<file path=ppt/ink/ink4.xml><?xml version="1.0" encoding="utf-8"?>
+<file path=ppt/ink/ink37.xml><?xml version="1.0" encoding="utf-8"?>
 <inkml:ink xmlns:inkml="http://www.w3.org/2003/InkML">
   <inkml:definitions>
     <inkml:context xml:id="ctx0">
@@ -235,7 +975,7 @@
 </inkml:ink>
 </file>
 
-<file path=ppt/ink/ink5.xml><?xml version="1.0" encoding="utf-8"?>
+<file path=ppt/ink/ink38.xml><?xml version="1.0" encoding="utf-8"?>
 <inkml:ink xmlns:inkml="http://www.w3.org/2003/InkML">
   <inkml:definitions>
     <inkml:context xml:id="ctx0">
@@ -263,7 +1003,7 @@
 </inkml:ink>
 </file>
 
-<file path=ppt/ink/ink6.xml><?xml version="1.0" encoding="utf-8"?>
+<file path=ppt/ink/ink39.xml><?xml version="1.0" encoding="utf-8"?>
 <inkml:ink xmlns:inkml="http://www.w3.org/2003/InkML">
   <inkml:definitions>
     <inkml:context xml:id="ctx0">
@@ -291,7 +1031,34 @@
 </inkml:ink>
 </file>
 
-<file path=ppt/ink/ink7.xml><?xml version="1.0" encoding="utf-8"?>
+<file path=ppt/ink/ink4.xml><?xml version="1.0" encoding="utf-8"?>
+<inkml:ink xmlns:inkml="http://www.w3.org/2003/InkML">
+  <inkml:definitions>
+    <inkml:context xml:id="ctx0">
+      <inkml:inkSource xml:id="inkSrc0">
+        <inkml:traceFormat>
+          <inkml:channel name="X" type="integer" min="-2.14748E9" max="2.14748E9" units="cm"/>
+          <inkml:channel name="Y" type="integer" min="-2.14748E9" max="2.14748E9" units="cm"/>
+          <inkml:channel name="F" type="integer" max="32767" units="dev"/>
+        </inkml:traceFormat>
+        <inkml:channelProperties>
+          <inkml:channelProperty channel="X" name="resolution" value="1000" units="1/cm"/>
+          <inkml:channelProperty channel="Y" name="resolution" value="1000" units="1/cm"/>
+          <inkml:channelProperty channel="F" name="resolution" value="0" units="1/dev"/>
+        </inkml:channelProperties>
+      </inkml:inkSource>
+      <inkml:timestamp xml:id="ts0" timeString="2025-01-14T17:57:41.923"/>
+    </inkml:context>
+    <inkml:brush xml:id="br0">
+      <inkml:brushProperty name="width" value="0.05" units="cm"/>
+      <inkml:brushProperty name="height" value="0.05" units="cm"/>
+    </inkml:brush>
+  </inkml:definitions>
+  <inkml:trace contextRef="#ctx0" brushRef="#br0">0 60 24575,'12'0'0,"0"0"0,0 0 0,0 0 0,-5-5 0,4 4 0,-5-5 0,6 6 0,0 0 0,11 0 0,-8 0 0,7 0 0,33-5 0,-33 4-6784,75-5 6784,-74 6-4537,58 0 4537,-62-5-544,35 4 544,-38-5 0,17 6 0,-19 0 4267,3-5-4267,-5 4 0,0-10 0,0 10 6380,21-5-6380,-15 6 0,36 0 0,-37 0 0,38 0 0,-38 0 0,27 0 0,-29 0 0,2 0 0,-12 0 0</inkml:trace>
+</inkml:ink>
+</file>
+
+<file path=ppt/ink/ink40.xml><?xml version="1.0" encoding="utf-8"?>
 <inkml:ink xmlns:inkml="http://www.w3.org/2003/InkML">
   <inkml:definitions>
     <inkml:context xml:id="ctx0">
@@ -316,6 +1083,141 @@
     </inkml:brush>
   </inkml:definitions>
   <inkml:trace contextRef="#ctx0" brushRef="#br0">1 67 24575,'25'0'0,"-8"-5"0,-6 4 0,-4-5 0,5 1 0,0 4 0,0-5 0,0 1 0,0 4 0,16-10 0,-12 10 0,12-5 0,47 1 0,-47 4 0,62 0 0,2 2 0,-53 0 0,31 2 0,21 1 0,-20 0 0,-31-3 0,31 3 0,21 1 0,-21-1 0,-32-2 0,57 2 0,-3 0 0,-64-4 0,39-3 0,-1 0 0,-42 2-492,27-4 0,-2-1-492,-28 5 0,54-10 0,-58 10 0,31-10 738,-34 10 0,2-4 0,-11 5 0</inkml:trace>
+</inkml:ink>
+</file>
+
+<file path=ppt/ink/ink5.xml><?xml version="1.0" encoding="utf-8"?>
+<inkml:ink xmlns:inkml="http://www.w3.org/2003/InkML">
+  <inkml:definitions>
+    <inkml:context xml:id="ctx0">
+      <inkml:inkSource xml:id="inkSrc0">
+        <inkml:traceFormat>
+          <inkml:channel name="X" type="integer" min="-2.14748E9" max="2.14748E9" units="cm"/>
+          <inkml:channel name="Y" type="integer" min="-2.14748E9" max="2.14748E9" units="cm"/>
+          <inkml:channel name="F" type="integer" max="32767" units="dev"/>
+        </inkml:traceFormat>
+        <inkml:channelProperties>
+          <inkml:channelProperty channel="X" name="resolution" value="1000" units="1/cm"/>
+          <inkml:channelProperty channel="Y" name="resolution" value="1000" units="1/cm"/>
+          <inkml:channelProperty channel="F" name="resolution" value="0" units="1/dev"/>
+        </inkml:channelProperties>
+      </inkml:inkSource>
+      <inkml:timestamp xml:id="ts0" timeString="2025-01-14T17:57:43.258"/>
+    </inkml:context>
+    <inkml:brush xml:id="br0">
+      <inkml:brushProperty name="width" value="0.05" units="cm"/>
+      <inkml:brushProperty name="height" value="0.05" units="cm"/>
+    </inkml:brush>
+  </inkml:definitions>
+  <inkml:trace contextRef="#ctx0" brushRef="#br0">36 232 24575,'0'12'0,"0"0"0,0 0 0,0-1 0,0 1 0,0 0 0,0 0 0,0 0 0,0 5 0,0-4 0,0 46 0,-5-41 0,3 34 0,-14 2 0,14-30 0,-5 28 0,3 8-6784,15 23 6784,-8-4-2269,9-19 1,2-8 2268,-5-29-58,19 46 58,-20-53 0,8 7 0,-14-13 0,8-9 4508,-3 5-4508,0-1 0,3-4 6740,-3 5-6740,5-6 131,0 0-131,0 0 0,0-6 0,0 5 0,10-26 0,-7 22 0,24-48 0,-23 40-6784,28-53 6784,-34 48-4537,38-58 4537,-41 55 0,21-30 0,2-1 0,-16 27-1293,18-44 0,1-2 1293,-20 41-489,8-21 1,-5 5 488,-14 31 2772,3-24-2772,-5 23 4145,0-17-4145,0 30 0,-5-6 4922,3 20-4922,-3-5 3045,5 6-3045,-5 0 0,4 16 0,-5-13 0,1 13 0,-2 16 0,1-25-6784,-10 56 6784,13-55-2244,-7 66 2244,10-64 0,0 69 0,0-70 0,10 54 0,-7-56-3793,18 35 3793,-13-44 0,15 27 0,-15-27 3793,13 12-3793,-13-15 2244,10 3-2244,-12-3 6784,21 5-6784,-22-1 0,32 1 0,-27-5 0,12-2 0,-10-5 0,16-11 0,-12 9-6784,33-35 6784,-37 25-1066,26-27 1066,-30 31 0,25-40 0,-17 33 0,22-55 0,-23 51 0,18-67 0,-23 62 0,7-35 0,-2 0 0,-11 32 0,4-33 0,0 2 0,-8 34-2092,0-30 0,0 0 2092,0 30 3831,0-73-3831,0 76 1036,5-45-1036,-4 50 0,5-22 0,-6 23 6594,0-7-6594,0 10 143,0 0 0,0 5 0,0 2 1</inkml:trace>
+</inkml:ink>
+</file>
+
+<file path=ppt/ink/ink6.xml><?xml version="1.0" encoding="utf-8"?>
+<inkml:ink xmlns:inkml="http://www.w3.org/2003/InkML">
+  <inkml:definitions>
+    <inkml:context xml:id="ctx0">
+      <inkml:inkSource xml:id="inkSrc0">
+        <inkml:traceFormat>
+          <inkml:channel name="X" type="integer" min="-2.14748E9" max="2.14748E9" units="cm"/>
+          <inkml:channel name="Y" type="integer" min="-2.14748E9" max="2.14748E9" units="cm"/>
+          <inkml:channel name="F" type="integer" max="32767" units="dev"/>
+        </inkml:traceFormat>
+        <inkml:channelProperties>
+          <inkml:channelProperty channel="X" name="resolution" value="1000" units="1/cm"/>
+          <inkml:channelProperty channel="Y" name="resolution" value="1000" units="1/cm"/>
+          <inkml:channelProperty channel="F" name="resolution" value="0" units="1/dev"/>
+        </inkml:channelProperties>
+      </inkml:inkSource>
+      <inkml:timestamp xml:id="ts0" timeString="2025-01-14T17:57:44.709"/>
+    </inkml:context>
+    <inkml:brush xml:id="br0">
+      <inkml:brushProperty name="width" value="0.05" units="cm"/>
+      <inkml:brushProperty name="height" value="0.05" units="cm"/>
+    </inkml:brush>
+  </inkml:definitions>
+  <inkml:trace contextRef="#ctx0" brushRef="#br0">5374 0 24575,'-5'12'0,"-1"0"0,-6 0 0,0 5 0,0-9 0,0 13 0,0-13 0,-26 35 0,20-24-2096,-26 24 2096,31-24 0,-46 41 0,20-17 0,-3 0 0,3-5 0,-8 3 0,-16 11 0,-14 11 0,-3-1 0,13-10-1972,6-11 0,0-1 1972,-15 13 0,-16 11 0,2-2 0,19-15 0,-8-1 0,22-17 0,-20 10 0,-10 4 0,-1 1 0,8-4 0,19-9 0,8-2 0,-2-1 0,-6 0 0,-20 7 0,-14 5 0,-6 3 0,-1-1 0,8-3 0,13-5 0,21-9 0,8-2 0,2-1 0,-23 7 0,-26 8 0,-12 4 0,1 0 0,14-5 0,27-9 0,-10 7 0,14-7 0,-22 11 0,-8 2 0,10-3 0,25-9 0,4 1 0,-25 12 0,-21 12 0,27-12 1646,40-16-1646,-50 26 0,3-1 0,54-29 0,-41 23 0,0-2 4394,41-27-4394,-40 27 0,3 1 0,44-28 0,-39 28 0,-1 0 0,36-22 0,-29 20 0,0-1 0,26-21 0,-18 16 0,1 0 0,24-16 0,-27 20 0,0 2 0,24-19-3392,-33 22 0,2-2 3392,35-22 0,-43 18 0,56-27 0,-41 22 0,26-15 0,-47 41 0,52-47 0,-16 30 0,21-38 0,10 12 0,4-16 6784,10 0-6784,10-5 0,-12 4 0,6-5 0</inkml:trace>
+</inkml:ink>
+</file>
+
+<file path=ppt/ink/ink7.xml><?xml version="1.0" encoding="utf-8"?>
+<inkml:ink xmlns:inkml="http://www.w3.org/2003/InkML">
+  <inkml:definitions>
+    <inkml:context xml:id="ctx0">
+      <inkml:inkSource xml:id="inkSrc0">
+        <inkml:traceFormat>
+          <inkml:channel name="X" type="integer" min="-2.14748E9" max="2.14748E9" units="cm"/>
+          <inkml:channel name="Y" type="integer" min="-2.14748E9" max="2.14748E9" units="cm"/>
+          <inkml:channel name="F" type="integer" max="32767" units="dev"/>
+        </inkml:traceFormat>
+        <inkml:channelProperties>
+          <inkml:channelProperty channel="X" name="resolution" value="1000" units="1/cm"/>
+          <inkml:channelProperty channel="Y" name="resolution" value="1000" units="1/cm"/>
+          <inkml:channelProperty channel="F" name="resolution" value="0" units="1/dev"/>
+        </inkml:channelProperties>
+      </inkml:inkSource>
+      <inkml:timestamp xml:id="ts0" timeString="2025-01-14T17:57:46.482"/>
+    </inkml:context>
+    <inkml:brush xml:id="br0">
+      <inkml:brushProperty name="width" value="0.05" units="cm"/>
+      <inkml:brushProperty name="height" value="0.05" units="cm"/>
+    </inkml:brush>
+  </inkml:definitions>
+  <inkml:trace contextRef="#ctx0" brushRef="#br0">0 0 24575,'12'0'0,"-5"5"-9831,51 39 8341,-39-23 505,41 28 985,-53-37 98,25 15-98,-26-11 0,37 28 0,-6 18 0,5 18 0,-5-12 0,12 9 0,-8-7 0,6 11 0,-17-25 477,-23-39-477,3-4 1211,-3 4-1211,5-5 0,0 5 0,-5-4 0,3 4 0,-3-5 0,5 5-1684,5 2 1684,-4 5 0,5-6 3719,-6-1-3719,5 6 0,-4-9 3108,5 9-3108,26 24 0,3 2 1391,-15-16-1391,16 13 0,13 12 0,-14-13 3358,-19-20-3358,29 21 0,-1-1 628,-35-27-628,20 12 0,-1-1 0,-20-12 0,21 16 0,-1-1 0,-18-17-3392,36 26 0,2 2 3392,-31-26-1513,25 17 1,16 11 0,-15-10 1512,-18-13-1012,25 17 1,19 10 0,-19-13 1011,-26-22-677,21 19 1,17 12 0,-18-12 676,-24-20 143,14 19 1,-5-6-144,-31-24 1880,-3 8-1880,5-3 0,0-1 0,0 5 0,0-5 0,0 1 0,0 4 0,0-5 0,0 1 0,0 3 0,0-3 0,0 5 0,0-6 0,64 52 0,-54-39-205,52 37 1,1 0 204,-50-36-586,27 19 0,17 13 0,-13-12 586,-16-16 0,27 22 0,20 15 0,-18-14 0,-23-17 0,33 17 0,22 13 0,-25-13 0,-39-18 0,25 8 0,18 9 0,-23-12 0,-34-19 129,32 20 1,-3-1-130,-37-22 0,54 37 0,-61-34 379,40 24-379,-39-25 1805,30 24-1805,-28-22-389,47 38 389,-43-35 0,30 16 0,2 0 0,-29-16-246,40 25 1,1-2 245,-37-25-782,41 32 1,3-3 781,-40-34 0,33 30 0,1 0 0,-31-27 0,21 16 0,-2 2 0,-26-16 1190,47 22-1190,-57-26 2534,32 4-2534,-30-11 0,14 10 0,-14-13 3874,3 7-3874,-10-4 5792,3-5-5792,13 10 0,-13-5 2776,33 6-2776,-38 0 54,22-5 1,-26-2-1,5-5 1</inkml:trace>
+</inkml:ink>
+</file>
+
+<file path=ppt/ink/ink8.xml><?xml version="1.0" encoding="utf-8"?>
+<inkml:ink xmlns:inkml="http://www.w3.org/2003/InkML">
+  <inkml:definitions>
+    <inkml:context xml:id="ctx0">
+      <inkml:inkSource xml:id="inkSrc0">
+        <inkml:traceFormat>
+          <inkml:channel name="X" type="integer" min="-2.14748E9" max="2.14748E9" units="cm"/>
+          <inkml:channel name="Y" type="integer" min="-2.14748E9" max="2.14748E9" units="cm"/>
+          <inkml:channel name="F" type="integer" max="32767" units="dev"/>
+        </inkml:traceFormat>
+        <inkml:channelProperties>
+          <inkml:channelProperty channel="X" name="resolution" value="1000" units="1/cm"/>
+          <inkml:channelProperty channel="Y" name="resolution" value="1000" units="1/cm"/>
+          <inkml:channelProperty channel="F" name="resolution" value="0" units="1/dev"/>
+        </inkml:channelProperties>
+      </inkml:inkSource>
+      <inkml:timestamp xml:id="ts0" timeString="2025-01-14T17:57:49.306"/>
+    </inkml:context>
+    <inkml:brush xml:id="br0">
+      <inkml:brushProperty name="width" value="0.05" units="cm"/>
+      <inkml:brushProperty name="height" value="0.05" units="cm"/>
+    </inkml:brush>
+  </inkml:definitions>
+  <inkml:trace contextRef="#ctx0" brushRef="#br0">0 0 24575,'0'12'0,"0"26"-6781,0-19 6781,0 19 1965,6-26-1965,-5 15 0,4-11-4463,-5 59 4463,0-51-1855,3 44 0,0 2 1855,-2-38-683,4 46 0,1-2 683,-5-48-1015,3 32 1,3-3 1014,-1-40 1264,6 73-1264,-5-74 2098,-2 43-2098,0-50 3694,-3 18-3694,3-19 0,-5 3 0,0-5 0</inkml:trace>
+</inkml:ink>
+</file>
+
+<file path=ppt/ink/ink9.xml><?xml version="1.0" encoding="utf-8"?>
+<inkml:ink xmlns:inkml="http://www.w3.org/2003/InkML">
+  <inkml:definitions>
+    <inkml:context xml:id="ctx0">
+      <inkml:inkSource xml:id="inkSrc0">
+        <inkml:traceFormat>
+          <inkml:channel name="X" type="integer" min="-2.14748E9" max="2.14748E9" units="cm"/>
+          <inkml:channel name="Y" type="integer" min="-2.14748E9" max="2.14748E9" units="cm"/>
+          <inkml:channel name="F" type="integer" max="32767" units="dev"/>
+        </inkml:traceFormat>
+        <inkml:channelProperties>
+          <inkml:channelProperty channel="X" name="resolution" value="1000" units="1/cm"/>
+          <inkml:channelProperty channel="Y" name="resolution" value="1000" units="1/cm"/>
+          <inkml:channelProperty channel="F" name="resolution" value="0" units="1/dev"/>
+        </inkml:channelProperties>
+      </inkml:inkSource>
+      <inkml:timestamp xml:id="ts0" timeString="2025-01-14T17:57:50.024"/>
+    </inkml:context>
+    <inkml:brush xml:id="br0">
+      <inkml:brushProperty name="width" value="0.05" units="cm"/>
+      <inkml:brushProperty name="height" value="0.05" units="cm"/>
+    </inkml:brush>
+  </inkml:definitions>
+  <inkml:trace contextRef="#ctx0" brushRef="#br0">12 84 24575,'-5'-6'0,"3"-5"0,-3 4 0,11 1 0,0 0 0,6 6 0,5 0 0,-3 0 0,56 0 0,-45 0-3392,37 0 0,0 0 3392,-35 0-2269,39 1 1,2-2 2268,-35-4-1517,25 2 0,-1-1 1517,-31-2 0,50-5 0,-57 4 3034,19 1-3034,-36 0 4537,-4 6-4537,-4 6 6784,-21 0-6784,17 1 0,-12-2 0,16-5 0</inkml:trace>
 </inkml:ink>
 </file>
 
@@ -3837,7 +4739,7 @@
           <p:cNvPr id="2" name="Title 1">
             <a:extLst>
               <a:ext uri="{FF2B5EF4-FFF2-40B4-BE49-F238E27FC236}">
-                <a16:creationId xmlns:a16="http://schemas.microsoft.com/office/drawing/2014/main" id="{7B63B12F-95CF-C2E2-130A-26FBC4452A97}"/>
+                <a16:creationId xmlns:a16="http://schemas.microsoft.com/office/drawing/2014/main" id="{5A26D70A-6501-012D-07F4-9FD937732487}"/>
               </a:ext>
             </a:extLst>
           </p:cNvPr>
@@ -3845,7 +4747,7 @@
             <a:spLocks noGrp="1"/>
           </p:cNvSpPr>
           <p:nvPr>
-            <p:ph type="ctrTitle"/>
+            <p:ph type="title"/>
           </p:nvPr>
         </p:nvSpPr>
         <p:spPr/>
@@ -3855,17 +4757,17 @@
           <a:p>
             <a:r>
               <a:rPr lang="en-US" dirty="0"/>
-              <a:t>Review the Trees!</a:t>
+              <a:t>Housekeeping</a:t>
             </a:r>
           </a:p>
         </p:txBody>
       </p:sp>
       <p:sp>
         <p:nvSpPr>
-          <p:cNvPr id="3" name="Subtitle 2">
+          <p:cNvPr id="3" name="Content Placeholder 2">
             <a:extLst>
               <a:ext uri="{FF2B5EF4-FFF2-40B4-BE49-F238E27FC236}">
-                <a16:creationId xmlns:a16="http://schemas.microsoft.com/office/drawing/2014/main" id="{2483AC0A-7ACD-08F8-D19F-70DF97A5DF17}"/>
+                <a16:creationId xmlns:a16="http://schemas.microsoft.com/office/drawing/2014/main" id="{5F2155F8-A85E-771F-403F-C8FFB39B498E}"/>
               </a:ext>
             </a:extLst>
           </p:cNvPr>
@@ -3873,7 +4775,7 @@
             <a:spLocks noGrp="1"/>
           </p:cNvSpPr>
           <p:nvPr>
-            <p:ph type="subTitle" idx="1"/>
+            <p:ph idx="1"/>
           </p:nvPr>
         </p:nvSpPr>
         <p:spPr/>
@@ -3881,14 +4783,24 @@
           <a:bodyPr/>
           <a:lstStyle/>
           <a:p>
-            <a:endParaRPr lang="en-US"/>
+            <a:r>
+              <a:rPr lang="en-US" dirty="0"/>
+              <a:t>Trees:</a:t>
+            </a:r>
+          </a:p>
+          <a:p>
+            <a:pPr lvl="1"/>
+            <a:r>
+              <a:rPr lang="en-US" dirty="0"/>
+              <a:t>Review of basics and step-by-step example. </a:t>
+            </a:r>
           </a:p>
         </p:txBody>
       </p:sp>
     </p:spTree>
     <p:extLst>
       <p:ext uri="{BB962C8B-B14F-4D97-AF65-F5344CB8AC3E}">
-        <p14:creationId xmlns:p14="http://schemas.microsoft.com/office/powerpoint/2010/main" val="1466756594"/>
+        <p14:creationId xmlns:p14="http://schemas.microsoft.com/office/powerpoint/2010/main" val="103583052"/>
       </p:ext>
     </p:extLst>
   </p:cSld>
@@ -3899,6 +4811,1092 @@
 </file>
 
 <file path=ppt/slides/slide10.xml><?xml version="1.0" encoding="utf-8"?>
+<p:sld xmlns:a="http://schemas.openxmlformats.org/drawingml/2006/main" xmlns:r="http://schemas.openxmlformats.org/officeDocument/2006/relationships" xmlns:p="http://schemas.openxmlformats.org/presentationml/2006/main">
+  <p:cSld>
+    <p:spTree>
+      <p:nvGrpSpPr>
+        <p:cNvPr id="1" name=""/>
+        <p:cNvGrpSpPr/>
+        <p:nvPr/>
+      </p:nvGrpSpPr>
+      <p:grpSpPr>
+        <a:xfrm>
+          <a:off x="0" y="0"/>
+          <a:ext cx="0" cy="0"/>
+          <a:chOff x="0" y="0"/>
+          <a:chExt cx="0" cy="0"/>
+        </a:xfrm>
+      </p:grpSpPr>
+      <p:sp>
+        <p:nvSpPr>
+          <p:cNvPr id="2" name="Title 1">
+            <a:extLst>
+              <a:ext uri="{FF2B5EF4-FFF2-40B4-BE49-F238E27FC236}">
+                <a16:creationId xmlns:a16="http://schemas.microsoft.com/office/drawing/2014/main" id="{E92D62FE-2853-37E7-CA93-CCE36D039B9D}"/>
+              </a:ext>
+            </a:extLst>
+          </p:cNvPr>
+          <p:cNvSpPr>
+            <a:spLocks noGrp="1"/>
+          </p:cNvSpPr>
+          <p:nvPr>
+            <p:ph type="title"/>
+          </p:nvPr>
+        </p:nvSpPr>
+        <p:spPr/>
+        <p:txBody>
+          <a:bodyPr/>
+          <a:lstStyle/>
+          <a:p>
+            <a:r>
+              <a:rPr lang="en-US" dirty="0"/>
+              <a:t>First Split – Root Node</a:t>
+            </a:r>
+          </a:p>
+        </p:txBody>
+      </p:sp>
+      <p:sp>
+        <p:nvSpPr>
+          <p:cNvPr id="3" name="Content Placeholder 2">
+            <a:extLst>
+              <a:ext uri="{FF2B5EF4-FFF2-40B4-BE49-F238E27FC236}">
+                <a16:creationId xmlns:a16="http://schemas.microsoft.com/office/drawing/2014/main" id="{F5C6F51B-BCE3-89E0-8E1F-D28F96879C49}"/>
+              </a:ext>
+            </a:extLst>
+          </p:cNvPr>
+          <p:cNvSpPr>
+            <a:spLocks noGrp="1"/>
+          </p:cNvSpPr>
+          <p:nvPr>
+            <p:ph idx="1"/>
+          </p:nvPr>
+        </p:nvSpPr>
+        <p:spPr/>
+        <p:txBody>
+          <a:bodyPr/>
+          <a:lstStyle/>
+          <a:p>
+            <a:r>
+              <a:rPr lang="en-US" dirty="0"/>
+              <a:t>To determine the root node we need to:</a:t>
+            </a:r>
+          </a:p>
+          <a:p>
+            <a:pPr lvl="1"/>
+            <a:r>
+              <a:rPr lang="en-US" dirty="0"/>
+              <a:t>Split the data using each feature, measure the resulting purity of the child nodes. </a:t>
+            </a:r>
+          </a:p>
+          <a:p>
+            <a:pPr lvl="1"/>
+            <a:r>
+              <a:rPr lang="en-US" dirty="0"/>
+              <a:t>Choose the one that is most pure (we’ll use Gini). </a:t>
+            </a:r>
+          </a:p>
+          <a:p>
+            <a:r>
+              <a:rPr lang="en-US" dirty="0"/>
+              <a:t>Step 1 – check is feature for a possible spit, compare their </a:t>
+            </a:r>
+            <a:r>
+              <a:rPr lang="en-US" dirty="0" err="1"/>
+              <a:t>ginis</a:t>
+            </a:r>
+            <a:r>
+              <a:rPr lang="en-US"/>
+              <a:t>. </a:t>
+            </a:r>
+            <a:endParaRPr lang="en-US" dirty="0"/>
+          </a:p>
+          <a:p>
+            <a:endParaRPr lang="en-US" dirty="0"/>
+          </a:p>
+        </p:txBody>
+      </p:sp>
+      <p:pic>
+        <p:nvPicPr>
+          <p:cNvPr id="4098" name="Picture 2" descr="Gini Impurity and Entropy for Decision Tree | by Arpita Kaushik | Medium">
+            <a:extLst>
+              <a:ext uri="{FF2B5EF4-FFF2-40B4-BE49-F238E27FC236}">
+                <a16:creationId xmlns:a16="http://schemas.microsoft.com/office/drawing/2014/main" id="{D92FC8B7-3110-8FE7-AF4B-AF75734123EE}"/>
+              </a:ext>
+            </a:extLst>
+          </p:cNvPr>
+          <p:cNvPicPr>
+            <a:picLocks noChangeAspect="1" noChangeArrowheads="1"/>
+          </p:cNvPicPr>
+          <p:nvPr/>
+        </p:nvPicPr>
+        <p:blipFill>
+          <a:blip r:embed="rId2">
+            <a:extLst>
+              <a:ext uri="{28A0092B-C50C-407E-A947-70E740481C1C}">
+                <a14:useLocalDpi xmlns:a14="http://schemas.microsoft.com/office/drawing/2010/main" val="0"/>
+              </a:ext>
+            </a:extLst>
+          </a:blip>
+          <a:srcRect/>
+          <a:stretch>
+            <a:fillRect/>
+          </a:stretch>
+        </p:blipFill>
+        <p:spPr bwMode="auto">
+          <a:xfrm>
+            <a:off x="4316466" y="3859924"/>
+            <a:ext cx="3873500" cy="1930400"/>
+          </a:xfrm>
+          <a:prstGeom prst="rect">
+            <a:avLst/>
+          </a:prstGeom>
+          <a:noFill/>
+          <a:extLst>
+            <a:ext uri="{909E8E84-426E-40DD-AFC4-6F175D3DCCD1}">
+              <a14:hiddenFill xmlns:a14="http://schemas.microsoft.com/office/drawing/2010/main">
+                <a:solidFill>
+                  <a:srgbClr val="FFFFFF"/>
+                </a:solidFill>
+              </a14:hiddenFill>
+            </a:ext>
+          </a:extLst>
+        </p:spPr>
+      </p:pic>
+    </p:spTree>
+    <p:extLst>
+      <p:ext uri="{BB962C8B-B14F-4D97-AF65-F5344CB8AC3E}">
+        <p14:creationId xmlns:p14="http://schemas.microsoft.com/office/powerpoint/2010/main" val="3054187747"/>
+      </p:ext>
+    </p:extLst>
+  </p:cSld>
+  <p:clrMapOvr>
+    <a:masterClrMapping/>
+  </p:clrMapOvr>
+</p:sld>
+</file>
+
+<file path=ppt/slides/slide11.xml><?xml version="1.0" encoding="utf-8"?>
+<p:sld xmlns:a="http://schemas.openxmlformats.org/drawingml/2006/main" xmlns:r="http://schemas.openxmlformats.org/officeDocument/2006/relationships" xmlns:p="http://schemas.openxmlformats.org/presentationml/2006/main">
+  <p:cSld>
+    <p:bg>
+      <p:bgPr>
+        <a:gradFill rotWithShape="1">
+          <a:gsLst>
+            <a:gs pos="0">
+              <a:schemeClr val="bg2">
+                <a:tint val="94000"/>
+                <a:satMod val="80000"/>
+                <a:lumMod val="106000"/>
+              </a:schemeClr>
+            </a:gs>
+            <a:gs pos="100000">
+              <a:schemeClr val="bg2">
+                <a:shade val="80000"/>
+              </a:schemeClr>
+            </a:gs>
+          </a:gsLst>
+          <a:path path="circle">
+            <a:fillToRect l="43000" r="43000" b="100000"/>
+          </a:path>
+        </a:gradFill>
+        <a:effectLst/>
+      </p:bgPr>
+    </p:bg>
+    <p:spTree>
+      <p:nvGrpSpPr>
+        <p:cNvPr id="1" name=""/>
+        <p:cNvGrpSpPr/>
+        <p:nvPr/>
+      </p:nvGrpSpPr>
+      <p:grpSpPr>
+        <a:xfrm>
+          <a:off x="0" y="0"/>
+          <a:ext cx="0" cy="0"/>
+          <a:chOff x="0" y="0"/>
+          <a:chExt cx="0" cy="0"/>
+        </a:xfrm>
+      </p:grpSpPr>
+      <p:sp>
+        <p:nvSpPr>
+          <p:cNvPr id="2" name="Title 1">
+            <a:extLst>
+              <a:ext uri="{FF2B5EF4-FFF2-40B4-BE49-F238E27FC236}">
+                <a16:creationId xmlns:a16="http://schemas.microsoft.com/office/drawing/2014/main" id="{31BEB022-BAF7-B088-A4E6-78DC7516070E}"/>
+              </a:ext>
+            </a:extLst>
+          </p:cNvPr>
+          <p:cNvSpPr>
+            <a:spLocks noGrp="1"/>
+          </p:cNvSpPr>
+          <p:nvPr>
+            <p:ph type="title"/>
+          </p:nvPr>
+        </p:nvSpPr>
+        <p:spPr>
+          <a:xfrm>
+            <a:off x="1451579" y="804519"/>
+            <a:ext cx="9603275" cy="1049235"/>
+          </a:xfrm>
+        </p:spPr>
+        <p:txBody>
+          <a:bodyPr>
+            <a:normAutofit/>
+          </a:bodyPr>
+          <a:lstStyle/>
+          <a:p>
+            <a:r>
+              <a:rPr lang="en-US" dirty="0"/>
+              <a:t>Feature 1</a:t>
+            </a:r>
+          </a:p>
+        </p:txBody>
+      </p:sp>
+      <p:sp>
+        <p:nvSpPr>
+          <p:cNvPr id="3" name="Content Placeholder 2">
+            <a:extLst>
+              <a:ext uri="{FF2B5EF4-FFF2-40B4-BE49-F238E27FC236}">
+                <a16:creationId xmlns:a16="http://schemas.microsoft.com/office/drawing/2014/main" id="{C2555DC0-FF2D-1FDE-A184-613C450A5E23}"/>
+              </a:ext>
+            </a:extLst>
+          </p:cNvPr>
+          <p:cNvSpPr>
+            <a:spLocks noGrp="1"/>
+          </p:cNvSpPr>
+          <p:nvPr>
+            <p:ph idx="1"/>
+          </p:nvPr>
+        </p:nvSpPr>
+        <p:spPr>
+          <a:xfrm>
+            <a:off x="157164" y="2015734"/>
+            <a:ext cx="7100372" cy="3450613"/>
+          </a:xfrm>
+        </p:spPr>
+        <p:txBody>
+          <a:bodyPr>
+            <a:normAutofit lnSpcReduction="10000"/>
+          </a:bodyPr>
+          <a:lstStyle/>
+          <a:p>
+            <a:r>
+              <a:rPr lang="en-US" dirty="0"/>
+              <a:t>True:</a:t>
+            </a:r>
+          </a:p>
+          <a:p>
+            <a:pPr lvl="1"/>
+            <a:r>
+              <a:rPr lang="en-US" dirty="0"/>
+              <a:t>Gini Impurity = 1 — (5/(5+1))^2 — (1/(5+1))^2 = .277</a:t>
+            </a:r>
+          </a:p>
+          <a:p>
+            <a:r>
+              <a:rPr lang="en-US" dirty="0"/>
+              <a:t>False:</a:t>
+            </a:r>
+          </a:p>
+          <a:p>
+            <a:pPr lvl="1"/>
+            <a:r>
+              <a:rPr lang="en-US" dirty="0"/>
+              <a:t>Gini Impurity = 1 — (1/(3+1))^2 — (3/(3+1))^2 = .375</a:t>
+            </a:r>
+          </a:p>
+          <a:p>
+            <a:r>
+              <a:rPr lang="en-US" dirty="0"/>
+              <a:t>Since these leaf nodes represent a different number of patients (True = 6, False = 4), we have to get the weighted average of the leaf node impurities.</a:t>
+            </a:r>
+          </a:p>
+          <a:p>
+            <a:pPr lvl="1"/>
+            <a:r>
+              <a:rPr lang="en-US" dirty="0"/>
+              <a:t>Weighted Average Gini Impurity = (6/10)*.277 + (4/10)*.375 = </a:t>
+            </a:r>
+            <a:r>
+              <a:rPr lang="en-US" b="1" dirty="0"/>
+              <a:t>.3162</a:t>
+            </a:r>
+          </a:p>
+          <a:p>
+            <a:endParaRPr lang="en-US" dirty="0"/>
+          </a:p>
+        </p:txBody>
+      </p:sp>
+      <p:pic>
+        <p:nvPicPr>
+          <p:cNvPr id="3074" name="Picture 2">
+            <a:extLst>
+              <a:ext uri="{FF2B5EF4-FFF2-40B4-BE49-F238E27FC236}">
+                <a16:creationId xmlns:a16="http://schemas.microsoft.com/office/drawing/2014/main" id="{8F5AF9CF-5F7E-7B51-175E-B6D8E9B32922}"/>
+              </a:ext>
+            </a:extLst>
+          </p:cNvPr>
+          <p:cNvPicPr>
+            <a:picLocks noChangeAspect="1" noChangeArrowheads="1"/>
+          </p:cNvPicPr>
+          <p:nvPr/>
+        </p:nvPicPr>
+        <p:blipFill>
+          <a:blip r:embed="rId2">
+            <a:extLst>
+              <a:ext uri="{28A0092B-C50C-407E-A947-70E740481C1C}">
+                <a14:useLocalDpi xmlns:a14="http://schemas.microsoft.com/office/drawing/2010/main" val="0"/>
+              </a:ext>
+            </a:extLst>
+          </a:blip>
+          <a:stretch>
+            <a:fillRect/>
+          </a:stretch>
+        </p:blipFill>
+        <p:spPr bwMode="auto">
+          <a:xfrm>
+            <a:off x="7257535" y="2188336"/>
+            <a:ext cx="4928019" cy="3278012"/>
+          </a:xfrm>
+          <a:prstGeom prst="rect">
+            <a:avLst/>
+          </a:prstGeom>
+          <a:noFill/>
+          <a:extLst>
+            <a:ext uri="{909E8E84-426E-40DD-AFC4-6F175D3DCCD1}">
+              <a14:hiddenFill xmlns:a14="http://schemas.microsoft.com/office/drawing/2010/main">
+                <a:solidFill>
+                  <a:srgbClr val="FFFFFF"/>
+                </a:solidFill>
+              </a14:hiddenFill>
+            </a:ext>
+          </a:extLst>
+        </p:spPr>
+      </p:pic>
+    </p:spTree>
+    <p:extLst>
+      <p:ext uri="{BB962C8B-B14F-4D97-AF65-F5344CB8AC3E}">
+        <p14:creationId xmlns:p14="http://schemas.microsoft.com/office/powerpoint/2010/main" val="3801276320"/>
+      </p:ext>
+    </p:extLst>
+  </p:cSld>
+  <p:clrMapOvr>
+    <a:masterClrMapping/>
+  </p:clrMapOvr>
+</p:sld>
+</file>
+
+<file path=ppt/slides/slide12.xml><?xml version="1.0" encoding="utf-8"?>
+<p:sld xmlns:a="http://schemas.openxmlformats.org/drawingml/2006/main" xmlns:r="http://schemas.openxmlformats.org/officeDocument/2006/relationships" xmlns:p="http://schemas.openxmlformats.org/presentationml/2006/main">
+  <p:cSld>
+    <p:bg>
+      <p:bgPr>
+        <a:gradFill rotWithShape="1">
+          <a:gsLst>
+            <a:gs pos="0">
+              <a:schemeClr val="bg2">
+                <a:tint val="94000"/>
+                <a:satMod val="80000"/>
+                <a:lumMod val="106000"/>
+              </a:schemeClr>
+            </a:gs>
+            <a:gs pos="100000">
+              <a:schemeClr val="bg2">
+                <a:shade val="80000"/>
+              </a:schemeClr>
+            </a:gs>
+          </a:gsLst>
+          <a:path path="circle">
+            <a:fillToRect l="43000" r="43000" b="100000"/>
+          </a:path>
+        </a:gradFill>
+        <a:effectLst/>
+      </p:bgPr>
+    </p:bg>
+    <p:spTree>
+      <p:nvGrpSpPr>
+        <p:cNvPr id="1" name="">
+          <a:extLst>
+            <a:ext uri="{FF2B5EF4-FFF2-40B4-BE49-F238E27FC236}">
+              <a16:creationId xmlns:a16="http://schemas.microsoft.com/office/drawing/2014/main" id="{DFC4750B-A498-B710-83D7-976847DBFBB1}"/>
+            </a:ext>
+          </a:extLst>
+        </p:cNvPr>
+        <p:cNvGrpSpPr/>
+        <p:nvPr/>
+      </p:nvGrpSpPr>
+      <p:grpSpPr>
+        <a:xfrm>
+          <a:off x="0" y="0"/>
+          <a:ext cx="0" cy="0"/>
+          <a:chOff x="0" y="0"/>
+          <a:chExt cx="0" cy="0"/>
+        </a:xfrm>
+      </p:grpSpPr>
+      <p:sp>
+        <p:nvSpPr>
+          <p:cNvPr id="2" name="Title 1">
+            <a:extLst>
+              <a:ext uri="{FF2B5EF4-FFF2-40B4-BE49-F238E27FC236}">
+                <a16:creationId xmlns:a16="http://schemas.microsoft.com/office/drawing/2014/main" id="{7AC06B39-9506-ED9C-8561-71D72AE8265E}"/>
+              </a:ext>
+            </a:extLst>
+          </p:cNvPr>
+          <p:cNvSpPr>
+            <a:spLocks noGrp="1"/>
+          </p:cNvSpPr>
+          <p:nvPr>
+            <p:ph type="title"/>
+          </p:nvPr>
+        </p:nvSpPr>
+        <p:spPr>
+          <a:xfrm>
+            <a:off x="1451579" y="804519"/>
+            <a:ext cx="9603275" cy="1049235"/>
+          </a:xfrm>
+        </p:spPr>
+        <p:txBody>
+          <a:bodyPr>
+            <a:normAutofit/>
+          </a:bodyPr>
+          <a:lstStyle/>
+          <a:p>
+            <a:r>
+              <a:rPr lang="en-US" dirty="0"/>
+              <a:t>Feature 2</a:t>
+            </a:r>
+          </a:p>
+        </p:txBody>
+      </p:sp>
+      <p:sp>
+        <p:nvSpPr>
+          <p:cNvPr id="3" name="Content Placeholder 2">
+            <a:extLst>
+              <a:ext uri="{FF2B5EF4-FFF2-40B4-BE49-F238E27FC236}">
+                <a16:creationId xmlns:a16="http://schemas.microsoft.com/office/drawing/2014/main" id="{8C4E6DA6-A573-4264-04E8-13E381EBF33C}"/>
+              </a:ext>
+            </a:extLst>
+          </p:cNvPr>
+          <p:cNvSpPr>
+            <a:spLocks noGrp="1"/>
+          </p:cNvSpPr>
+          <p:nvPr>
+            <p:ph idx="1"/>
+          </p:nvPr>
+        </p:nvSpPr>
+        <p:spPr>
+          <a:xfrm>
+            <a:off x="157164" y="2015734"/>
+            <a:ext cx="7100372" cy="3450613"/>
+          </a:xfrm>
+        </p:spPr>
+        <p:txBody>
+          <a:bodyPr>
+            <a:normAutofit/>
+          </a:bodyPr>
+          <a:lstStyle/>
+          <a:p>
+            <a:r>
+              <a:rPr lang="en-US" dirty="0"/>
+              <a:t>True:</a:t>
+            </a:r>
+          </a:p>
+          <a:p>
+            <a:pPr lvl="1"/>
+            <a:r>
+              <a:rPr lang="en-US" dirty="0"/>
+              <a:t>Gini Impurity = 1 — (4/(4+0))^2 — (0/(4+0))^2 = 0</a:t>
+            </a:r>
+          </a:p>
+          <a:p>
+            <a:r>
+              <a:rPr lang="en-US" dirty="0"/>
+              <a:t>False:</a:t>
+            </a:r>
+          </a:p>
+          <a:p>
+            <a:pPr lvl="1"/>
+            <a:r>
+              <a:rPr lang="en-US" dirty="0"/>
+              <a:t>Gini Impurity = 1 — (2/(4+2))^2 — (4/(4+2))^2 = .444</a:t>
+            </a:r>
+          </a:p>
+          <a:p>
+            <a:r>
+              <a:rPr lang="en-US" dirty="0"/>
+              <a:t>Weighted Average Gini Impurity = (4/10)*0 + (6/10) *.444 = </a:t>
+            </a:r>
+            <a:r>
+              <a:rPr lang="en-US" b="1" dirty="0"/>
+              <a:t>.2664</a:t>
+            </a:r>
+          </a:p>
+        </p:txBody>
+      </p:sp>
+      <p:pic>
+        <p:nvPicPr>
+          <p:cNvPr id="6146" name="Picture 2">
+            <a:extLst>
+              <a:ext uri="{FF2B5EF4-FFF2-40B4-BE49-F238E27FC236}">
+                <a16:creationId xmlns:a16="http://schemas.microsoft.com/office/drawing/2014/main" id="{BF529C48-B865-5C3B-FEDB-9188424A3A48}"/>
+              </a:ext>
+            </a:extLst>
+          </p:cNvPr>
+          <p:cNvPicPr>
+            <a:picLocks noChangeAspect="1" noChangeArrowheads="1"/>
+          </p:cNvPicPr>
+          <p:nvPr/>
+        </p:nvPicPr>
+        <p:blipFill>
+          <a:blip r:embed="rId2">
+            <a:extLst>
+              <a:ext uri="{28A0092B-C50C-407E-A947-70E740481C1C}">
+                <a14:useLocalDpi xmlns:a14="http://schemas.microsoft.com/office/drawing/2010/main" val="0"/>
+              </a:ext>
+            </a:extLst>
+          </a:blip>
+          <a:srcRect/>
+          <a:stretch>
+            <a:fillRect/>
+          </a:stretch>
+        </p:blipFill>
+        <p:spPr bwMode="auto">
+          <a:xfrm>
+            <a:off x="6680200" y="1853754"/>
+            <a:ext cx="5511800" cy="4038600"/>
+          </a:xfrm>
+          <a:prstGeom prst="rect">
+            <a:avLst/>
+          </a:prstGeom>
+          <a:noFill/>
+          <a:extLst>
+            <a:ext uri="{909E8E84-426E-40DD-AFC4-6F175D3DCCD1}">
+              <a14:hiddenFill xmlns:a14="http://schemas.microsoft.com/office/drawing/2010/main">
+                <a:solidFill>
+                  <a:srgbClr val="FFFFFF"/>
+                </a:solidFill>
+              </a14:hiddenFill>
+            </a:ext>
+          </a:extLst>
+        </p:spPr>
+      </p:pic>
+    </p:spTree>
+    <p:extLst>
+      <p:ext uri="{BB962C8B-B14F-4D97-AF65-F5344CB8AC3E}">
+        <p14:creationId xmlns:p14="http://schemas.microsoft.com/office/powerpoint/2010/main" val="4021065881"/>
+      </p:ext>
+    </p:extLst>
+  </p:cSld>
+  <p:clrMapOvr>
+    <a:masterClrMapping/>
+  </p:clrMapOvr>
+</p:sld>
+</file>
+
+<file path=ppt/slides/slide13.xml><?xml version="1.0" encoding="utf-8"?>
+<p:sld xmlns:a="http://schemas.openxmlformats.org/drawingml/2006/main" xmlns:r="http://schemas.openxmlformats.org/officeDocument/2006/relationships" xmlns:p="http://schemas.openxmlformats.org/presentationml/2006/main">
+  <p:cSld>
+    <p:bg>
+      <p:bgPr>
+        <a:gradFill rotWithShape="1">
+          <a:gsLst>
+            <a:gs pos="0">
+              <a:schemeClr val="bg2">
+                <a:tint val="94000"/>
+                <a:satMod val="80000"/>
+                <a:lumMod val="106000"/>
+              </a:schemeClr>
+            </a:gs>
+            <a:gs pos="100000">
+              <a:schemeClr val="bg2">
+                <a:shade val="80000"/>
+              </a:schemeClr>
+            </a:gs>
+          </a:gsLst>
+          <a:path path="circle">
+            <a:fillToRect l="43000" r="43000" b="100000"/>
+          </a:path>
+        </a:gradFill>
+        <a:effectLst/>
+      </p:bgPr>
+    </p:bg>
+    <p:spTree>
+      <p:nvGrpSpPr>
+        <p:cNvPr id="1" name="">
+          <a:extLst>
+            <a:ext uri="{FF2B5EF4-FFF2-40B4-BE49-F238E27FC236}">
+              <a16:creationId xmlns:a16="http://schemas.microsoft.com/office/drawing/2014/main" id="{E9E393A7-9BCA-F98A-E697-36BF37195125}"/>
+            </a:ext>
+          </a:extLst>
+        </p:cNvPr>
+        <p:cNvGrpSpPr/>
+        <p:nvPr/>
+      </p:nvGrpSpPr>
+      <p:grpSpPr>
+        <a:xfrm>
+          <a:off x="0" y="0"/>
+          <a:ext cx="0" cy="0"/>
+          <a:chOff x="0" y="0"/>
+          <a:chExt cx="0" cy="0"/>
+        </a:xfrm>
+      </p:grpSpPr>
+      <p:sp>
+        <p:nvSpPr>
+          <p:cNvPr id="2" name="Title 1">
+            <a:extLst>
+              <a:ext uri="{FF2B5EF4-FFF2-40B4-BE49-F238E27FC236}">
+                <a16:creationId xmlns:a16="http://schemas.microsoft.com/office/drawing/2014/main" id="{35057119-D68F-B1B5-ABBF-5C29FE6E5656}"/>
+              </a:ext>
+            </a:extLst>
+          </p:cNvPr>
+          <p:cNvSpPr>
+            <a:spLocks noGrp="1"/>
+          </p:cNvSpPr>
+          <p:nvPr>
+            <p:ph type="title"/>
+          </p:nvPr>
+        </p:nvSpPr>
+        <p:spPr>
+          <a:xfrm>
+            <a:off x="1451579" y="804519"/>
+            <a:ext cx="9603275" cy="1049235"/>
+          </a:xfrm>
+        </p:spPr>
+        <p:txBody>
+          <a:bodyPr>
+            <a:normAutofit/>
+          </a:bodyPr>
+          <a:lstStyle/>
+          <a:p>
+            <a:r>
+              <a:rPr lang="en-US" dirty="0"/>
+              <a:t>Feature 3</a:t>
+            </a:r>
+          </a:p>
+        </p:txBody>
+      </p:sp>
+      <p:sp>
+        <p:nvSpPr>
+          <p:cNvPr id="3" name="Content Placeholder 2">
+            <a:extLst>
+              <a:ext uri="{FF2B5EF4-FFF2-40B4-BE49-F238E27FC236}">
+                <a16:creationId xmlns:a16="http://schemas.microsoft.com/office/drawing/2014/main" id="{892C6BFD-2F6A-46BA-0D74-AC74D664B1A2}"/>
+              </a:ext>
+            </a:extLst>
+          </p:cNvPr>
+          <p:cNvSpPr>
+            <a:spLocks noGrp="1"/>
+          </p:cNvSpPr>
+          <p:nvPr>
+            <p:ph idx="1"/>
+          </p:nvPr>
+        </p:nvSpPr>
+        <p:spPr>
+          <a:xfrm>
+            <a:off x="157164" y="2015734"/>
+            <a:ext cx="7100372" cy="3450613"/>
+          </a:xfrm>
+        </p:spPr>
+        <p:txBody>
+          <a:bodyPr>
+            <a:normAutofit/>
+          </a:bodyPr>
+          <a:lstStyle/>
+          <a:p>
+            <a:pPr algn="l">
+              <a:lnSpc>
+                <a:spcPts val="2400"/>
+              </a:lnSpc>
+            </a:pPr>
+            <a:r>
+              <a:rPr lang="en-CA" b="1" i="0" dirty="0">
+                <a:solidFill>
+                  <a:srgbClr val="242424"/>
+                </a:solidFill>
+                <a:effectLst/>
+                <a:latin typeface="source-serif-pro"/>
+              </a:rPr>
+              <a:t>True:</a:t>
+            </a:r>
+            <a:endParaRPr lang="en-CA" b="0" i="0" dirty="0">
+              <a:solidFill>
+                <a:srgbClr val="242424"/>
+              </a:solidFill>
+              <a:effectLst/>
+              <a:latin typeface="source-serif-pro"/>
+            </a:endParaRPr>
+          </a:p>
+          <a:p>
+            <a:pPr lvl="1">
+              <a:lnSpc>
+                <a:spcPts val="2400"/>
+              </a:lnSpc>
+            </a:pPr>
+            <a:r>
+              <a:rPr lang="en-CA" b="0" i="0" dirty="0">
+                <a:solidFill>
+                  <a:srgbClr val="242424"/>
+                </a:solidFill>
+                <a:effectLst/>
+                <a:latin typeface="source-serif-pro"/>
+              </a:rPr>
+              <a:t>Gini Impurity = 1 — (3/(3+2))2 — (2/(3+2))2 = .48</a:t>
+            </a:r>
+          </a:p>
+          <a:p>
+            <a:pPr algn="l">
+              <a:lnSpc>
+                <a:spcPts val="2400"/>
+              </a:lnSpc>
+            </a:pPr>
+            <a:r>
+              <a:rPr lang="en-CA" b="1" i="0" dirty="0">
+                <a:solidFill>
+                  <a:srgbClr val="242424"/>
+                </a:solidFill>
+                <a:effectLst/>
+                <a:latin typeface="source-serif-pro"/>
+              </a:rPr>
+              <a:t>False:</a:t>
+            </a:r>
+            <a:endParaRPr lang="en-CA" b="0" i="0" dirty="0">
+              <a:solidFill>
+                <a:srgbClr val="242424"/>
+              </a:solidFill>
+              <a:effectLst/>
+              <a:latin typeface="source-serif-pro"/>
+            </a:endParaRPr>
+          </a:p>
+          <a:p>
+            <a:pPr lvl="1">
+              <a:lnSpc>
+                <a:spcPts val="2400"/>
+              </a:lnSpc>
+            </a:pPr>
+            <a:r>
+              <a:rPr lang="en-CA" b="0" i="0" dirty="0">
+                <a:solidFill>
+                  <a:srgbClr val="242424"/>
+                </a:solidFill>
+                <a:effectLst/>
+                <a:latin typeface="source-serif-pro"/>
+              </a:rPr>
+              <a:t>Gini Impurity = 1 — (3/(3+2))2 — (2/(3+2))2 = .48</a:t>
+            </a:r>
+          </a:p>
+          <a:p>
+            <a:pPr algn="l">
+              <a:lnSpc>
+                <a:spcPts val="2400"/>
+              </a:lnSpc>
+            </a:pPr>
+            <a:r>
+              <a:rPr lang="en-CA" b="0" i="0" dirty="0">
+                <a:solidFill>
+                  <a:srgbClr val="242424"/>
+                </a:solidFill>
+                <a:effectLst/>
+                <a:latin typeface="source-serif-pro"/>
+              </a:rPr>
+              <a:t>Weighted Average Gini Impurity = </a:t>
+            </a:r>
+            <a:r>
+              <a:rPr lang="en-CA" b="1" i="0" dirty="0">
+                <a:solidFill>
+                  <a:srgbClr val="242424"/>
+                </a:solidFill>
+                <a:effectLst/>
+                <a:latin typeface="source-serif-pro"/>
+              </a:rPr>
+              <a:t>.48</a:t>
+            </a:r>
+          </a:p>
+        </p:txBody>
+      </p:sp>
+      <p:pic>
+        <p:nvPicPr>
+          <p:cNvPr id="8194" name="Picture 2">
+            <a:extLst>
+              <a:ext uri="{FF2B5EF4-FFF2-40B4-BE49-F238E27FC236}">
+                <a16:creationId xmlns:a16="http://schemas.microsoft.com/office/drawing/2014/main" id="{E429E821-487F-AE96-90BB-789D5A8696CA}"/>
+              </a:ext>
+            </a:extLst>
+          </p:cNvPr>
+          <p:cNvPicPr>
+            <a:picLocks noChangeAspect="1" noChangeArrowheads="1"/>
+          </p:cNvPicPr>
+          <p:nvPr/>
+        </p:nvPicPr>
+        <p:blipFill>
+          <a:blip r:embed="rId2">
+            <a:extLst>
+              <a:ext uri="{28A0092B-C50C-407E-A947-70E740481C1C}">
+                <a14:useLocalDpi xmlns:a14="http://schemas.microsoft.com/office/drawing/2010/main" val="0"/>
+              </a:ext>
+            </a:extLst>
+          </a:blip>
+          <a:srcRect/>
+          <a:stretch>
+            <a:fillRect/>
+          </a:stretch>
+        </p:blipFill>
+        <p:spPr bwMode="auto">
+          <a:xfrm>
+            <a:off x="6819900" y="1886840"/>
+            <a:ext cx="5372100" cy="3708400"/>
+          </a:xfrm>
+          <a:prstGeom prst="rect">
+            <a:avLst/>
+          </a:prstGeom>
+          <a:noFill/>
+          <a:extLst>
+            <a:ext uri="{909E8E84-426E-40DD-AFC4-6F175D3DCCD1}">
+              <a14:hiddenFill xmlns:a14="http://schemas.microsoft.com/office/drawing/2010/main">
+                <a:solidFill>
+                  <a:srgbClr val="FFFFFF"/>
+                </a:solidFill>
+              </a14:hiddenFill>
+            </a:ext>
+          </a:extLst>
+        </p:spPr>
+      </p:pic>
+    </p:spTree>
+    <p:extLst>
+      <p:ext uri="{BB962C8B-B14F-4D97-AF65-F5344CB8AC3E}">
+        <p14:creationId xmlns:p14="http://schemas.microsoft.com/office/powerpoint/2010/main" val="3771097757"/>
+      </p:ext>
+    </p:extLst>
+  </p:cSld>
+  <p:clrMapOvr>
+    <a:masterClrMapping/>
+  </p:clrMapOvr>
+</p:sld>
+</file>
+
+<file path=ppt/slides/slide14.xml><?xml version="1.0" encoding="utf-8"?>
+<p:sld xmlns:a="http://schemas.openxmlformats.org/drawingml/2006/main" xmlns:r="http://schemas.openxmlformats.org/officeDocument/2006/relationships" xmlns:p="http://schemas.openxmlformats.org/presentationml/2006/main">
+  <p:cSld>
+    <p:bg>
+      <p:bgPr>
+        <a:gradFill rotWithShape="1">
+          <a:gsLst>
+            <a:gs pos="0">
+              <a:schemeClr val="bg2">
+                <a:tint val="94000"/>
+                <a:satMod val="80000"/>
+                <a:lumMod val="106000"/>
+              </a:schemeClr>
+            </a:gs>
+            <a:gs pos="100000">
+              <a:schemeClr val="bg2">
+                <a:shade val="80000"/>
+              </a:schemeClr>
+            </a:gs>
+          </a:gsLst>
+          <a:path path="circle">
+            <a:fillToRect l="43000" r="43000" b="100000"/>
+          </a:path>
+        </a:gradFill>
+        <a:effectLst/>
+      </p:bgPr>
+    </p:bg>
+    <p:spTree>
+      <p:nvGrpSpPr>
+        <p:cNvPr id="1" name=""/>
+        <p:cNvGrpSpPr/>
+        <p:nvPr/>
+      </p:nvGrpSpPr>
+      <p:grpSpPr>
+        <a:xfrm>
+          <a:off x="0" y="0"/>
+          <a:ext cx="0" cy="0"/>
+          <a:chOff x="0" y="0"/>
+          <a:chExt cx="0" cy="0"/>
+        </a:xfrm>
+      </p:grpSpPr>
+      <p:sp>
+        <p:nvSpPr>
+          <p:cNvPr id="2" name="Title 1">
+            <a:extLst>
+              <a:ext uri="{FF2B5EF4-FFF2-40B4-BE49-F238E27FC236}">
+                <a16:creationId xmlns:a16="http://schemas.microsoft.com/office/drawing/2014/main" id="{30DE709D-CA56-FD6B-E63C-23610CD6CC2F}"/>
+              </a:ext>
+            </a:extLst>
+          </p:cNvPr>
+          <p:cNvSpPr>
+            <a:spLocks noGrp="1"/>
+          </p:cNvSpPr>
+          <p:nvPr>
+            <p:ph type="title"/>
+          </p:nvPr>
+        </p:nvSpPr>
+        <p:spPr>
+          <a:xfrm>
+            <a:off x="1451579" y="804519"/>
+            <a:ext cx="9603275" cy="1049235"/>
+          </a:xfrm>
+        </p:spPr>
+        <p:txBody>
+          <a:bodyPr>
+            <a:normAutofit/>
+          </a:bodyPr>
+          <a:lstStyle/>
+          <a:p>
+            <a:r>
+              <a:rPr lang="en-US" dirty="0"/>
+              <a:t>Root Node Decision</a:t>
+            </a:r>
+          </a:p>
+        </p:txBody>
+      </p:sp>
+      <p:pic>
+        <p:nvPicPr>
+          <p:cNvPr id="9218" name="Picture 2">
+            <a:extLst>
+              <a:ext uri="{FF2B5EF4-FFF2-40B4-BE49-F238E27FC236}">
+                <a16:creationId xmlns:a16="http://schemas.microsoft.com/office/drawing/2014/main" id="{24C3FB5B-039A-C64A-67BF-F0CDDF95956B}"/>
+              </a:ext>
+            </a:extLst>
+          </p:cNvPr>
+          <p:cNvPicPr>
+            <a:picLocks noChangeAspect="1" noChangeArrowheads="1"/>
+          </p:cNvPicPr>
+          <p:nvPr/>
+        </p:nvPicPr>
+        <p:blipFill>
+          <a:blip r:embed="rId2">
+            <a:extLst>
+              <a:ext uri="{28A0092B-C50C-407E-A947-70E740481C1C}">
+                <a14:useLocalDpi xmlns:a14="http://schemas.microsoft.com/office/drawing/2010/main" val="0"/>
+              </a:ext>
+            </a:extLst>
+          </a:blip>
+          <a:stretch>
+            <a:fillRect/>
+          </a:stretch>
+        </p:blipFill>
+        <p:spPr bwMode="auto">
+          <a:xfrm>
+            <a:off x="800790" y="2145806"/>
+            <a:ext cx="4960443" cy="3190467"/>
+          </a:xfrm>
+          <a:prstGeom prst="rect">
+            <a:avLst/>
+          </a:prstGeom>
+          <a:noFill/>
+          <a:extLst>
+            <a:ext uri="{909E8E84-426E-40DD-AFC4-6F175D3DCCD1}">
+              <a14:hiddenFill xmlns:a14="http://schemas.microsoft.com/office/drawing/2010/main">
+                <a:solidFill>
+                  <a:srgbClr val="FFFFFF"/>
+                </a:solidFill>
+              </a14:hiddenFill>
+            </a:ext>
+          </a:extLst>
+        </p:spPr>
+      </p:pic>
+      <p:sp>
+        <p:nvSpPr>
+          <p:cNvPr id="3" name="Content Placeholder 2">
+            <a:extLst>
+              <a:ext uri="{FF2B5EF4-FFF2-40B4-BE49-F238E27FC236}">
+                <a16:creationId xmlns:a16="http://schemas.microsoft.com/office/drawing/2014/main" id="{39CC9FA5-693D-0F61-3D0B-8C64F85EEBAA}"/>
+              </a:ext>
+            </a:extLst>
+          </p:cNvPr>
+          <p:cNvSpPr>
+            <a:spLocks noGrp="1"/>
+          </p:cNvSpPr>
+          <p:nvPr>
+            <p:ph idx="1"/>
+          </p:nvPr>
+        </p:nvSpPr>
+        <p:spPr>
+          <a:xfrm>
+            <a:off x="5761233" y="1853754"/>
+            <a:ext cx="6354567" cy="4199727"/>
+          </a:xfrm>
+        </p:spPr>
+        <p:txBody>
+          <a:bodyPr>
+            <a:normAutofit/>
+          </a:bodyPr>
+          <a:lstStyle/>
+          <a:p>
+            <a:r>
+              <a:rPr lang="en-US" sz="2400" dirty="0"/>
+              <a:t>The lowest Gini is using Fever to split. </a:t>
+            </a:r>
+          </a:p>
+          <a:p>
+            <a:pPr lvl="1"/>
+            <a:r>
+              <a:rPr lang="en-US" sz="2000" dirty="0"/>
+              <a:t>Fever is the root. </a:t>
+            </a:r>
+          </a:p>
+          <a:p>
+            <a:pPr lvl="1"/>
+            <a:r>
+              <a:rPr lang="en-US" sz="2000" dirty="0"/>
+              <a:t>This results in the ‘most pure’ subsets. </a:t>
+            </a:r>
+          </a:p>
+          <a:p>
+            <a:r>
+              <a:rPr lang="en-US" sz="2200" dirty="0"/>
+              <a:t>If the tree is allowed to grow, we’d:</a:t>
+            </a:r>
+          </a:p>
+          <a:p>
+            <a:pPr lvl="1"/>
+            <a:r>
+              <a:rPr lang="en-US" sz="2000" dirty="0"/>
+              <a:t>Repeat the same process from the right node.</a:t>
+            </a:r>
+          </a:p>
+          <a:p>
+            <a:pPr lvl="1"/>
+            <a:r>
+              <a:rPr lang="en-US" sz="2000" dirty="0"/>
+              <a:t>Using those 6 records, what is the best split?</a:t>
+            </a:r>
+          </a:p>
+          <a:p>
+            <a:pPr lvl="1"/>
+            <a:r>
+              <a:rPr lang="en-US" sz="2000" dirty="0"/>
+              <a:t>Repeat until 100% or a limit is hit. </a:t>
+            </a:r>
+          </a:p>
+          <a:p>
+            <a:pPr lvl="1"/>
+            <a:r>
+              <a:rPr lang="en-US" sz="2000" dirty="0"/>
+              <a:t>Note: features can be reused for decisions.</a:t>
+            </a:r>
+          </a:p>
+          <a:p>
+            <a:r>
+              <a:rPr lang="en-US" sz="2200" dirty="0"/>
+              <a:t>If we used entropy, only the calculation is different.</a:t>
+            </a:r>
+          </a:p>
+        </p:txBody>
+      </p:sp>
+    </p:spTree>
+    <p:extLst>
+      <p:ext uri="{BB962C8B-B14F-4D97-AF65-F5344CB8AC3E}">
+        <p14:creationId xmlns:p14="http://schemas.microsoft.com/office/powerpoint/2010/main" val="2678851100"/>
+      </p:ext>
+    </p:extLst>
+  </p:cSld>
+  <p:clrMapOvr>
+    <a:masterClrMapping/>
+  </p:clrMapOvr>
+</p:sld>
+</file>
+
+<file path=ppt/slides/slide15.xml><?xml version="1.0" encoding="utf-8"?>
 <p:sld xmlns:a="http://schemas.openxmlformats.org/drawingml/2006/main" xmlns:r="http://schemas.openxmlformats.org/officeDocument/2006/relationships" xmlns:p="http://schemas.openxmlformats.org/presentationml/2006/main">
   <p:cSld>
     <p:spTree>
@@ -4028,13 +6026,8 @@
             <a:pPr lvl="1"/>
             <a:r>
               <a:rPr lang="en-US" dirty="0"/>
-              <a:t>The larger the dataset gets, the more this random instability can </a:t>
-            </a:r>
-            <a:r>
-              <a:rPr lang="en-US"/>
-              <a:t>change things. </a:t>
-            </a:r>
-            <a:endParaRPr lang="en-US" dirty="0"/>
+              <a:t>The larger the dataset gets, the more this random instability can change things. </a:t>
+            </a:r>
           </a:p>
         </p:txBody>
       </p:sp>
@@ -4051,7 +6044,7 @@
 </p:sld>
 </file>
 
-<file path=ppt/slides/slide11.xml><?xml version="1.0" encoding="utf-8"?>
+<file path=ppt/slides/slide16.xml><?xml version="1.0" encoding="utf-8"?>
 <p:sld xmlns:a="http://schemas.openxmlformats.org/drawingml/2006/main" xmlns:r="http://schemas.openxmlformats.org/officeDocument/2006/relationships" xmlns:p="http://schemas.openxmlformats.org/presentationml/2006/main">
   <p:cSld>
     <p:spTree>
@@ -4196,7 +6189,7 @@
 </p:sld>
 </file>
 
-<file path=ppt/slides/slide12.xml><?xml version="1.0" encoding="utf-8"?>
+<file path=ppt/slides/slide17.xml><?xml version="1.0" encoding="utf-8"?>
 <p:sld xmlns:a="http://schemas.openxmlformats.org/drawingml/2006/main" xmlns:r="http://schemas.openxmlformats.org/officeDocument/2006/relationships" xmlns:p="http://schemas.openxmlformats.org/presentationml/2006/main">
   <p:cSld>
     <p:spTree>
@@ -4362,6 +6355,89 @@
 </file>
 
 <file path=ppt/slides/slide2.xml><?xml version="1.0" encoding="utf-8"?>
+<p:sld xmlns:a="http://schemas.openxmlformats.org/drawingml/2006/main" xmlns:r="http://schemas.openxmlformats.org/officeDocument/2006/relationships" xmlns:p="http://schemas.openxmlformats.org/presentationml/2006/main">
+  <p:cSld>
+    <p:spTree>
+      <p:nvGrpSpPr>
+        <p:cNvPr id="1" name=""/>
+        <p:cNvGrpSpPr/>
+        <p:nvPr/>
+      </p:nvGrpSpPr>
+      <p:grpSpPr>
+        <a:xfrm>
+          <a:off x="0" y="0"/>
+          <a:ext cx="0" cy="0"/>
+          <a:chOff x="0" y="0"/>
+          <a:chExt cx="0" cy="0"/>
+        </a:xfrm>
+      </p:grpSpPr>
+      <p:sp>
+        <p:nvSpPr>
+          <p:cNvPr id="2" name="Title 1">
+            <a:extLst>
+              <a:ext uri="{FF2B5EF4-FFF2-40B4-BE49-F238E27FC236}">
+                <a16:creationId xmlns:a16="http://schemas.microsoft.com/office/drawing/2014/main" id="{7B63B12F-95CF-C2E2-130A-26FBC4452A97}"/>
+              </a:ext>
+            </a:extLst>
+          </p:cNvPr>
+          <p:cNvSpPr>
+            <a:spLocks noGrp="1"/>
+          </p:cNvSpPr>
+          <p:nvPr>
+            <p:ph type="ctrTitle"/>
+          </p:nvPr>
+        </p:nvSpPr>
+        <p:spPr/>
+        <p:txBody>
+          <a:bodyPr/>
+          <a:lstStyle/>
+          <a:p>
+            <a:r>
+              <a:rPr lang="en-US" dirty="0"/>
+              <a:t>Review the Trees!</a:t>
+            </a:r>
+          </a:p>
+        </p:txBody>
+      </p:sp>
+      <p:sp>
+        <p:nvSpPr>
+          <p:cNvPr id="3" name="Subtitle 2">
+            <a:extLst>
+              <a:ext uri="{FF2B5EF4-FFF2-40B4-BE49-F238E27FC236}">
+                <a16:creationId xmlns:a16="http://schemas.microsoft.com/office/drawing/2014/main" id="{2483AC0A-7ACD-08F8-D19F-70DF97A5DF17}"/>
+              </a:ext>
+            </a:extLst>
+          </p:cNvPr>
+          <p:cNvSpPr>
+            <a:spLocks noGrp="1"/>
+          </p:cNvSpPr>
+          <p:nvPr>
+            <p:ph type="subTitle" idx="1"/>
+          </p:nvPr>
+        </p:nvSpPr>
+        <p:spPr/>
+        <p:txBody>
+          <a:bodyPr/>
+          <a:lstStyle/>
+          <a:p>
+            <a:endParaRPr lang="en-US"/>
+          </a:p>
+        </p:txBody>
+      </p:sp>
+    </p:spTree>
+    <p:extLst>
+      <p:ext uri="{BB962C8B-B14F-4D97-AF65-F5344CB8AC3E}">
+        <p14:creationId xmlns:p14="http://schemas.microsoft.com/office/powerpoint/2010/main" val="1466756594"/>
+      </p:ext>
+    </p:extLst>
+  </p:cSld>
+  <p:clrMapOvr>
+    <a:masterClrMapping/>
+  </p:clrMapOvr>
+</p:sld>
+</file>
+
+<file path=ppt/slides/slide3.xml><?xml version="1.0" encoding="utf-8"?>
 <p:sld xmlns:a="http://schemas.openxmlformats.org/drawingml/2006/main" xmlns:r="http://schemas.openxmlformats.org/officeDocument/2006/relationships" xmlns:p="http://schemas.openxmlformats.org/presentationml/2006/main">
   <p:cSld>
     <p:bg>
@@ -4587,7 +6663,2316 @@
 </p:sld>
 </file>
 
-<file path=ppt/slides/slide3.xml><?xml version="1.0" encoding="utf-8"?>
+<file path=ppt/slides/slide4.xml><?xml version="1.0" encoding="utf-8"?>
+<p:sld xmlns:a="http://schemas.openxmlformats.org/drawingml/2006/main" xmlns:r="http://schemas.openxmlformats.org/officeDocument/2006/relationships" xmlns:p="http://schemas.openxmlformats.org/presentationml/2006/main">
+  <p:cSld>
+    <p:spTree>
+      <p:nvGrpSpPr>
+        <p:cNvPr id="1" name=""/>
+        <p:cNvGrpSpPr/>
+        <p:nvPr/>
+      </p:nvGrpSpPr>
+      <p:grpSpPr>
+        <a:xfrm>
+          <a:off x="0" y="0"/>
+          <a:ext cx="0" cy="0"/>
+          <a:chOff x="0" y="0"/>
+          <a:chExt cx="0" cy="0"/>
+        </a:xfrm>
+      </p:grpSpPr>
+      <p:sp>
+        <p:nvSpPr>
+          <p:cNvPr id="2" name="Title 1">
+            <a:extLst>
+              <a:ext uri="{FF2B5EF4-FFF2-40B4-BE49-F238E27FC236}">
+                <a16:creationId xmlns:a16="http://schemas.microsoft.com/office/drawing/2014/main" id="{BF98C17E-0AC9-CCF6-1A6B-A03D6D005D91}"/>
+              </a:ext>
+            </a:extLst>
+          </p:cNvPr>
+          <p:cNvSpPr>
+            <a:spLocks noGrp="1"/>
+          </p:cNvSpPr>
+          <p:nvPr>
+            <p:ph type="title"/>
+          </p:nvPr>
+        </p:nvSpPr>
+        <p:spPr/>
+        <p:txBody>
+          <a:bodyPr/>
+          <a:lstStyle/>
+          <a:p>
+            <a:r>
+              <a:rPr lang="en-US" dirty="0"/>
+              <a:t>Making a Tree</a:t>
+            </a:r>
+          </a:p>
+        </p:txBody>
+      </p:sp>
+      <p:sp>
+        <p:nvSpPr>
+          <p:cNvPr id="3" name="Content Placeholder 2">
+            <a:extLst>
+              <a:ext uri="{FF2B5EF4-FFF2-40B4-BE49-F238E27FC236}">
+                <a16:creationId xmlns:a16="http://schemas.microsoft.com/office/drawing/2014/main" id="{CDAAE8B6-D68E-4AF5-AE51-A250A4451962}"/>
+              </a:ext>
+            </a:extLst>
+          </p:cNvPr>
+          <p:cNvSpPr>
+            <a:spLocks noGrp="1"/>
+          </p:cNvSpPr>
+          <p:nvPr>
+            <p:ph idx="1"/>
+          </p:nvPr>
+        </p:nvSpPr>
+        <p:spPr>
+          <a:xfrm>
+            <a:off x="1451579" y="2015732"/>
+            <a:ext cx="9603275" cy="4037749"/>
+          </a:xfrm>
+        </p:spPr>
+        <p:txBody>
+          <a:bodyPr/>
+          <a:lstStyle/>
+          <a:p>
+            <a:r>
+              <a:rPr lang="en-US" dirty="0"/>
+              <a:t>The tree model is constructed (in classification) by attempting to split the data into two ‘more pure’ groups at each node, flowing down from the root. </a:t>
+            </a:r>
+          </a:p>
+          <a:p>
+            <a:pPr lvl="1"/>
+            <a:r>
+              <a:rPr lang="en-US" dirty="0"/>
+              <a:t>I.e. we want each child to be as pure (only one thing) as possible. </a:t>
+            </a:r>
+          </a:p>
+          <a:p>
+            <a:r>
+              <a:rPr lang="en-US" dirty="0"/>
+              <a:t>The purity level is measured by one of two similar metrics – </a:t>
+            </a:r>
+            <a:r>
+              <a:rPr lang="en-US" dirty="0" err="1"/>
+              <a:t>gini</a:t>
+            </a:r>
+            <a:r>
+              <a:rPr lang="en-US" dirty="0"/>
+              <a:t> or entropy. </a:t>
+            </a:r>
+          </a:p>
+          <a:p>
+            <a:r>
+              <a:rPr lang="en-US" dirty="0"/>
+              <a:t>The tree will generally keep fitting until it is 100% accurate on the training data. </a:t>
+            </a:r>
+          </a:p>
+          <a:p>
+            <a:pPr lvl="1"/>
+            <a:r>
+              <a:rPr lang="en-US" dirty="0"/>
+              <a:t>E.g. if there’s a node with 10 T and 1 F, the tree will want to split that impure group. </a:t>
+            </a:r>
+          </a:p>
+          <a:p>
+            <a:r>
+              <a:rPr lang="en-US" dirty="0"/>
+              <a:t>Trees tend to overfit – adapt the predictions too much to the training data. </a:t>
+            </a:r>
+          </a:p>
+        </p:txBody>
+      </p:sp>
+    </p:spTree>
+    <p:extLst>
+      <p:ext uri="{BB962C8B-B14F-4D97-AF65-F5344CB8AC3E}">
+        <p14:creationId xmlns:p14="http://schemas.microsoft.com/office/powerpoint/2010/main" val="399693646"/>
+      </p:ext>
+    </p:extLst>
+  </p:cSld>
+  <p:clrMapOvr>
+    <a:masterClrMapping/>
+  </p:clrMapOvr>
+</p:sld>
+</file>
+
+<file path=ppt/slides/slide5.xml><?xml version="1.0" encoding="utf-8"?>
+<p:sld xmlns:a="http://schemas.openxmlformats.org/drawingml/2006/main" xmlns:r="http://schemas.openxmlformats.org/officeDocument/2006/relationships" xmlns:p="http://schemas.openxmlformats.org/presentationml/2006/main">
+  <p:cSld>
+    <p:spTree>
+      <p:nvGrpSpPr>
+        <p:cNvPr id="1" name=""/>
+        <p:cNvGrpSpPr/>
+        <p:nvPr/>
+      </p:nvGrpSpPr>
+      <p:grpSpPr>
+        <a:xfrm>
+          <a:off x="0" y="0"/>
+          <a:ext cx="0" cy="0"/>
+          <a:chOff x="0" y="0"/>
+          <a:chExt cx="0" cy="0"/>
+        </a:xfrm>
+      </p:grpSpPr>
+      <p:sp>
+        <p:nvSpPr>
+          <p:cNvPr id="2" name="Title 1">
+            <a:extLst>
+              <a:ext uri="{FF2B5EF4-FFF2-40B4-BE49-F238E27FC236}">
+                <a16:creationId xmlns:a16="http://schemas.microsoft.com/office/drawing/2014/main" id="{3F5A1A8F-D1B2-8184-2377-C66B323BFB64}"/>
+              </a:ext>
+            </a:extLst>
+          </p:cNvPr>
+          <p:cNvSpPr>
+            <a:spLocks noGrp="1"/>
+          </p:cNvSpPr>
+          <p:nvPr>
+            <p:ph type="title"/>
+          </p:nvPr>
+        </p:nvSpPr>
+        <p:spPr/>
+        <p:txBody>
+          <a:bodyPr/>
+          <a:lstStyle/>
+          <a:p>
+            <a:r>
+              <a:rPr lang="en-US" dirty="0"/>
+              <a:t>Example</a:t>
+            </a:r>
+          </a:p>
+        </p:txBody>
+      </p:sp>
+      <p:sp>
+        <p:nvSpPr>
+          <p:cNvPr id="3" name="Content Placeholder 2">
+            <a:extLst>
+              <a:ext uri="{FF2B5EF4-FFF2-40B4-BE49-F238E27FC236}">
+                <a16:creationId xmlns:a16="http://schemas.microsoft.com/office/drawing/2014/main" id="{994A4278-CB43-562A-0344-A170AB716F04}"/>
+              </a:ext>
+            </a:extLst>
+          </p:cNvPr>
+          <p:cNvSpPr>
+            <a:spLocks noGrp="1"/>
+          </p:cNvSpPr>
+          <p:nvPr>
+            <p:ph idx="1"/>
+          </p:nvPr>
+        </p:nvSpPr>
+        <p:spPr>
+          <a:xfrm>
+            <a:off x="1145629" y="2015732"/>
+            <a:ext cx="10499834" cy="4037749"/>
+          </a:xfrm>
+        </p:spPr>
+        <p:txBody>
+          <a:bodyPr/>
+          <a:lstStyle/>
+          <a:p>
+            <a:r>
+              <a:rPr lang="en-US" dirty="0"/>
+              <a:t>Suppose you’re me, you have a class of students, and want to predict who will pass. </a:t>
+            </a:r>
+          </a:p>
+          <a:p>
+            <a:r>
+              <a:rPr lang="en-US" dirty="0"/>
+              <a:t>We have lots of data – seating, </a:t>
+            </a:r>
+            <a:r>
+              <a:rPr lang="en-US" dirty="0" err="1"/>
+              <a:t>hw</a:t>
+            </a:r>
+            <a:r>
+              <a:rPr lang="en-US" dirty="0"/>
+              <a:t> completion, reading, attendance, clothing, laptop, </a:t>
+            </a:r>
+            <a:r>
+              <a:rPr lang="en-US" dirty="0" err="1"/>
+              <a:t>etc</a:t>
+            </a:r>
+            <a:r>
+              <a:rPr lang="en-US" dirty="0"/>
+              <a:t>…</a:t>
+            </a:r>
+          </a:p>
+          <a:p>
+            <a:r>
+              <a:rPr lang="en-US" dirty="0"/>
+              <a:t>If we want to make a tree:</a:t>
+            </a:r>
+          </a:p>
+          <a:p>
+            <a:pPr lvl="1"/>
+            <a:r>
+              <a:rPr lang="en-US" dirty="0"/>
+              <a:t>The tree will use the useful things (reading, </a:t>
+            </a:r>
+            <a:r>
+              <a:rPr lang="en-US" dirty="0" err="1"/>
+              <a:t>hw</a:t>
+            </a:r>
+            <a:r>
+              <a:rPr lang="en-US" dirty="0"/>
+              <a:t>, attendance, </a:t>
+            </a:r>
+            <a:r>
+              <a:rPr lang="en-US" dirty="0" err="1"/>
+              <a:t>etc</a:t>
+            </a:r>
+            <a:r>
+              <a:rPr lang="en-US" dirty="0"/>
+              <a:t>…) to divide the data at each node. </a:t>
+            </a:r>
+          </a:p>
+          <a:p>
+            <a:pPr lvl="1"/>
+            <a:r>
+              <a:rPr lang="en-US" dirty="0"/>
+              <a:t>It will keep going until accurately classifying everything. </a:t>
+            </a:r>
+          </a:p>
+          <a:p>
+            <a:r>
+              <a:rPr lang="en-US" dirty="0"/>
+              <a:t>Suppose we have a node that all does </a:t>
+            </a:r>
+            <a:r>
+              <a:rPr lang="en-US" dirty="0" err="1"/>
+              <a:t>hw</a:t>
+            </a:r>
+            <a:r>
+              <a:rPr lang="en-US" dirty="0"/>
+              <a:t>, attends class, does readings – 4 pass, one fail. </a:t>
+            </a:r>
+          </a:p>
+          <a:p>
+            <a:pPr lvl="1"/>
+            <a:r>
+              <a:rPr lang="en-US" dirty="0"/>
+              <a:t>They are the same on the early decisions, based on important stuff like studying. </a:t>
+            </a:r>
+          </a:p>
+          <a:p>
+            <a:pPr lvl="1"/>
+            <a:r>
+              <a:rPr lang="en-US" dirty="0"/>
+              <a:t>The algorithm will look at any features usable to split them to get to 100% - laptop, hair color, </a:t>
+            </a:r>
+            <a:r>
+              <a:rPr lang="en-US" dirty="0" err="1"/>
+              <a:t>etc</a:t>
+            </a:r>
+            <a:r>
+              <a:rPr lang="en-US" dirty="0"/>
+              <a:t>…</a:t>
+            </a:r>
+          </a:p>
+          <a:p>
+            <a:pPr lvl="1"/>
+            <a:r>
+              <a:rPr lang="en-US" dirty="0"/>
+              <a:t>The rules in HP restrict the ability of a model to do this excessive adaptation!</a:t>
+            </a:r>
+          </a:p>
+        </p:txBody>
+      </p:sp>
+    </p:spTree>
+    <p:extLst>
+      <p:ext uri="{BB962C8B-B14F-4D97-AF65-F5344CB8AC3E}">
+        <p14:creationId xmlns:p14="http://schemas.microsoft.com/office/powerpoint/2010/main" val="3254874881"/>
+      </p:ext>
+    </p:extLst>
+  </p:cSld>
+  <p:clrMapOvr>
+    <a:masterClrMapping/>
+  </p:clrMapOvr>
+</p:sld>
+</file>
+
+<file path=ppt/slides/slide6.xml><?xml version="1.0" encoding="utf-8"?>
+<p:sld xmlns:a="http://schemas.openxmlformats.org/drawingml/2006/main" xmlns:r="http://schemas.openxmlformats.org/officeDocument/2006/relationships" xmlns:p="http://schemas.openxmlformats.org/presentationml/2006/main">
+  <p:cSld>
+    <p:spTree>
+      <p:nvGrpSpPr>
+        <p:cNvPr id="1" name=""/>
+        <p:cNvGrpSpPr/>
+        <p:nvPr/>
+      </p:nvGrpSpPr>
+      <p:grpSpPr>
+        <a:xfrm>
+          <a:off x="0" y="0"/>
+          <a:ext cx="0" cy="0"/>
+          <a:chOff x="0" y="0"/>
+          <a:chExt cx="0" cy="0"/>
+        </a:xfrm>
+      </p:grpSpPr>
+      <p:sp>
+        <p:nvSpPr>
+          <p:cNvPr id="2" name="Title 1">
+            <a:extLst>
+              <a:ext uri="{FF2B5EF4-FFF2-40B4-BE49-F238E27FC236}">
+                <a16:creationId xmlns:a16="http://schemas.microsoft.com/office/drawing/2014/main" id="{B65B8C1C-4338-20D5-E15B-60F538834916}"/>
+              </a:ext>
+            </a:extLst>
+          </p:cNvPr>
+          <p:cNvSpPr>
+            <a:spLocks noGrp="1"/>
+          </p:cNvSpPr>
+          <p:nvPr>
+            <p:ph type="title"/>
+          </p:nvPr>
+        </p:nvSpPr>
+        <p:spPr/>
+        <p:txBody>
+          <a:bodyPr/>
+          <a:lstStyle/>
+          <a:p>
+            <a:endParaRPr lang="en-US"/>
+          </a:p>
+        </p:txBody>
+      </p:sp>
+      <p:sp>
+        <p:nvSpPr>
+          <p:cNvPr id="3" name="Content Placeholder 2">
+            <a:extLst>
+              <a:ext uri="{FF2B5EF4-FFF2-40B4-BE49-F238E27FC236}">
+                <a16:creationId xmlns:a16="http://schemas.microsoft.com/office/drawing/2014/main" id="{F2CAC399-66A0-BC9D-4EF0-3A18B7F52B5D}"/>
+              </a:ext>
+            </a:extLst>
+          </p:cNvPr>
+          <p:cNvSpPr>
+            <a:spLocks noGrp="1"/>
+          </p:cNvSpPr>
+          <p:nvPr>
+            <p:ph idx="1"/>
+          </p:nvPr>
+        </p:nvSpPr>
+        <p:spPr>
+          <a:xfrm>
+            <a:off x="1451579" y="3972492"/>
+            <a:ext cx="4860359" cy="2080990"/>
+          </a:xfrm>
+        </p:spPr>
+        <p:txBody>
+          <a:bodyPr/>
+          <a:lstStyle/>
+          <a:p>
+            <a:r>
+              <a:rPr lang="en-US" dirty="0"/>
+              <a:t>This is the overfit. </a:t>
+            </a:r>
+          </a:p>
+          <a:p>
+            <a:pPr lvl="1"/>
+            <a:r>
+              <a:rPr lang="en-US" dirty="0"/>
+              <a:t>The model is fitted ‘well’ – adapted to the data, using the ‘important parts’. </a:t>
+            </a:r>
+          </a:p>
+          <a:p>
+            <a:pPr lvl="1"/>
+            <a:r>
+              <a:rPr lang="en-US" dirty="0"/>
+              <a:t>The model still ‘wants’ to adapt more, and starts looking at ‘junk’. </a:t>
+            </a:r>
+          </a:p>
+        </p:txBody>
+      </p:sp>
+      <mc:AlternateContent xmlns:mc="http://schemas.openxmlformats.org/markup-compatibility/2006">
+        <mc:Choice xmlns:p14="http://schemas.microsoft.com/office/powerpoint/2010/main" Requires="p14">
+          <p:contentPart p14:bwMode="auto" r:id="rId2">
+            <p14:nvContentPartPr>
+              <p14:cNvPr id="4" name="Ink 3">
+                <a:extLst>
+                  <a:ext uri="{FF2B5EF4-FFF2-40B4-BE49-F238E27FC236}">
+                    <a16:creationId xmlns:a16="http://schemas.microsoft.com/office/drawing/2014/main" id="{9CE31496-380E-C5CE-D59D-8F8D6067B49D}"/>
+                  </a:ext>
+                </a:extLst>
+              </p14:cNvPr>
+              <p14:cNvContentPartPr/>
+              <p14:nvPr/>
+            </p14:nvContentPartPr>
+            <p14:xfrm>
+              <a:off x="6405898" y="653292"/>
+              <a:ext cx="1286640" cy="1009080"/>
+            </p14:xfrm>
+          </p:contentPart>
+        </mc:Choice>
+        <mc:Fallback>
+          <p:pic>
+            <p:nvPicPr>
+              <p:cNvPr id="4" name="Ink 3">
+                <a:extLst>
+                  <a:ext uri="{FF2B5EF4-FFF2-40B4-BE49-F238E27FC236}">
+                    <a16:creationId xmlns:a16="http://schemas.microsoft.com/office/drawing/2014/main" id="{9CE31496-380E-C5CE-D59D-8F8D6067B49D}"/>
+                  </a:ext>
+                </a:extLst>
+              </p:cNvPr>
+              <p:cNvPicPr/>
+              <p:nvPr/>
+            </p:nvPicPr>
+            <p:blipFill>
+              <a:blip r:embed="rId3"/>
+              <a:stretch>
+                <a:fillRect/>
+              </a:stretch>
+            </p:blipFill>
+            <p:spPr>
+              <a:xfrm>
+                <a:off x="6396898" y="644292"/>
+                <a:ext cx="1304280" cy="1026720"/>
+              </a:xfrm>
+              <a:prstGeom prst="rect">
+                <a:avLst/>
+              </a:prstGeom>
+            </p:spPr>
+          </p:pic>
+        </mc:Fallback>
+      </mc:AlternateContent>
+      <p:grpSp>
+        <p:nvGrpSpPr>
+          <p:cNvPr id="16" name="Group 15">
+            <a:extLst>
+              <a:ext uri="{FF2B5EF4-FFF2-40B4-BE49-F238E27FC236}">
+                <a16:creationId xmlns:a16="http://schemas.microsoft.com/office/drawing/2014/main" id="{37435A00-14D5-9CDB-424E-E0E22417914D}"/>
+              </a:ext>
+            </a:extLst>
+          </p:cNvPr>
+          <p:cNvGrpSpPr/>
+          <p:nvPr/>
+        </p:nvGrpSpPr>
+        <p:grpSpPr>
+          <a:xfrm>
+            <a:off x="5042218" y="799452"/>
+            <a:ext cx="3761640" cy="2274480"/>
+            <a:chOff x="5042218" y="799452"/>
+            <a:chExt cx="3761640" cy="2274480"/>
+          </a:xfrm>
+        </p:grpSpPr>
+        <mc:AlternateContent xmlns:mc="http://schemas.openxmlformats.org/markup-compatibility/2006">
+          <mc:Choice xmlns:p14="http://schemas.microsoft.com/office/powerpoint/2010/main" Requires="p14">
+            <p:contentPart p14:bwMode="auto" r:id="rId4">
+              <p14:nvContentPartPr>
+                <p14:cNvPr id="5" name="Ink 4">
+                  <a:extLst>
+                    <a:ext uri="{FF2B5EF4-FFF2-40B4-BE49-F238E27FC236}">
+                      <a16:creationId xmlns:a16="http://schemas.microsoft.com/office/drawing/2014/main" id="{8439BC32-DCCD-BE72-5C82-C19E0E7D2D14}"/>
+                    </a:ext>
+                  </a:extLst>
+                </p14:cNvPr>
+                <p14:cNvContentPartPr/>
+                <p14:nvPr/>
+              </p14:nvContentPartPr>
+              <p14:xfrm>
+                <a:off x="6754018" y="870012"/>
+                <a:ext cx="26280" cy="470160"/>
+              </p14:xfrm>
+            </p:contentPart>
+          </mc:Choice>
+          <mc:Fallback>
+            <p:pic>
+              <p:nvPicPr>
+                <p:cNvPr id="5" name="Ink 4">
+                  <a:extLst>
+                    <a:ext uri="{FF2B5EF4-FFF2-40B4-BE49-F238E27FC236}">
+                      <a16:creationId xmlns:a16="http://schemas.microsoft.com/office/drawing/2014/main" id="{8439BC32-DCCD-BE72-5C82-C19E0E7D2D14}"/>
+                    </a:ext>
+                  </a:extLst>
+                </p:cNvPr>
+                <p:cNvPicPr/>
+                <p:nvPr/>
+              </p:nvPicPr>
+              <p:blipFill>
+                <a:blip r:embed="rId5"/>
+                <a:stretch>
+                  <a:fillRect/>
+                </a:stretch>
+              </p:blipFill>
+              <p:spPr>
+                <a:xfrm>
+                  <a:off x="6745378" y="861012"/>
+                  <a:ext cx="43920" cy="487800"/>
+                </a:xfrm>
+                <a:prstGeom prst="rect">
+                  <a:avLst/>
+                </a:prstGeom>
+              </p:spPr>
+            </p:pic>
+          </mc:Fallback>
+        </mc:AlternateContent>
+        <mc:AlternateContent xmlns:mc="http://schemas.openxmlformats.org/markup-compatibility/2006">
+          <mc:Choice xmlns:p14="http://schemas.microsoft.com/office/powerpoint/2010/main" Requires="p14">
+            <p:contentPart p14:bwMode="auto" r:id="rId6">
+              <p14:nvContentPartPr>
+                <p14:cNvPr id="6" name="Ink 5">
+                  <a:extLst>
+                    <a:ext uri="{FF2B5EF4-FFF2-40B4-BE49-F238E27FC236}">
+                      <a16:creationId xmlns:a16="http://schemas.microsoft.com/office/drawing/2014/main" id="{B5C2F53E-92D0-DF3F-4AD0-0697ADED720A}"/>
+                    </a:ext>
+                  </a:extLst>
+                </p14:cNvPr>
+                <p14:cNvContentPartPr/>
+                <p14:nvPr/>
+              </p14:nvContentPartPr>
+              <p14:xfrm>
+                <a:off x="6935098" y="878292"/>
+                <a:ext cx="17640" cy="440280"/>
+              </p14:xfrm>
+            </p:contentPart>
+          </mc:Choice>
+          <mc:Fallback>
+            <p:pic>
+              <p:nvPicPr>
+                <p:cNvPr id="6" name="Ink 5">
+                  <a:extLst>
+                    <a:ext uri="{FF2B5EF4-FFF2-40B4-BE49-F238E27FC236}">
+                      <a16:creationId xmlns:a16="http://schemas.microsoft.com/office/drawing/2014/main" id="{B5C2F53E-92D0-DF3F-4AD0-0697ADED720A}"/>
+                    </a:ext>
+                  </a:extLst>
+                </p:cNvPr>
+                <p:cNvPicPr/>
+                <p:nvPr/>
+              </p:nvPicPr>
+              <p:blipFill>
+                <a:blip r:embed="rId7"/>
+                <a:stretch>
+                  <a:fillRect/>
+                </a:stretch>
+              </p:blipFill>
+              <p:spPr>
+                <a:xfrm>
+                  <a:off x="6926458" y="869652"/>
+                  <a:ext cx="35280" cy="457920"/>
+                </a:xfrm>
+                <a:prstGeom prst="rect">
+                  <a:avLst/>
+                </a:prstGeom>
+              </p:spPr>
+            </p:pic>
+          </mc:Fallback>
+        </mc:AlternateContent>
+        <mc:AlternateContent xmlns:mc="http://schemas.openxmlformats.org/markup-compatibility/2006">
+          <mc:Choice xmlns:p14="http://schemas.microsoft.com/office/powerpoint/2010/main" Requires="p14">
+            <p:contentPart p14:bwMode="auto" r:id="rId8">
+              <p14:nvContentPartPr>
+                <p14:cNvPr id="7" name="Ink 6">
+                  <a:extLst>
+                    <a:ext uri="{FF2B5EF4-FFF2-40B4-BE49-F238E27FC236}">
+                      <a16:creationId xmlns:a16="http://schemas.microsoft.com/office/drawing/2014/main" id="{9CC603CD-A6CD-9772-0201-FB43E5439C27}"/>
+                    </a:ext>
+                  </a:extLst>
+                </p14:cNvPr>
+                <p14:cNvContentPartPr/>
+                <p14:nvPr/>
+              </p14:nvContentPartPr>
+              <p14:xfrm>
+                <a:off x="6717658" y="1128492"/>
+                <a:ext cx="323640" cy="21960"/>
+              </p14:xfrm>
+            </p:contentPart>
+          </mc:Choice>
+          <mc:Fallback>
+            <p:pic>
+              <p:nvPicPr>
+                <p:cNvPr id="7" name="Ink 6">
+                  <a:extLst>
+                    <a:ext uri="{FF2B5EF4-FFF2-40B4-BE49-F238E27FC236}">
+                      <a16:creationId xmlns:a16="http://schemas.microsoft.com/office/drawing/2014/main" id="{9CC603CD-A6CD-9772-0201-FB43E5439C27}"/>
+                    </a:ext>
+                  </a:extLst>
+                </p:cNvPr>
+                <p:cNvPicPr/>
+                <p:nvPr/>
+              </p:nvPicPr>
+              <p:blipFill>
+                <a:blip r:embed="rId9"/>
+                <a:stretch>
+                  <a:fillRect/>
+                </a:stretch>
+              </p:blipFill>
+              <p:spPr>
+                <a:xfrm>
+                  <a:off x="6708658" y="1119492"/>
+                  <a:ext cx="341280" cy="39600"/>
+                </a:xfrm>
+                <a:prstGeom prst="rect">
+                  <a:avLst/>
+                </a:prstGeom>
+              </p:spPr>
+            </p:pic>
+          </mc:Fallback>
+        </mc:AlternateContent>
+        <mc:AlternateContent xmlns:mc="http://schemas.openxmlformats.org/markup-compatibility/2006">
+          <mc:Choice xmlns:p14="http://schemas.microsoft.com/office/powerpoint/2010/main" Requires="p14">
+            <p:contentPart p14:bwMode="auto" r:id="rId10">
+              <p14:nvContentPartPr>
+                <p14:cNvPr id="8" name="Ink 7">
+                  <a:extLst>
+                    <a:ext uri="{FF2B5EF4-FFF2-40B4-BE49-F238E27FC236}">
+                      <a16:creationId xmlns:a16="http://schemas.microsoft.com/office/drawing/2014/main" id="{926F7D3F-F187-FD51-342E-CBE0A395E404}"/>
+                    </a:ext>
+                  </a:extLst>
+                </p14:cNvPr>
+                <p14:cNvContentPartPr/>
+                <p14:nvPr/>
+              </p14:nvContentPartPr>
+              <p14:xfrm>
+                <a:off x="7028338" y="799452"/>
+                <a:ext cx="405720" cy="399600"/>
+              </p14:xfrm>
+            </p:contentPart>
+          </mc:Choice>
+          <mc:Fallback>
+            <p:pic>
+              <p:nvPicPr>
+                <p:cNvPr id="8" name="Ink 7">
+                  <a:extLst>
+                    <a:ext uri="{FF2B5EF4-FFF2-40B4-BE49-F238E27FC236}">
+                      <a16:creationId xmlns:a16="http://schemas.microsoft.com/office/drawing/2014/main" id="{926F7D3F-F187-FD51-342E-CBE0A395E404}"/>
+                    </a:ext>
+                  </a:extLst>
+                </p:cNvPr>
+                <p:cNvPicPr/>
+                <p:nvPr/>
+              </p:nvPicPr>
+              <p:blipFill>
+                <a:blip r:embed="rId11"/>
+                <a:stretch>
+                  <a:fillRect/>
+                </a:stretch>
+              </p:blipFill>
+              <p:spPr>
+                <a:xfrm>
+                  <a:off x="7019338" y="790812"/>
+                  <a:ext cx="423360" cy="417240"/>
+                </a:xfrm>
+                <a:prstGeom prst="rect">
+                  <a:avLst/>
+                </a:prstGeom>
+              </p:spPr>
+            </p:pic>
+          </mc:Fallback>
+        </mc:AlternateContent>
+        <mc:AlternateContent xmlns:mc="http://schemas.openxmlformats.org/markup-compatibility/2006">
+          <mc:Choice xmlns:p14="http://schemas.microsoft.com/office/powerpoint/2010/main" Requires="p14">
+            <p:contentPart p14:bwMode="auto" r:id="rId12">
+              <p14:nvContentPartPr>
+                <p14:cNvPr id="11" name="Ink 10">
+                  <a:extLst>
+                    <a:ext uri="{FF2B5EF4-FFF2-40B4-BE49-F238E27FC236}">
+                      <a16:creationId xmlns:a16="http://schemas.microsoft.com/office/drawing/2014/main" id="{68B0BFBE-AAFD-D3B8-859C-50B675E297EC}"/>
+                    </a:ext>
+                  </a:extLst>
+                </p14:cNvPr>
+                <p14:cNvContentPartPr/>
+                <p14:nvPr/>
+              </p14:nvContentPartPr>
+              <p14:xfrm>
+                <a:off x="5042218" y="1581732"/>
+                <a:ext cx="1935000" cy="1188000"/>
+              </p14:xfrm>
+            </p:contentPart>
+          </mc:Choice>
+          <mc:Fallback>
+            <p:pic>
+              <p:nvPicPr>
+                <p:cNvPr id="11" name="Ink 10">
+                  <a:extLst>
+                    <a:ext uri="{FF2B5EF4-FFF2-40B4-BE49-F238E27FC236}">
+                      <a16:creationId xmlns:a16="http://schemas.microsoft.com/office/drawing/2014/main" id="{68B0BFBE-AAFD-D3B8-859C-50B675E297EC}"/>
+                    </a:ext>
+                  </a:extLst>
+                </p:cNvPr>
+                <p:cNvPicPr/>
+                <p:nvPr/>
+              </p:nvPicPr>
+              <p:blipFill>
+                <a:blip r:embed="rId13"/>
+                <a:stretch>
+                  <a:fillRect/>
+                </a:stretch>
+              </p:blipFill>
+              <p:spPr>
+                <a:xfrm>
+                  <a:off x="5033218" y="1572732"/>
+                  <a:ext cx="1952640" cy="1205640"/>
+                </a:xfrm>
+                <a:prstGeom prst="rect">
+                  <a:avLst/>
+                </a:prstGeom>
+              </p:spPr>
+            </p:pic>
+          </mc:Fallback>
+        </mc:AlternateContent>
+        <mc:AlternateContent xmlns:mc="http://schemas.openxmlformats.org/markup-compatibility/2006">
+          <mc:Choice xmlns:p14="http://schemas.microsoft.com/office/powerpoint/2010/main" Requires="p14">
+            <p:contentPart p14:bwMode="auto" r:id="rId14">
+              <p14:nvContentPartPr>
+                <p14:cNvPr id="14" name="Ink 13">
+                  <a:extLst>
+                    <a:ext uri="{FF2B5EF4-FFF2-40B4-BE49-F238E27FC236}">
+                      <a16:creationId xmlns:a16="http://schemas.microsoft.com/office/drawing/2014/main" id="{F91BF25F-1091-3A69-1B24-16345C0BB9D7}"/>
+                    </a:ext>
+                  </a:extLst>
+                </p14:cNvPr>
+                <p14:cNvContentPartPr/>
+                <p14:nvPr/>
+              </p14:nvContentPartPr>
+              <p14:xfrm>
+                <a:off x="6971818" y="1615932"/>
+                <a:ext cx="1832040" cy="1458000"/>
+              </p14:xfrm>
+            </p:contentPart>
+          </mc:Choice>
+          <mc:Fallback>
+            <p:pic>
+              <p:nvPicPr>
+                <p:cNvPr id="14" name="Ink 13">
+                  <a:extLst>
+                    <a:ext uri="{FF2B5EF4-FFF2-40B4-BE49-F238E27FC236}">
+                      <a16:creationId xmlns:a16="http://schemas.microsoft.com/office/drawing/2014/main" id="{F91BF25F-1091-3A69-1B24-16345C0BB9D7}"/>
+                    </a:ext>
+                  </a:extLst>
+                </p:cNvPr>
+                <p:cNvPicPr/>
+                <p:nvPr/>
+              </p:nvPicPr>
+              <p:blipFill>
+                <a:blip r:embed="rId15"/>
+                <a:stretch>
+                  <a:fillRect/>
+                </a:stretch>
+              </p:blipFill>
+              <p:spPr>
+                <a:xfrm>
+                  <a:off x="6962818" y="1606932"/>
+                  <a:ext cx="1849680" cy="1475640"/>
+                </a:xfrm>
+                <a:prstGeom prst="rect">
+                  <a:avLst/>
+                </a:prstGeom>
+              </p:spPr>
+            </p:pic>
+          </mc:Fallback>
+        </mc:AlternateContent>
+      </p:grpSp>
+      <mc:AlternateContent xmlns:mc="http://schemas.openxmlformats.org/markup-compatibility/2006">
+        <mc:Choice xmlns:p14="http://schemas.microsoft.com/office/powerpoint/2010/main" Requires="p14">
+          <p:contentPart p14:bwMode="auto" r:id="rId16">
+            <p14:nvContentPartPr>
+              <p14:cNvPr id="17" name="Ink 16">
+                <a:extLst>
+                  <a:ext uri="{FF2B5EF4-FFF2-40B4-BE49-F238E27FC236}">
+                    <a16:creationId xmlns:a16="http://schemas.microsoft.com/office/drawing/2014/main" id="{B6E9422A-8124-5638-144F-32AD8F29DB98}"/>
+                  </a:ext>
+                </a:extLst>
+              </p14:cNvPr>
+              <p14:cNvContentPartPr/>
+              <p14:nvPr/>
+            </p14:nvContentPartPr>
+            <p14:xfrm>
+              <a:off x="5700658" y="1925532"/>
+              <a:ext cx="30600" cy="350640"/>
+            </p14:xfrm>
+          </p:contentPart>
+        </mc:Choice>
+        <mc:Fallback>
+          <p:pic>
+            <p:nvPicPr>
+              <p:cNvPr id="17" name="Ink 16">
+                <a:extLst>
+                  <a:ext uri="{FF2B5EF4-FFF2-40B4-BE49-F238E27FC236}">
+                    <a16:creationId xmlns:a16="http://schemas.microsoft.com/office/drawing/2014/main" id="{B6E9422A-8124-5638-144F-32AD8F29DB98}"/>
+                  </a:ext>
+                </a:extLst>
+              </p:cNvPr>
+              <p:cNvPicPr/>
+              <p:nvPr/>
+            </p:nvPicPr>
+            <p:blipFill>
+              <a:blip r:embed="rId17"/>
+              <a:stretch>
+                <a:fillRect/>
+              </a:stretch>
+            </p:blipFill>
+            <p:spPr>
+              <a:xfrm>
+                <a:off x="5691658" y="1916532"/>
+                <a:ext cx="48240" cy="368280"/>
+              </a:xfrm>
+              <a:prstGeom prst="rect">
+                <a:avLst/>
+              </a:prstGeom>
+            </p:spPr>
+          </p:pic>
+        </mc:Fallback>
+      </mc:AlternateContent>
+      <mc:AlternateContent xmlns:mc="http://schemas.openxmlformats.org/markup-compatibility/2006">
+        <mc:Choice xmlns:p14="http://schemas.microsoft.com/office/powerpoint/2010/main" Requires="p14">
+          <p:contentPart p14:bwMode="auto" r:id="rId18">
+            <p14:nvContentPartPr>
+              <p14:cNvPr id="18" name="Ink 17">
+                <a:extLst>
+                  <a:ext uri="{FF2B5EF4-FFF2-40B4-BE49-F238E27FC236}">
+                    <a16:creationId xmlns:a16="http://schemas.microsoft.com/office/drawing/2014/main" id="{472C7623-27BD-381A-90A2-304EE90ECE92}"/>
+                  </a:ext>
+                </a:extLst>
+              </p14:cNvPr>
+              <p14:cNvContentPartPr/>
+              <p14:nvPr/>
+            </p14:nvContentPartPr>
+            <p14:xfrm>
+              <a:off x="5718298" y="1978092"/>
+              <a:ext cx="267840" cy="30600"/>
+            </p14:xfrm>
+          </p:contentPart>
+        </mc:Choice>
+        <mc:Fallback>
+          <p:pic>
+            <p:nvPicPr>
+              <p:cNvPr id="18" name="Ink 17">
+                <a:extLst>
+                  <a:ext uri="{FF2B5EF4-FFF2-40B4-BE49-F238E27FC236}">
+                    <a16:creationId xmlns:a16="http://schemas.microsoft.com/office/drawing/2014/main" id="{472C7623-27BD-381A-90A2-304EE90ECE92}"/>
+                  </a:ext>
+                </a:extLst>
+              </p:cNvPr>
+              <p:cNvPicPr/>
+              <p:nvPr/>
+            </p:nvPicPr>
+            <p:blipFill>
+              <a:blip r:embed="rId19"/>
+              <a:stretch>
+                <a:fillRect/>
+              </a:stretch>
+            </p:blipFill>
+            <p:spPr>
+              <a:xfrm>
+                <a:off x="5709298" y="1969092"/>
+                <a:ext cx="285480" cy="48240"/>
+              </a:xfrm>
+              <a:prstGeom prst="rect">
+                <a:avLst/>
+              </a:prstGeom>
+            </p:spPr>
+          </p:pic>
+        </mc:Fallback>
+      </mc:AlternateContent>
+      <mc:AlternateContent xmlns:mc="http://schemas.openxmlformats.org/markup-compatibility/2006">
+        <mc:Choice xmlns:p14="http://schemas.microsoft.com/office/powerpoint/2010/main" Requires="p14">
+          <p:contentPart p14:bwMode="auto" r:id="rId20">
+            <p14:nvContentPartPr>
+              <p14:cNvPr id="19" name="Ink 18">
+                <a:extLst>
+                  <a:ext uri="{FF2B5EF4-FFF2-40B4-BE49-F238E27FC236}">
+                    <a16:creationId xmlns:a16="http://schemas.microsoft.com/office/drawing/2014/main" id="{C8F26F5C-B680-2D74-81A6-BCBE936D3784}"/>
+                  </a:ext>
+                </a:extLst>
+              </p14:cNvPr>
+              <p14:cNvContentPartPr/>
+              <p14:nvPr/>
+            </p14:nvContentPartPr>
+            <p14:xfrm>
+              <a:off x="5742058" y="2118852"/>
+              <a:ext cx="216000" cy="17640"/>
+            </p14:xfrm>
+          </p:contentPart>
+        </mc:Choice>
+        <mc:Fallback>
+          <p:pic>
+            <p:nvPicPr>
+              <p:cNvPr id="19" name="Ink 18">
+                <a:extLst>
+                  <a:ext uri="{FF2B5EF4-FFF2-40B4-BE49-F238E27FC236}">
+                    <a16:creationId xmlns:a16="http://schemas.microsoft.com/office/drawing/2014/main" id="{C8F26F5C-B680-2D74-81A6-BCBE936D3784}"/>
+                  </a:ext>
+                </a:extLst>
+              </p:cNvPr>
+              <p:cNvPicPr/>
+              <p:nvPr/>
+            </p:nvPicPr>
+            <p:blipFill>
+              <a:blip r:embed="rId21"/>
+              <a:stretch>
+                <a:fillRect/>
+              </a:stretch>
+            </p:blipFill>
+            <p:spPr>
+              <a:xfrm>
+                <a:off x="5733058" y="2109852"/>
+                <a:ext cx="233640" cy="35280"/>
+              </a:xfrm>
+              <a:prstGeom prst="rect">
+                <a:avLst/>
+              </a:prstGeom>
+            </p:spPr>
+          </p:pic>
+        </mc:Fallback>
+      </mc:AlternateContent>
+      <mc:AlternateContent xmlns:mc="http://schemas.openxmlformats.org/markup-compatibility/2006">
+        <mc:Choice xmlns:p14="http://schemas.microsoft.com/office/powerpoint/2010/main" Requires="p14">
+          <p:contentPart p14:bwMode="auto" r:id="rId22">
+            <p14:nvContentPartPr>
+              <p14:cNvPr id="20" name="Ink 19">
+                <a:extLst>
+                  <a:ext uri="{FF2B5EF4-FFF2-40B4-BE49-F238E27FC236}">
+                    <a16:creationId xmlns:a16="http://schemas.microsoft.com/office/drawing/2014/main" id="{5142A59E-F347-9C93-9AB9-C9660D04559A}"/>
+                  </a:ext>
+                </a:extLst>
+              </p14:cNvPr>
+              <p14:cNvContentPartPr/>
+              <p14:nvPr/>
+            </p14:nvContentPartPr>
+            <p14:xfrm>
+              <a:off x="8038138" y="1964412"/>
+              <a:ext cx="69480" cy="397440"/>
+            </p14:xfrm>
+          </p:contentPart>
+        </mc:Choice>
+        <mc:Fallback>
+          <p:pic>
+            <p:nvPicPr>
+              <p:cNvPr id="20" name="Ink 19">
+                <a:extLst>
+                  <a:ext uri="{FF2B5EF4-FFF2-40B4-BE49-F238E27FC236}">
+                    <a16:creationId xmlns:a16="http://schemas.microsoft.com/office/drawing/2014/main" id="{5142A59E-F347-9C93-9AB9-C9660D04559A}"/>
+                  </a:ext>
+                </a:extLst>
+              </p:cNvPr>
+              <p:cNvPicPr/>
+              <p:nvPr/>
+            </p:nvPicPr>
+            <p:blipFill>
+              <a:blip r:embed="rId23"/>
+              <a:stretch>
+                <a:fillRect/>
+              </a:stretch>
+            </p:blipFill>
+            <p:spPr>
+              <a:xfrm>
+                <a:off x="8029498" y="1955412"/>
+                <a:ext cx="87120" cy="415080"/>
+              </a:xfrm>
+              <a:prstGeom prst="rect">
+                <a:avLst/>
+              </a:prstGeom>
+            </p:spPr>
+          </p:pic>
+        </mc:Fallback>
+      </mc:AlternateContent>
+      <mc:AlternateContent xmlns:mc="http://schemas.openxmlformats.org/markup-compatibility/2006">
+        <mc:Choice xmlns:p14="http://schemas.microsoft.com/office/powerpoint/2010/main" Requires="p14">
+          <p:contentPart p14:bwMode="auto" r:id="rId24">
+            <p14:nvContentPartPr>
+              <p14:cNvPr id="21" name="Ink 20">
+                <a:extLst>
+                  <a:ext uri="{FF2B5EF4-FFF2-40B4-BE49-F238E27FC236}">
+                    <a16:creationId xmlns:a16="http://schemas.microsoft.com/office/drawing/2014/main" id="{74F5C582-EA46-C784-E441-ED806F23DE71}"/>
+                  </a:ext>
+                </a:extLst>
+              </p14:cNvPr>
+              <p14:cNvContentPartPr/>
+              <p14:nvPr/>
+            </p14:nvContentPartPr>
+            <p14:xfrm>
+              <a:off x="7885138" y="1990692"/>
+              <a:ext cx="599400" cy="43200"/>
+            </p14:xfrm>
+          </p:contentPart>
+        </mc:Choice>
+        <mc:Fallback>
+          <p:pic>
+            <p:nvPicPr>
+              <p:cNvPr id="21" name="Ink 20">
+                <a:extLst>
+                  <a:ext uri="{FF2B5EF4-FFF2-40B4-BE49-F238E27FC236}">
+                    <a16:creationId xmlns:a16="http://schemas.microsoft.com/office/drawing/2014/main" id="{74F5C582-EA46-C784-E441-ED806F23DE71}"/>
+                  </a:ext>
+                </a:extLst>
+              </p:cNvPr>
+              <p:cNvPicPr/>
+              <p:nvPr/>
+            </p:nvPicPr>
+            <p:blipFill>
+              <a:blip r:embed="rId25"/>
+              <a:stretch>
+                <a:fillRect/>
+              </a:stretch>
+            </p:blipFill>
+            <p:spPr>
+              <a:xfrm>
+                <a:off x="7876138" y="1982052"/>
+                <a:ext cx="617040" cy="60840"/>
+              </a:xfrm>
+              <a:prstGeom prst="rect">
+                <a:avLst/>
+              </a:prstGeom>
+            </p:spPr>
+          </p:pic>
+        </mc:Fallback>
+      </mc:AlternateContent>
+      <p:grpSp>
+        <p:nvGrpSpPr>
+          <p:cNvPr id="52" name="Group 51">
+            <a:extLst>
+              <a:ext uri="{FF2B5EF4-FFF2-40B4-BE49-F238E27FC236}">
+                <a16:creationId xmlns:a16="http://schemas.microsoft.com/office/drawing/2014/main" id="{BB644CF7-9346-A180-BB66-EBC207436867}"/>
+              </a:ext>
+            </a:extLst>
+          </p:cNvPr>
+          <p:cNvGrpSpPr/>
+          <p:nvPr/>
+        </p:nvGrpSpPr>
+        <p:grpSpPr>
+          <a:xfrm>
+            <a:off x="8383378" y="2670372"/>
+            <a:ext cx="3658680" cy="2404800"/>
+            <a:chOff x="8383378" y="2670372"/>
+            <a:chExt cx="3658680" cy="2404800"/>
+          </a:xfrm>
+        </p:grpSpPr>
+        <mc:AlternateContent xmlns:mc="http://schemas.openxmlformats.org/markup-compatibility/2006">
+          <mc:Choice xmlns:p14="http://schemas.microsoft.com/office/powerpoint/2010/main" Requires="p14">
+            <p:contentPart p14:bwMode="auto" r:id="rId26">
+              <p14:nvContentPartPr>
+                <p14:cNvPr id="22" name="Ink 21">
+                  <a:extLst>
+                    <a:ext uri="{FF2B5EF4-FFF2-40B4-BE49-F238E27FC236}">
+                      <a16:creationId xmlns:a16="http://schemas.microsoft.com/office/drawing/2014/main" id="{5130E34B-718F-226C-FC3D-D5E4B60E59E3}"/>
+                    </a:ext>
+                  </a:extLst>
+                </p14:cNvPr>
+                <p14:cNvContentPartPr/>
+                <p14:nvPr/>
+              </p14:nvContentPartPr>
+              <p14:xfrm>
+                <a:off x="8678578" y="2670372"/>
+                <a:ext cx="2061360" cy="1065960"/>
+              </p14:xfrm>
+            </p:contentPart>
+          </mc:Choice>
+          <mc:Fallback>
+            <p:pic>
+              <p:nvPicPr>
+                <p:cNvPr id="22" name="Ink 21">
+                  <a:extLst>
+                    <a:ext uri="{FF2B5EF4-FFF2-40B4-BE49-F238E27FC236}">
+                      <a16:creationId xmlns:a16="http://schemas.microsoft.com/office/drawing/2014/main" id="{5130E34B-718F-226C-FC3D-D5E4B60E59E3}"/>
+                    </a:ext>
+                  </a:extLst>
+                </p:cNvPr>
+                <p:cNvPicPr/>
+                <p:nvPr/>
+              </p:nvPicPr>
+              <p:blipFill>
+                <a:blip r:embed="rId27"/>
+                <a:stretch>
+                  <a:fillRect/>
+                </a:stretch>
+              </p:blipFill>
+              <p:spPr>
+                <a:xfrm>
+                  <a:off x="8669578" y="2661732"/>
+                  <a:ext cx="2079000" cy="1083600"/>
+                </a:xfrm>
+                <a:prstGeom prst="rect">
+                  <a:avLst/>
+                </a:prstGeom>
+              </p:spPr>
+            </p:pic>
+          </mc:Fallback>
+        </mc:AlternateContent>
+        <mc:AlternateContent xmlns:mc="http://schemas.openxmlformats.org/markup-compatibility/2006">
+          <mc:Choice xmlns:p14="http://schemas.microsoft.com/office/powerpoint/2010/main" Requires="p14">
+            <p:contentPart p14:bwMode="auto" r:id="rId28">
+              <p14:nvContentPartPr>
+                <p14:cNvPr id="23" name="Ink 22">
+                  <a:extLst>
+                    <a:ext uri="{FF2B5EF4-FFF2-40B4-BE49-F238E27FC236}">
+                      <a16:creationId xmlns:a16="http://schemas.microsoft.com/office/drawing/2014/main" id="{C631FC8B-9488-F6A3-7079-E83B2F9AD9D9}"/>
+                    </a:ext>
+                  </a:extLst>
+                </p14:cNvPr>
+                <p14:cNvContentPartPr/>
+                <p14:nvPr/>
+              </p14:nvContentPartPr>
+              <p14:xfrm>
+                <a:off x="8946058" y="3062412"/>
+                <a:ext cx="21600" cy="621000"/>
+              </p14:xfrm>
+            </p:contentPart>
+          </mc:Choice>
+          <mc:Fallback>
+            <p:pic>
+              <p:nvPicPr>
+                <p:cNvPr id="23" name="Ink 22">
+                  <a:extLst>
+                    <a:ext uri="{FF2B5EF4-FFF2-40B4-BE49-F238E27FC236}">
+                      <a16:creationId xmlns:a16="http://schemas.microsoft.com/office/drawing/2014/main" id="{C631FC8B-9488-F6A3-7079-E83B2F9AD9D9}"/>
+                    </a:ext>
+                  </a:extLst>
+                </p:cNvPr>
+                <p:cNvPicPr/>
+                <p:nvPr/>
+              </p:nvPicPr>
+              <p:blipFill>
+                <a:blip r:embed="rId29"/>
+                <a:stretch>
+                  <a:fillRect/>
+                </a:stretch>
+              </p:blipFill>
+              <p:spPr>
+                <a:xfrm>
+                  <a:off x="8937058" y="3053772"/>
+                  <a:ext cx="39240" cy="638640"/>
+                </a:xfrm>
+                <a:prstGeom prst="rect">
+                  <a:avLst/>
+                </a:prstGeom>
+              </p:spPr>
+            </p:pic>
+          </mc:Fallback>
+        </mc:AlternateContent>
+        <mc:AlternateContent xmlns:mc="http://schemas.openxmlformats.org/markup-compatibility/2006">
+          <mc:Choice xmlns:p14="http://schemas.microsoft.com/office/powerpoint/2010/main" Requires="p14">
+            <p:contentPart p14:bwMode="auto" r:id="rId30">
+              <p14:nvContentPartPr>
+                <p14:cNvPr id="24" name="Ink 23">
+                  <a:extLst>
+                    <a:ext uri="{FF2B5EF4-FFF2-40B4-BE49-F238E27FC236}">
+                      <a16:creationId xmlns:a16="http://schemas.microsoft.com/office/drawing/2014/main" id="{9DFB09D0-CD83-7C74-B767-91C40CAAB723}"/>
+                    </a:ext>
+                  </a:extLst>
+                </p14:cNvPr>
+                <p14:cNvContentPartPr/>
+                <p14:nvPr/>
+              </p14:nvContentPartPr>
+              <p14:xfrm>
+                <a:off x="8983138" y="3122172"/>
+                <a:ext cx="237600" cy="233280"/>
+              </p14:xfrm>
+            </p:contentPart>
+          </mc:Choice>
+          <mc:Fallback>
+            <p:pic>
+              <p:nvPicPr>
+                <p:cNvPr id="24" name="Ink 23">
+                  <a:extLst>
+                    <a:ext uri="{FF2B5EF4-FFF2-40B4-BE49-F238E27FC236}">
+                      <a16:creationId xmlns:a16="http://schemas.microsoft.com/office/drawing/2014/main" id="{9DFB09D0-CD83-7C74-B767-91C40CAAB723}"/>
+                    </a:ext>
+                  </a:extLst>
+                </p:cNvPr>
+                <p:cNvPicPr/>
+                <p:nvPr/>
+              </p:nvPicPr>
+              <p:blipFill>
+                <a:blip r:embed="rId31"/>
+                <a:stretch>
+                  <a:fillRect/>
+                </a:stretch>
+              </p:blipFill>
+              <p:spPr>
+                <a:xfrm>
+                  <a:off x="8974138" y="3113532"/>
+                  <a:ext cx="255240" cy="250920"/>
+                </a:xfrm>
+                <a:prstGeom prst="rect">
+                  <a:avLst/>
+                </a:prstGeom>
+              </p:spPr>
+            </p:pic>
+          </mc:Fallback>
+        </mc:AlternateContent>
+        <mc:AlternateContent xmlns:mc="http://schemas.openxmlformats.org/markup-compatibility/2006">
+          <mc:Choice xmlns:p14="http://schemas.microsoft.com/office/powerpoint/2010/main" Requires="p14">
+            <p:contentPart p14:bwMode="auto" r:id="rId32">
+              <p14:nvContentPartPr>
+                <p14:cNvPr id="25" name="Ink 24">
+                  <a:extLst>
+                    <a:ext uri="{FF2B5EF4-FFF2-40B4-BE49-F238E27FC236}">
+                      <a16:creationId xmlns:a16="http://schemas.microsoft.com/office/drawing/2014/main" id="{0D903218-E542-AD49-83E2-08C4562E51BE}"/>
+                    </a:ext>
+                  </a:extLst>
+                </p14:cNvPr>
+                <p14:cNvContentPartPr/>
+                <p14:nvPr/>
+              </p14:nvContentPartPr>
+              <p14:xfrm>
+                <a:off x="9108058" y="3376332"/>
+                <a:ext cx="108000" cy="293040"/>
+              </p14:xfrm>
+            </p:contentPart>
+          </mc:Choice>
+          <mc:Fallback>
+            <p:pic>
+              <p:nvPicPr>
+                <p:cNvPr id="25" name="Ink 24">
+                  <a:extLst>
+                    <a:ext uri="{FF2B5EF4-FFF2-40B4-BE49-F238E27FC236}">
+                      <a16:creationId xmlns:a16="http://schemas.microsoft.com/office/drawing/2014/main" id="{0D903218-E542-AD49-83E2-08C4562E51BE}"/>
+                    </a:ext>
+                  </a:extLst>
+                </p:cNvPr>
+                <p:cNvPicPr/>
+                <p:nvPr/>
+              </p:nvPicPr>
+              <p:blipFill>
+                <a:blip r:embed="rId33"/>
+                <a:stretch>
+                  <a:fillRect/>
+                </a:stretch>
+              </p:blipFill>
+              <p:spPr>
+                <a:xfrm>
+                  <a:off x="9099418" y="3367332"/>
+                  <a:ext cx="125640" cy="310680"/>
+                </a:xfrm>
+                <a:prstGeom prst="rect">
+                  <a:avLst/>
+                </a:prstGeom>
+              </p:spPr>
+            </p:pic>
+          </mc:Fallback>
+        </mc:AlternateContent>
+        <mc:AlternateContent xmlns:mc="http://schemas.openxmlformats.org/markup-compatibility/2006">
+          <mc:Choice xmlns:p14="http://schemas.microsoft.com/office/powerpoint/2010/main" Requires="p14">
+            <p:contentPart p14:bwMode="auto" r:id="rId34">
+              <p14:nvContentPartPr>
+                <p14:cNvPr id="26" name="Ink 25">
+                  <a:extLst>
+                    <a:ext uri="{FF2B5EF4-FFF2-40B4-BE49-F238E27FC236}">
+                      <a16:creationId xmlns:a16="http://schemas.microsoft.com/office/drawing/2014/main" id="{87D23268-5741-04C5-092A-1FF794AEEB40}"/>
+                    </a:ext>
+                  </a:extLst>
+                </p14:cNvPr>
+                <p14:cNvContentPartPr/>
+                <p14:nvPr/>
+              </p14:nvContentPartPr>
+              <p14:xfrm>
+                <a:off x="9293458" y="3336732"/>
+                <a:ext cx="317160" cy="348480"/>
+              </p14:xfrm>
+            </p:contentPart>
+          </mc:Choice>
+          <mc:Fallback>
+            <p:pic>
+              <p:nvPicPr>
+                <p:cNvPr id="26" name="Ink 25">
+                  <a:extLst>
+                    <a:ext uri="{FF2B5EF4-FFF2-40B4-BE49-F238E27FC236}">
+                      <a16:creationId xmlns:a16="http://schemas.microsoft.com/office/drawing/2014/main" id="{87D23268-5741-04C5-092A-1FF794AEEB40}"/>
+                    </a:ext>
+                  </a:extLst>
+                </p:cNvPr>
+                <p:cNvPicPr/>
+                <p:nvPr/>
+              </p:nvPicPr>
+              <p:blipFill>
+                <a:blip r:embed="rId35"/>
+                <a:stretch>
+                  <a:fillRect/>
+                </a:stretch>
+              </p:blipFill>
+              <p:spPr>
+                <a:xfrm>
+                  <a:off x="9284818" y="3327732"/>
+                  <a:ext cx="334800" cy="366120"/>
+                </a:xfrm>
+                <a:prstGeom prst="rect">
+                  <a:avLst/>
+                </a:prstGeom>
+              </p:spPr>
+            </p:pic>
+          </mc:Fallback>
+        </mc:AlternateContent>
+        <mc:AlternateContent xmlns:mc="http://schemas.openxmlformats.org/markup-compatibility/2006">
+          <mc:Choice xmlns:p14="http://schemas.microsoft.com/office/powerpoint/2010/main" Requires="p14">
+            <p:contentPart p14:bwMode="auto" r:id="rId36">
+              <p14:nvContentPartPr>
+                <p14:cNvPr id="27" name="Ink 26">
+                  <a:extLst>
+                    <a:ext uri="{FF2B5EF4-FFF2-40B4-BE49-F238E27FC236}">
+                      <a16:creationId xmlns:a16="http://schemas.microsoft.com/office/drawing/2014/main" id="{DB3855A2-EA00-83CD-628B-FEC6BF1C8051}"/>
+                    </a:ext>
+                  </a:extLst>
+                </p14:cNvPr>
+                <p14:cNvContentPartPr/>
+                <p14:nvPr/>
+              </p14:nvContentPartPr>
+              <p14:xfrm>
+                <a:off x="9581818" y="3417732"/>
+                <a:ext cx="203040" cy="212040"/>
+              </p14:xfrm>
+            </p:contentPart>
+          </mc:Choice>
+          <mc:Fallback>
+            <p:pic>
+              <p:nvPicPr>
+                <p:cNvPr id="27" name="Ink 26">
+                  <a:extLst>
+                    <a:ext uri="{FF2B5EF4-FFF2-40B4-BE49-F238E27FC236}">
+                      <a16:creationId xmlns:a16="http://schemas.microsoft.com/office/drawing/2014/main" id="{DB3855A2-EA00-83CD-628B-FEC6BF1C8051}"/>
+                    </a:ext>
+                  </a:extLst>
+                </p:cNvPr>
+                <p:cNvPicPr/>
+                <p:nvPr/>
+              </p:nvPicPr>
+              <p:blipFill>
+                <a:blip r:embed="rId37"/>
+                <a:stretch>
+                  <a:fillRect/>
+                </a:stretch>
+              </p:blipFill>
+              <p:spPr>
+                <a:xfrm>
+                  <a:off x="9572818" y="3408732"/>
+                  <a:ext cx="220680" cy="229680"/>
+                </a:xfrm>
+                <a:prstGeom prst="rect">
+                  <a:avLst/>
+                </a:prstGeom>
+              </p:spPr>
+            </p:pic>
+          </mc:Fallback>
+        </mc:AlternateContent>
+        <mc:AlternateContent xmlns:mc="http://schemas.openxmlformats.org/markup-compatibility/2006">
+          <mc:Choice xmlns:p14="http://schemas.microsoft.com/office/powerpoint/2010/main" Requires="p14">
+            <p:contentPart p14:bwMode="auto" r:id="rId38">
+              <p14:nvContentPartPr>
+                <p14:cNvPr id="28" name="Ink 27">
+                  <a:extLst>
+                    <a:ext uri="{FF2B5EF4-FFF2-40B4-BE49-F238E27FC236}">
+                      <a16:creationId xmlns:a16="http://schemas.microsoft.com/office/drawing/2014/main" id="{1FD68430-2F67-F4B7-2495-8CB6FFECE3CC}"/>
+                    </a:ext>
+                  </a:extLst>
+                </p14:cNvPr>
+                <p14:cNvContentPartPr/>
+                <p14:nvPr/>
+              </p14:nvContentPartPr>
+              <p14:xfrm>
+                <a:off x="10010218" y="2969532"/>
+                <a:ext cx="269640" cy="598680"/>
+              </p14:xfrm>
+            </p:contentPart>
+          </mc:Choice>
+          <mc:Fallback>
+            <p:pic>
+              <p:nvPicPr>
+                <p:cNvPr id="28" name="Ink 27">
+                  <a:extLst>
+                    <a:ext uri="{FF2B5EF4-FFF2-40B4-BE49-F238E27FC236}">
+                      <a16:creationId xmlns:a16="http://schemas.microsoft.com/office/drawing/2014/main" id="{1FD68430-2F67-F4B7-2495-8CB6FFECE3CC}"/>
+                    </a:ext>
+                  </a:extLst>
+                </p:cNvPr>
+                <p:cNvPicPr/>
+                <p:nvPr/>
+              </p:nvPicPr>
+              <p:blipFill>
+                <a:blip r:embed="rId39"/>
+                <a:stretch>
+                  <a:fillRect/>
+                </a:stretch>
+              </p:blipFill>
+              <p:spPr>
+                <a:xfrm>
+                  <a:off x="10001578" y="2960892"/>
+                  <a:ext cx="287280" cy="616320"/>
+                </a:xfrm>
+                <a:prstGeom prst="rect">
+                  <a:avLst/>
+                </a:prstGeom>
+              </p:spPr>
+            </p:pic>
+          </mc:Fallback>
+        </mc:AlternateContent>
+        <mc:AlternateContent xmlns:mc="http://schemas.openxmlformats.org/markup-compatibility/2006">
+          <mc:Choice xmlns:p14="http://schemas.microsoft.com/office/powerpoint/2010/main" Requires="p14">
+            <p:contentPart p14:bwMode="auto" r:id="rId40">
+              <p14:nvContentPartPr>
+                <p14:cNvPr id="29" name="Ink 28">
+                  <a:extLst>
+                    <a:ext uri="{FF2B5EF4-FFF2-40B4-BE49-F238E27FC236}">
+                      <a16:creationId xmlns:a16="http://schemas.microsoft.com/office/drawing/2014/main" id="{E6455EF1-E99B-97F6-E635-E8E55913C91D}"/>
+                    </a:ext>
+                  </a:extLst>
+                </p14:cNvPr>
+                <p14:cNvContentPartPr/>
+                <p14:nvPr/>
+              </p14:nvContentPartPr>
+              <p14:xfrm>
+                <a:off x="8549698" y="3831372"/>
+                <a:ext cx="1045800" cy="1067400"/>
+              </p14:xfrm>
+            </p:contentPart>
+          </mc:Choice>
+          <mc:Fallback>
+            <p:pic>
+              <p:nvPicPr>
+                <p:cNvPr id="29" name="Ink 28">
+                  <a:extLst>
+                    <a:ext uri="{FF2B5EF4-FFF2-40B4-BE49-F238E27FC236}">
+                      <a16:creationId xmlns:a16="http://schemas.microsoft.com/office/drawing/2014/main" id="{E6455EF1-E99B-97F6-E635-E8E55913C91D}"/>
+                    </a:ext>
+                  </a:extLst>
+                </p:cNvPr>
+                <p:cNvPicPr/>
+                <p:nvPr/>
+              </p:nvPicPr>
+              <p:blipFill>
+                <a:blip r:embed="rId41"/>
+                <a:stretch>
+                  <a:fillRect/>
+                </a:stretch>
+              </p:blipFill>
+              <p:spPr>
+                <a:xfrm>
+                  <a:off x="8540698" y="3822732"/>
+                  <a:ext cx="1063440" cy="1085040"/>
+                </a:xfrm>
+                <a:prstGeom prst="rect">
+                  <a:avLst/>
+                </a:prstGeom>
+              </p:spPr>
+            </p:pic>
+          </mc:Fallback>
+        </mc:AlternateContent>
+        <mc:AlternateContent xmlns:mc="http://schemas.openxmlformats.org/markup-compatibility/2006">
+          <mc:Choice xmlns:p14="http://schemas.microsoft.com/office/powerpoint/2010/main" Requires="p14">
+            <p:contentPart p14:bwMode="auto" r:id="rId42">
+              <p14:nvContentPartPr>
+                <p14:cNvPr id="30" name="Ink 29">
+                  <a:extLst>
+                    <a:ext uri="{FF2B5EF4-FFF2-40B4-BE49-F238E27FC236}">
+                      <a16:creationId xmlns:a16="http://schemas.microsoft.com/office/drawing/2014/main" id="{FA929E2C-1E6B-05E0-501F-985418369E21}"/>
+                    </a:ext>
+                  </a:extLst>
+                </p14:cNvPr>
+                <p14:cNvContentPartPr/>
+                <p14:nvPr/>
+              </p14:nvContentPartPr>
+              <p14:xfrm>
+                <a:off x="8383378" y="4083732"/>
+                <a:ext cx="43200" cy="307800"/>
+              </p14:xfrm>
+            </p:contentPart>
+          </mc:Choice>
+          <mc:Fallback>
+            <p:pic>
+              <p:nvPicPr>
+                <p:cNvPr id="30" name="Ink 29">
+                  <a:extLst>
+                    <a:ext uri="{FF2B5EF4-FFF2-40B4-BE49-F238E27FC236}">
+                      <a16:creationId xmlns:a16="http://schemas.microsoft.com/office/drawing/2014/main" id="{FA929E2C-1E6B-05E0-501F-985418369E21}"/>
+                    </a:ext>
+                  </a:extLst>
+                </p:cNvPr>
+                <p:cNvPicPr/>
+                <p:nvPr/>
+              </p:nvPicPr>
+              <p:blipFill>
+                <a:blip r:embed="rId43"/>
+                <a:stretch>
+                  <a:fillRect/>
+                </a:stretch>
+              </p:blipFill>
+              <p:spPr>
+                <a:xfrm>
+                  <a:off x="8374738" y="4075092"/>
+                  <a:ext cx="60840" cy="325440"/>
+                </a:xfrm>
+                <a:prstGeom prst="rect">
+                  <a:avLst/>
+                </a:prstGeom>
+              </p:spPr>
+            </p:pic>
+          </mc:Fallback>
+        </mc:AlternateContent>
+        <mc:AlternateContent xmlns:mc="http://schemas.openxmlformats.org/markup-compatibility/2006">
+          <mc:Choice xmlns:p14="http://schemas.microsoft.com/office/powerpoint/2010/main" Requires="p14">
+            <p:contentPart p14:bwMode="auto" r:id="rId44">
+              <p14:nvContentPartPr>
+                <p14:cNvPr id="41" name="Ink 40">
+                  <a:extLst>
+                    <a:ext uri="{FF2B5EF4-FFF2-40B4-BE49-F238E27FC236}">
+                      <a16:creationId xmlns:a16="http://schemas.microsoft.com/office/drawing/2014/main" id="{84C84AB4-392A-8A58-3585-D4B2C4C85EDA}"/>
+                    </a:ext>
+                  </a:extLst>
+                </p14:cNvPr>
+                <p14:cNvContentPartPr/>
+                <p14:nvPr/>
+              </p14:nvContentPartPr>
+              <p14:xfrm>
+                <a:off x="8415778" y="3972492"/>
+                <a:ext cx="220320" cy="127440"/>
+              </p14:xfrm>
+            </p:contentPart>
+          </mc:Choice>
+          <mc:Fallback>
+            <p:pic>
+              <p:nvPicPr>
+                <p:cNvPr id="41" name="Ink 40">
+                  <a:extLst>
+                    <a:ext uri="{FF2B5EF4-FFF2-40B4-BE49-F238E27FC236}">
+                      <a16:creationId xmlns:a16="http://schemas.microsoft.com/office/drawing/2014/main" id="{84C84AB4-392A-8A58-3585-D4B2C4C85EDA}"/>
+                    </a:ext>
+                  </a:extLst>
+                </p:cNvPr>
+                <p:cNvPicPr/>
+                <p:nvPr/>
+              </p:nvPicPr>
+              <p:blipFill>
+                <a:blip r:embed="rId45"/>
+                <a:stretch>
+                  <a:fillRect/>
+                </a:stretch>
+              </p:blipFill>
+              <p:spPr>
+                <a:xfrm>
+                  <a:off x="8407138" y="3963492"/>
+                  <a:ext cx="237960" cy="145080"/>
+                </a:xfrm>
+                <a:prstGeom prst="rect">
+                  <a:avLst/>
+                </a:prstGeom>
+              </p:spPr>
+            </p:pic>
+          </mc:Fallback>
+        </mc:AlternateContent>
+        <mc:AlternateContent xmlns:mc="http://schemas.openxmlformats.org/markup-compatibility/2006">
+          <mc:Choice xmlns:p14="http://schemas.microsoft.com/office/powerpoint/2010/main" Requires="p14">
+            <p:contentPart p14:bwMode="auto" r:id="rId46">
+              <p14:nvContentPartPr>
+                <p14:cNvPr id="44" name="Ink 43">
+                  <a:extLst>
+                    <a:ext uri="{FF2B5EF4-FFF2-40B4-BE49-F238E27FC236}">
+                      <a16:creationId xmlns:a16="http://schemas.microsoft.com/office/drawing/2014/main" id="{5F0A50DB-462B-7D39-7EAD-C567BD680F0C}"/>
+                    </a:ext>
+                  </a:extLst>
+                </p14:cNvPr>
+                <p14:cNvContentPartPr/>
+                <p14:nvPr/>
+              </p14:nvContentPartPr>
+              <p14:xfrm>
+                <a:off x="8447818" y="4187412"/>
+                <a:ext cx="237600" cy="39240"/>
+              </p14:xfrm>
+            </p:contentPart>
+          </mc:Choice>
+          <mc:Fallback>
+            <p:pic>
+              <p:nvPicPr>
+                <p:cNvPr id="44" name="Ink 43">
+                  <a:extLst>
+                    <a:ext uri="{FF2B5EF4-FFF2-40B4-BE49-F238E27FC236}">
+                      <a16:creationId xmlns:a16="http://schemas.microsoft.com/office/drawing/2014/main" id="{5F0A50DB-462B-7D39-7EAD-C567BD680F0C}"/>
+                    </a:ext>
+                  </a:extLst>
+                </p:cNvPr>
+                <p:cNvPicPr/>
+                <p:nvPr/>
+              </p:nvPicPr>
+              <p:blipFill>
+                <a:blip r:embed="rId47"/>
+                <a:stretch>
+                  <a:fillRect/>
+                </a:stretch>
+              </p:blipFill>
+              <p:spPr>
+                <a:xfrm>
+                  <a:off x="8439178" y="4178772"/>
+                  <a:ext cx="255240" cy="56880"/>
+                </a:xfrm>
+                <a:prstGeom prst="rect">
+                  <a:avLst/>
+                </a:prstGeom>
+              </p:spPr>
+            </p:pic>
+          </mc:Fallback>
+        </mc:AlternateContent>
+        <mc:AlternateContent xmlns:mc="http://schemas.openxmlformats.org/markup-compatibility/2006">
+          <mc:Choice xmlns:p14="http://schemas.microsoft.com/office/powerpoint/2010/main" Requires="p14">
+            <p:contentPart p14:bwMode="auto" r:id="rId48">
+              <p14:nvContentPartPr>
+                <p14:cNvPr id="45" name="Ink 44">
+                  <a:extLst>
+                    <a:ext uri="{FF2B5EF4-FFF2-40B4-BE49-F238E27FC236}">
+                      <a16:creationId xmlns:a16="http://schemas.microsoft.com/office/drawing/2014/main" id="{185EE7E7-501A-2EA3-894C-A634047446EA}"/>
+                    </a:ext>
+                  </a:extLst>
+                </p14:cNvPr>
+                <p14:cNvContentPartPr/>
+                <p14:nvPr/>
+              </p14:nvContentPartPr>
+              <p14:xfrm>
+                <a:off x="9604138" y="3810492"/>
+                <a:ext cx="1047600" cy="623880"/>
+              </p14:xfrm>
+            </p:contentPart>
+          </mc:Choice>
+          <mc:Fallback>
+            <p:pic>
+              <p:nvPicPr>
+                <p:cNvPr id="45" name="Ink 44">
+                  <a:extLst>
+                    <a:ext uri="{FF2B5EF4-FFF2-40B4-BE49-F238E27FC236}">
+                      <a16:creationId xmlns:a16="http://schemas.microsoft.com/office/drawing/2014/main" id="{185EE7E7-501A-2EA3-894C-A634047446EA}"/>
+                    </a:ext>
+                  </a:extLst>
+                </p:cNvPr>
+                <p:cNvPicPr/>
+                <p:nvPr/>
+              </p:nvPicPr>
+              <p:blipFill>
+                <a:blip r:embed="rId49"/>
+                <a:stretch>
+                  <a:fillRect/>
+                </a:stretch>
+              </p:blipFill>
+              <p:spPr>
+                <a:xfrm>
+                  <a:off x="9595138" y="3801492"/>
+                  <a:ext cx="1065240" cy="641520"/>
+                </a:xfrm>
+                <a:prstGeom prst="rect">
+                  <a:avLst/>
+                </a:prstGeom>
+              </p:spPr>
+            </p:pic>
+          </mc:Fallback>
+        </mc:AlternateContent>
+        <mc:AlternateContent xmlns:mc="http://schemas.openxmlformats.org/markup-compatibility/2006">
+          <mc:Choice xmlns:p14="http://schemas.microsoft.com/office/powerpoint/2010/main" Requires="p14">
+            <p:contentPart p14:bwMode="auto" r:id="rId50">
+              <p14:nvContentPartPr>
+                <p14:cNvPr id="46" name="Ink 45">
+                  <a:extLst>
+                    <a:ext uri="{FF2B5EF4-FFF2-40B4-BE49-F238E27FC236}">
+                      <a16:creationId xmlns:a16="http://schemas.microsoft.com/office/drawing/2014/main" id="{C922500A-E62F-7CAE-0AF5-19EFC0482AE5}"/>
+                    </a:ext>
+                  </a:extLst>
+                </p14:cNvPr>
+                <p14:cNvContentPartPr/>
+                <p14:nvPr/>
+              </p14:nvContentPartPr>
+              <p14:xfrm>
+                <a:off x="10486498" y="4213332"/>
+                <a:ext cx="1555560" cy="861840"/>
+              </p14:xfrm>
+            </p:contentPart>
+          </mc:Choice>
+          <mc:Fallback>
+            <p:pic>
+              <p:nvPicPr>
+                <p:cNvPr id="46" name="Ink 45">
+                  <a:extLst>
+                    <a:ext uri="{FF2B5EF4-FFF2-40B4-BE49-F238E27FC236}">
+                      <a16:creationId xmlns:a16="http://schemas.microsoft.com/office/drawing/2014/main" id="{C922500A-E62F-7CAE-0AF5-19EFC0482AE5}"/>
+                    </a:ext>
+                  </a:extLst>
+                </p:cNvPr>
+                <p:cNvPicPr/>
+                <p:nvPr/>
+              </p:nvPicPr>
+              <p:blipFill>
+                <a:blip r:embed="rId51"/>
+                <a:stretch>
+                  <a:fillRect/>
+                </a:stretch>
+              </p:blipFill>
+              <p:spPr>
+                <a:xfrm>
+                  <a:off x="10477498" y="4204332"/>
+                  <a:ext cx="1573200" cy="879480"/>
+                </a:xfrm>
+                <a:prstGeom prst="rect">
+                  <a:avLst/>
+                </a:prstGeom>
+              </p:spPr>
+            </p:pic>
+          </mc:Fallback>
+        </mc:AlternateContent>
+        <mc:AlternateContent xmlns:mc="http://schemas.openxmlformats.org/markup-compatibility/2006">
+          <mc:Choice xmlns:p14="http://schemas.microsoft.com/office/powerpoint/2010/main" Requires="p14">
+            <p:contentPart p14:bwMode="auto" r:id="rId52">
+              <p14:nvContentPartPr>
+                <p14:cNvPr id="49" name="Ink 48">
+                  <a:extLst>
+                    <a:ext uri="{FF2B5EF4-FFF2-40B4-BE49-F238E27FC236}">
+                      <a16:creationId xmlns:a16="http://schemas.microsoft.com/office/drawing/2014/main" id="{877CD2EF-0029-A702-CFA3-66D785901BE6}"/>
+                    </a:ext>
+                  </a:extLst>
+                </p14:cNvPr>
+                <p14:cNvContentPartPr/>
+                <p14:nvPr/>
+              </p14:nvContentPartPr>
+              <p14:xfrm>
+                <a:off x="9925618" y="4078332"/>
+                <a:ext cx="17280" cy="286560"/>
+              </p14:xfrm>
+            </p:contentPart>
+          </mc:Choice>
+          <mc:Fallback>
+            <p:pic>
+              <p:nvPicPr>
+                <p:cNvPr id="49" name="Ink 48">
+                  <a:extLst>
+                    <a:ext uri="{FF2B5EF4-FFF2-40B4-BE49-F238E27FC236}">
+                      <a16:creationId xmlns:a16="http://schemas.microsoft.com/office/drawing/2014/main" id="{877CD2EF-0029-A702-CFA3-66D785901BE6}"/>
+                    </a:ext>
+                  </a:extLst>
+                </p:cNvPr>
+                <p:cNvPicPr/>
+                <p:nvPr/>
+              </p:nvPicPr>
+              <p:blipFill>
+                <a:blip r:embed="rId53"/>
+                <a:stretch>
+                  <a:fillRect/>
+                </a:stretch>
+              </p:blipFill>
+              <p:spPr>
+                <a:xfrm>
+                  <a:off x="9916978" y="4069332"/>
+                  <a:ext cx="34920" cy="304200"/>
+                </a:xfrm>
+                <a:prstGeom prst="rect">
+                  <a:avLst/>
+                </a:prstGeom>
+              </p:spPr>
+            </p:pic>
+          </mc:Fallback>
+        </mc:AlternateContent>
+        <mc:AlternateContent xmlns:mc="http://schemas.openxmlformats.org/markup-compatibility/2006">
+          <mc:Choice xmlns:p14="http://schemas.microsoft.com/office/powerpoint/2010/main" Requires="p14">
+            <p:contentPart p14:bwMode="auto" r:id="rId54">
+              <p14:nvContentPartPr>
+                <p14:cNvPr id="50" name="Ink 49">
+                  <a:extLst>
+                    <a:ext uri="{FF2B5EF4-FFF2-40B4-BE49-F238E27FC236}">
+                      <a16:creationId xmlns:a16="http://schemas.microsoft.com/office/drawing/2014/main" id="{34D2B13B-F18D-9632-CC1B-700CF44C4A2D}"/>
+                    </a:ext>
+                  </a:extLst>
+                </p14:cNvPr>
+                <p14:cNvContentPartPr/>
+                <p14:nvPr/>
+              </p14:nvContentPartPr>
+              <p14:xfrm>
+                <a:off x="9797818" y="4079772"/>
+                <a:ext cx="370800" cy="90720"/>
+              </p14:xfrm>
+            </p:contentPart>
+          </mc:Choice>
+          <mc:Fallback>
+            <p:pic>
+              <p:nvPicPr>
+                <p:cNvPr id="50" name="Ink 49">
+                  <a:extLst>
+                    <a:ext uri="{FF2B5EF4-FFF2-40B4-BE49-F238E27FC236}">
+                      <a16:creationId xmlns:a16="http://schemas.microsoft.com/office/drawing/2014/main" id="{34D2B13B-F18D-9632-CC1B-700CF44C4A2D}"/>
+                    </a:ext>
+                  </a:extLst>
+                </p:cNvPr>
+                <p:cNvPicPr/>
+                <p:nvPr/>
+              </p:nvPicPr>
+              <p:blipFill>
+                <a:blip r:embed="rId55"/>
+                <a:stretch>
+                  <a:fillRect/>
+                </a:stretch>
+              </p:blipFill>
+              <p:spPr>
+                <a:xfrm>
+                  <a:off x="9788818" y="4070772"/>
+                  <a:ext cx="388440" cy="108360"/>
+                </a:xfrm>
+                <a:prstGeom prst="rect">
+                  <a:avLst/>
+                </a:prstGeom>
+              </p:spPr>
+            </p:pic>
+          </mc:Fallback>
+        </mc:AlternateContent>
+      </p:grpSp>
+      <p:grpSp>
+        <p:nvGrpSpPr>
+          <p:cNvPr id="63" name="Group 62">
+            <a:extLst>
+              <a:ext uri="{FF2B5EF4-FFF2-40B4-BE49-F238E27FC236}">
+                <a16:creationId xmlns:a16="http://schemas.microsoft.com/office/drawing/2014/main" id="{137FC448-E487-B148-2951-926543C70B86}"/>
+              </a:ext>
+            </a:extLst>
+          </p:cNvPr>
+          <p:cNvGrpSpPr/>
+          <p:nvPr/>
+        </p:nvGrpSpPr>
+        <p:grpSpPr>
+          <a:xfrm>
+            <a:off x="9780178" y="4336452"/>
+            <a:ext cx="2202840" cy="1965960"/>
+            <a:chOff x="9780178" y="4336452"/>
+            <a:chExt cx="2202840" cy="1965960"/>
+          </a:xfrm>
+        </p:grpSpPr>
+        <mc:AlternateContent xmlns:mc="http://schemas.openxmlformats.org/markup-compatibility/2006">
+          <mc:Choice xmlns:p14="http://schemas.microsoft.com/office/powerpoint/2010/main" Requires="p14">
+            <p:contentPart p14:bwMode="auto" r:id="rId56">
+              <p14:nvContentPartPr>
+                <p14:cNvPr id="53" name="Ink 52">
+                  <a:extLst>
+                    <a:ext uri="{FF2B5EF4-FFF2-40B4-BE49-F238E27FC236}">
+                      <a16:creationId xmlns:a16="http://schemas.microsoft.com/office/drawing/2014/main" id="{5CEA12FD-2649-D672-70AC-350268212D72}"/>
+                    </a:ext>
+                  </a:extLst>
+                </p14:cNvPr>
+                <p14:cNvContentPartPr/>
+                <p14:nvPr/>
+              </p14:nvContentPartPr>
+              <p14:xfrm>
+                <a:off x="10905898" y="4336452"/>
+                <a:ext cx="329400" cy="495720"/>
+              </p14:xfrm>
+            </p:contentPart>
+          </mc:Choice>
+          <mc:Fallback>
+            <p:pic>
+              <p:nvPicPr>
+                <p:cNvPr id="53" name="Ink 52">
+                  <a:extLst>
+                    <a:ext uri="{FF2B5EF4-FFF2-40B4-BE49-F238E27FC236}">
+                      <a16:creationId xmlns:a16="http://schemas.microsoft.com/office/drawing/2014/main" id="{5CEA12FD-2649-D672-70AC-350268212D72}"/>
+                    </a:ext>
+                  </a:extLst>
+                </p:cNvPr>
+                <p:cNvPicPr/>
+                <p:nvPr/>
+              </p:nvPicPr>
+              <p:blipFill>
+                <a:blip r:embed="rId57"/>
+                <a:stretch>
+                  <a:fillRect/>
+                </a:stretch>
+              </p:blipFill>
+              <p:spPr>
+                <a:xfrm>
+                  <a:off x="10897258" y="4327452"/>
+                  <a:ext cx="347040" cy="513360"/>
+                </a:xfrm>
+                <a:prstGeom prst="rect">
+                  <a:avLst/>
+                </a:prstGeom>
+              </p:spPr>
+            </p:pic>
+          </mc:Fallback>
+        </mc:AlternateContent>
+        <mc:AlternateContent xmlns:mc="http://schemas.openxmlformats.org/markup-compatibility/2006">
+          <mc:Choice xmlns:p14="http://schemas.microsoft.com/office/powerpoint/2010/main" Requires="p14">
+            <p:contentPart p14:bwMode="auto" r:id="rId58">
+              <p14:nvContentPartPr>
+                <p14:cNvPr id="54" name="Ink 53">
+                  <a:extLst>
+                    <a:ext uri="{FF2B5EF4-FFF2-40B4-BE49-F238E27FC236}">
+                      <a16:creationId xmlns:a16="http://schemas.microsoft.com/office/drawing/2014/main" id="{E210F25F-067B-782A-D8FA-951FE0771B86}"/>
+                    </a:ext>
+                  </a:extLst>
+                </p14:cNvPr>
+                <p14:cNvContentPartPr/>
+                <p14:nvPr/>
+              </p14:nvContentPartPr>
+              <p14:xfrm>
+                <a:off x="11237818" y="4540932"/>
+                <a:ext cx="401400" cy="345240"/>
+              </p14:xfrm>
+            </p:contentPart>
+          </mc:Choice>
+          <mc:Fallback>
+            <p:pic>
+              <p:nvPicPr>
+                <p:cNvPr id="54" name="Ink 53">
+                  <a:extLst>
+                    <a:ext uri="{FF2B5EF4-FFF2-40B4-BE49-F238E27FC236}">
+                      <a16:creationId xmlns:a16="http://schemas.microsoft.com/office/drawing/2014/main" id="{E210F25F-067B-782A-D8FA-951FE0771B86}"/>
+                    </a:ext>
+                  </a:extLst>
+                </p:cNvPr>
+                <p:cNvPicPr/>
+                <p:nvPr/>
+              </p:nvPicPr>
+              <p:blipFill>
+                <a:blip r:embed="rId59"/>
+                <a:stretch>
+                  <a:fillRect/>
+                </a:stretch>
+              </p:blipFill>
+              <p:spPr>
+                <a:xfrm>
+                  <a:off x="11228818" y="4532292"/>
+                  <a:ext cx="419040" cy="362880"/>
+                </a:xfrm>
+                <a:prstGeom prst="rect">
+                  <a:avLst/>
+                </a:prstGeom>
+              </p:spPr>
+            </p:pic>
+          </mc:Fallback>
+        </mc:AlternateContent>
+        <mc:AlternateContent xmlns:mc="http://schemas.openxmlformats.org/markup-compatibility/2006">
+          <mc:Choice xmlns:p14="http://schemas.microsoft.com/office/powerpoint/2010/main" Requires="p14">
+            <p:contentPart p14:bwMode="auto" r:id="rId60">
+              <p14:nvContentPartPr>
+                <p14:cNvPr id="55" name="Ink 54">
+                  <a:extLst>
+                    <a:ext uri="{FF2B5EF4-FFF2-40B4-BE49-F238E27FC236}">
+                      <a16:creationId xmlns:a16="http://schemas.microsoft.com/office/drawing/2014/main" id="{7141B045-616E-FB00-C122-514983C1024E}"/>
+                    </a:ext>
+                  </a:extLst>
+                </p14:cNvPr>
+                <p14:cNvContentPartPr/>
+                <p14:nvPr/>
+              </p14:nvContentPartPr>
+              <p14:xfrm>
+                <a:off x="11806618" y="4523292"/>
+                <a:ext cx="26280" cy="521280"/>
+              </p14:xfrm>
+            </p:contentPart>
+          </mc:Choice>
+          <mc:Fallback>
+            <p:pic>
+              <p:nvPicPr>
+                <p:cNvPr id="55" name="Ink 54">
+                  <a:extLst>
+                    <a:ext uri="{FF2B5EF4-FFF2-40B4-BE49-F238E27FC236}">
+                      <a16:creationId xmlns:a16="http://schemas.microsoft.com/office/drawing/2014/main" id="{7141B045-616E-FB00-C122-514983C1024E}"/>
+                    </a:ext>
+                  </a:extLst>
+                </p:cNvPr>
+                <p:cNvPicPr/>
+                <p:nvPr/>
+              </p:nvPicPr>
+              <p:blipFill>
+                <a:blip r:embed="rId61"/>
+                <a:stretch>
+                  <a:fillRect/>
+                </a:stretch>
+              </p:blipFill>
+              <p:spPr>
+                <a:xfrm>
+                  <a:off x="11797978" y="4514652"/>
+                  <a:ext cx="43920" cy="538920"/>
+                </a:xfrm>
+                <a:prstGeom prst="rect">
+                  <a:avLst/>
+                </a:prstGeom>
+              </p:spPr>
+            </p:pic>
+          </mc:Fallback>
+        </mc:AlternateContent>
+        <mc:AlternateContent xmlns:mc="http://schemas.openxmlformats.org/markup-compatibility/2006">
+          <mc:Choice xmlns:p14="http://schemas.microsoft.com/office/powerpoint/2010/main" Requires="p14">
+            <p:contentPart p14:bwMode="auto" r:id="rId62">
+              <p14:nvContentPartPr>
+                <p14:cNvPr id="58" name="Ink 57">
+                  <a:extLst>
+                    <a:ext uri="{FF2B5EF4-FFF2-40B4-BE49-F238E27FC236}">
+                      <a16:creationId xmlns:a16="http://schemas.microsoft.com/office/drawing/2014/main" id="{4AC00E4F-46B2-932B-E172-C4391E05AD50}"/>
+                    </a:ext>
+                  </a:extLst>
+                </p14:cNvPr>
+                <p14:cNvContentPartPr/>
+                <p14:nvPr/>
+              </p14:nvContentPartPr>
+              <p14:xfrm>
+                <a:off x="9780178" y="5008932"/>
+                <a:ext cx="1454400" cy="1105920"/>
+              </p14:xfrm>
+            </p:contentPart>
+          </mc:Choice>
+          <mc:Fallback>
+            <p:pic>
+              <p:nvPicPr>
+                <p:cNvPr id="58" name="Ink 57">
+                  <a:extLst>
+                    <a:ext uri="{FF2B5EF4-FFF2-40B4-BE49-F238E27FC236}">
+                      <a16:creationId xmlns:a16="http://schemas.microsoft.com/office/drawing/2014/main" id="{4AC00E4F-46B2-932B-E172-C4391E05AD50}"/>
+                    </a:ext>
+                  </a:extLst>
+                </p:cNvPr>
+                <p:cNvPicPr/>
+                <p:nvPr/>
+              </p:nvPicPr>
+              <p:blipFill>
+                <a:blip r:embed="rId63"/>
+                <a:stretch>
+                  <a:fillRect/>
+                </a:stretch>
+              </p:blipFill>
+              <p:spPr>
+                <a:xfrm>
+                  <a:off x="9771538" y="4999932"/>
+                  <a:ext cx="1472040" cy="1123560"/>
+                </a:xfrm>
+                <a:prstGeom prst="rect">
+                  <a:avLst/>
+                </a:prstGeom>
+              </p:spPr>
+            </p:pic>
+          </mc:Fallback>
+        </mc:AlternateContent>
+        <mc:AlternateContent xmlns:mc="http://schemas.openxmlformats.org/markup-compatibility/2006">
+          <mc:Choice xmlns:p14="http://schemas.microsoft.com/office/powerpoint/2010/main" Requires="p14">
+            <p:contentPart p14:bwMode="auto" r:id="rId64">
+              <p14:nvContentPartPr>
+                <p14:cNvPr id="61" name="Ink 60">
+                  <a:extLst>
+                    <a:ext uri="{FF2B5EF4-FFF2-40B4-BE49-F238E27FC236}">
+                      <a16:creationId xmlns:a16="http://schemas.microsoft.com/office/drawing/2014/main" id="{C17A4825-1478-07AC-D5C7-210F303A2E31}"/>
+                    </a:ext>
+                  </a:extLst>
+                </p14:cNvPr>
+                <p14:cNvContentPartPr/>
+                <p14:nvPr/>
+              </p14:nvContentPartPr>
+              <p14:xfrm>
+                <a:off x="11172658" y="5083452"/>
+                <a:ext cx="810360" cy="1218960"/>
+              </p14:xfrm>
+            </p:contentPart>
+          </mc:Choice>
+          <mc:Fallback>
+            <p:pic>
+              <p:nvPicPr>
+                <p:cNvPr id="61" name="Ink 60">
+                  <a:extLst>
+                    <a:ext uri="{FF2B5EF4-FFF2-40B4-BE49-F238E27FC236}">
+                      <a16:creationId xmlns:a16="http://schemas.microsoft.com/office/drawing/2014/main" id="{C17A4825-1478-07AC-D5C7-210F303A2E31}"/>
+                    </a:ext>
+                  </a:extLst>
+                </p:cNvPr>
+                <p:cNvPicPr/>
+                <p:nvPr/>
+              </p:nvPicPr>
+              <p:blipFill>
+                <a:blip r:embed="rId65"/>
+                <a:stretch>
+                  <a:fillRect/>
+                </a:stretch>
+              </p:blipFill>
+              <p:spPr>
+                <a:xfrm>
+                  <a:off x="11163658" y="5074812"/>
+                  <a:ext cx="828000" cy="1236600"/>
+                </a:xfrm>
+                <a:prstGeom prst="rect">
+                  <a:avLst/>
+                </a:prstGeom>
+              </p:spPr>
+            </p:pic>
+          </mc:Fallback>
+        </mc:AlternateContent>
+      </p:grpSp>
+      <mc:AlternateContent xmlns:mc="http://schemas.openxmlformats.org/markup-compatibility/2006">
+        <mc:Choice xmlns:p14="http://schemas.microsoft.com/office/powerpoint/2010/main" Requires="p14">
+          <p:contentPart p14:bwMode="auto" r:id="rId66">
+            <p14:nvContentPartPr>
+              <p14:cNvPr id="64" name="Ink 63">
+                <a:extLst>
+                  <a:ext uri="{FF2B5EF4-FFF2-40B4-BE49-F238E27FC236}">
+                    <a16:creationId xmlns:a16="http://schemas.microsoft.com/office/drawing/2014/main" id="{7AF3F677-C4BB-EA24-F1B7-E96FD13B64B9}"/>
+                  </a:ext>
+                </a:extLst>
+              </p14:cNvPr>
+              <p14:cNvContentPartPr/>
+              <p14:nvPr/>
+            </p14:nvContentPartPr>
+            <p14:xfrm>
+              <a:off x="6435058" y="5336172"/>
+              <a:ext cx="3616920" cy="495720"/>
+            </p14:xfrm>
+          </p:contentPart>
+        </mc:Choice>
+        <mc:Fallback>
+          <p:pic>
+            <p:nvPicPr>
+              <p:cNvPr id="64" name="Ink 63">
+                <a:extLst>
+                  <a:ext uri="{FF2B5EF4-FFF2-40B4-BE49-F238E27FC236}">
+                    <a16:creationId xmlns:a16="http://schemas.microsoft.com/office/drawing/2014/main" id="{7AF3F677-C4BB-EA24-F1B7-E96FD13B64B9}"/>
+                  </a:ext>
+                </a:extLst>
+              </p:cNvPr>
+              <p:cNvPicPr/>
+              <p:nvPr/>
+            </p:nvPicPr>
+            <p:blipFill>
+              <a:blip r:embed="rId67"/>
+              <a:stretch>
+                <a:fillRect/>
+              </a:stretch>
+            </p:blipFill>
+            <p:spPr>
+              <a:xfrm>
+                <a:off x="6426418" y="5327172"/>
+                <a:ext cx="3634560" cy="513360"/>
+              </a:xfrm>
+              <a:prstGeom prst="rect">
+                <a:avLst/>
+              </a:prstGeom>
+            </p:spPr>
+          </p:pic>
+        </mc:Fallback>
+      </mc:AlternateContent>
+    </p:spTree>
+    <p:extLst>
+      <p:ext uri="{BB962C8B-B14F-4D97-AF65-F5344CB8AC3E}">
+        <p14:creationId xmlns:p14="http://schemas.microsoft.com/office/powerpoint/2010/main" val="1404175783"/>
+      </p:ext>
+    </p:extLst>
+  </p:cSld>
+  <p:clrMapOvr>
+    <a:masterClrMapping/>
+  </p:clrMapOvr>
+</p:sld>
+</file>
+
+<file path=ppt/slides/slide7.xml><?xml version="1.0" encoding="utf-8"?>
+<p:sld xmlns:a="http://schemas.openxmlformats.org/drawingml/2006/main" xmlns:r="http://schemas.openxmlformats.org/officeDocument/2006/relationships" xmlns:p="http://schemas.openxmlformats.org/presentationml/2006/main">
+  <p:cSld>
+    <p:spTree>
+      <p:nvGrpSpPr>
+        <p:cNvPr id="1" name=""/>
+        <p:cNvGrpSpPr/>
+        <p:nvPr/>
+      </p:nvGrpSpPr>
+      <p:grpSpPr>
+        <a:xfrm>
+          <a:off x="0" y="0"/>
+          <a:ext cx="0" cy="0"/>
+          <a:chOff x="0" y="0"/>
+          <a:chExt cx="0" cy="0"/>
+        </a:xfrm>
+      </p:grpSpPr>
+      <p:sp>
+        <p:nvSpPr>
+          <p:cNvPr id="2" name="Title 1">
+            <a:extLst>
+              <a:ext uri="{FF2B5EF4-FFF2-40B4-BE49-F238E27FC236}">
+                <a16:creationId xmlns:a16="http://schemas.microsoft.com/office/drawing/2014/main" id="{644FDB18-AE90-828F-63AA-0491C2434AD7}"/>
+              </a:ext>
+            </a:extLst>
+          </p:cNvPr>
+          <p:cNvSpPr>
+            <a:spLocks noGrp="1"/>
+          </p:cNvSpPr>
+          <p:nvPr>
+            <p:ph type="title"/>
+          </p:nvPr>
+        </p:nvSpPr>
+        <p:spPr/>
+        <p:txBody>
+          <a:bodyPr/>
+          <a:lstStyle/>
+          <a:p>
+            <a:r>
+              <a:rPr lang="en-US" dirty="0"/>
+              <a:t>Important bits</a:t>
+            </a:r>
+          </a:p>
+        </p:txBody>
+      </p:sp>
+      <p:sp>
+        <p:nvSpPr>
+          <p:cNvPr id="3" name="Content Placeholder 2">
+            <a:extLst>
+              <a:ext uri="{FF2B5EF4-FFF2-40B4-BE49-F238E27FC236}">
+                <a16:creationId xmlns:a16="http://schemas.microsoft.com/office/drawing/2014/main" id="{65FB4763-C78E-D84F-4D76-3E752E942172}"/>
+              </a:ext>
+            </a:extLst>
+          </p:cNvPr>
+          <p:cNvSpPr>
+            <a:spLocks noGrp="1"/>
+          </p:cNvSpPr>
+          <p:nvPr>
+            <p:ph idx="1"/>
+          </p:nvPr>
+        </p:nvSpPr>
+        <p:spPr>
+          <a:xfrm>
+            <a:off x="1451579" y="2015732"/>
+            <a:ext cx="9603275" cy="4037749"/>
+          </a:xfrm>
+        </p:spPr>
+        <p:txBody>
+          <a:bodyPr/>
+          <a:lstStyle/>
+          <a:p>
+            <a:r>
+              <a:rPr lang="en-US" dirty="0"/>
+              <a:t>The early decisions are more important to the outcome than the later ones. </a:t>
+            </a:r>
+          </a:p>
+          <a:p>
+            <a:pPr lvl="1"/>
+            <a:r>
+              <a:rPr lang="en-US" dirty="0"/>
+              <a:t>By definition, these are the most important in separating the data. </a:t>
+            </a:r>
+          </a:p>
+          <a:p>
+            <a:r>
+              <a:rPr lang="en-US" dirty="0"/>
+              <a:t>In layman’s terms, we want to decide based on what matters, not trivial stuff. </a:t>
+            </a:r>
+          </a:p>
+          <a:p>
+            <a:r>
+              <a:rPr lang="en-US" dirty="0"/>
+              <a:t>The tree algorithm will capture and report these feature importances. </a:t>
+            </a:r>
+          </a:p>
+          <a:p>
+            <a:pPr lvl="1"/>
+            <a:r>
+              <a:rPr lang="en-US" dirty="0"/>
+              <a:t>How important was each variable to the model’s predictions. </a:t>
+            </a:r>
+          </a:p>
+          <a:p>
+            <a:pPr lvl="1"/>
+            <a:r>
+              <a:rPr lang="en-US" dirty="0"/>
+              <a:t>Can be unstable, for the same reasons as a tree in general. </a:t>
+            </a:r>
+          </a:p>
+          <a:p>
+            <a:pPr lvl="1"/>
+            <a:r>
+              <a:rPr lang="en-US" dirty="0"/>
+              <a:t>We’ll do more on feature selection in a few weeks, but this is one factor we can use in choosing what data to keep.</a:t>
+            </a:r>
+          </a:p>
+          <a:p>
+            <a:pPr lvl="1"/>
+            <a:r>
+              <a:rPr lang="en-US" dirty="0"/>
+              <a:t>The feature importance here isn’t global or definitive, it’s just what this model used.  </a:t>
+            </a:r>
+          </a:p>
+        </p:txBody>
+      </p:sp>
+    </p:spTree>
+    <p:extLst>
+      <p:ext uri="{BB962C8B-B14F-4D97-AF65-F5344CB8AC3E}">
+        <p14:creationId xmlns:p14="http://schemas.microsoft.com/office/powerpoint/2010/main" val="4055130539"/>
+      </p:ext>
+    </p:extLst>
+  </p:cSld>
+  <p:clrMapOvr>
+    <a:masterClrMapping/>
+  </p:clrMapOvr>
+</p:sld>
+</file>
+
+<file path=ppt/slides/slide8.xml><?xml version="1.0" encoding="utf-8"?>
 <p:sld xmlns:a="http://schemas.openxmlformats.org/drawingml/2006/main" xmlns:r="http://schemas.openxmlformats.org/officeDocument/2006/relationships" xmlns:p="http://schemas.openxmlformats.org/presentationml/2006/main">
   <p:cSld>
     <p:spTree>
@@ -4693,7 +9078,7 @@
 </p:sld>
 </file>
 
-<file path=ppt/slides/slide4.xml><?xml version="1.0" encoding="utf-8"?>
+<file path=ppt/slides/slide9.xml><?xml version="1.0" encoding="utf-8"?>
 <p:sld xmlns:a="http://schemas.openxmlformats.org/drawingml/2006/main" xmlns:r="http://schemas.openxmlformats.org/officeDocument/2006/relationships" xmlns:p="http://schemas.openxmlformats.org/presentationml/2006/main">
   <p:cSld>
     <p:spTree>
@@ -5222,1077 +9607,6 @@
 </p:sld>
 </file>
 
-<file path=ppt/slides/slide5.xml><?xml version="1.0" encoding="utf-8"?>
-<p:sld xmlns:a="http://schemas.openxmlformats.org/drawingml/2006/main" xmlns:r="http://schemas.openxmlformats.org/officeDocument/2006/relationships" xmlns:p="http://schemas.openxmlformats.org/presentationml/2006/main">
-  <p:cSld>
-    <p:spTree>
-      <p:nvGrpSpPr>
-        <p:cNvPr id="1" name=""/>
-        <p:cNvGrpSpPr/>
-        <p:nvPr/>
-      </p:nvGrpSpPr>
-      <p:grpSpPr>
-        <a:xfrm>
-          <a:off x="0" y="0"/>
-          <a:ext cx="0" cy="0"/>
-          <a:chOff x="0" y="0"/>
-          <a:chExt cx="0" cy="0"/>
-        </a:xfrm>
-      </p:grpSpPr>
-      <p:sp>
-        <p:nvSpPr>
-          <p:cNvPr id="2" name="Title 1">
-            <a:extLst>
-              <a:ext uri="{FF2B5EF4-FFF2-40B4-BE49-F238E27FC236}">
-                <a16:creationId xmlns:a16="http://schemas.microsoft.com/office/drawing/2014/main" id="{E92D62FE-2853-37E7-CA93-CCE36D039B9D}"/>
-              </a:ext>
-            </a:extLst>
-          </p:cNvPr>
-          <p:cNvSpPr>
-            <a:spLocks noGrp="1"/>
-          </p:cNvSpPr>
-          <p:nvPr>
-            <p:ph type="title"/>
-          </p:nvPr>
-        </p:nvSpPr>
-        <p:spPr/>
-        <p:txBody>
-          <a:bodyPr/>
-          <a:lstStyle/>
-          <a:p>
-            <a:r>
-              <a:rPr lang="en-US" dirty="0"/>
-              <a:t>First Split – Root Node</a:t>
-            </a:r>
-          </a:p>
-        </p:txBody>
-      </p:sp>
-      <p:sp>
-        <p:nvSpPr>
-          <p:cNvPr id="3" name="Content Placeholder 2">
-            <a:extLst>
-              <a:ext uri="{FF2B5EF4-FFF2-40B4-BE49-F238E27FC236}">
-                <a16:creationId xmlns:a16="http://schemas.microsoft.com/office/drawing/2014/main" id="{F5C6F51B-BCE3-89E0-8E1F-D28F96879C49}"/>
-              </a:ext>
-            </a:extLst>
-          </p:cNvPr>
-          <p:cNvSpPr>
-            <a:spLocks noGrp="1"/>
-          </p:cNvSpPr>
-          <p:nvPr>
-            <p:ph idx="1"/>
-          </p:nvPr>
-        </p:nvSpPr>
-        <p:spPr/>
-        <p:txBody>
-          <a:bodyPr/>
-          <a:lstStyle/>
-          <a:p>
-            <a:r>
-              <a:rPr lang="en-US" dirty="0"/>
-              <a:t>To determine the root node we need to:</a:t>
-            </a:r>
-          </a:p>
-          <a:p>
-            <a:pPr lvl="1"/>
-            <a:r>
-              <a:rPr lang="en-US" dirty="0"/>
-              <a:t>Split the data using each feature, measure the resulting purity of the child nodes. </a:t>
-            </a:r>
-          </a:p>
-          <a:p>
-            <a:pPr lvl="1"/>
-            <a:r>
-              <a:rPr lang="en-US" dirty="0"/>
-              <a:t>Choose the one that is most pure (we’ll use Gini). </a:t>
-            </a:r>
-          </a:p>
-          <a:p>
-            <a:endParaRPr lang="en-US" dirty="0"/>
-          </a:p>
-        </p:txBody>
-      </p:sp>
-      <p:pic>
-        <p:nvPicPr>
-          <p:cNvPr id="4098" name="Picture 2" descr="Gini Impurity and Entropy for Decision Tree | by Arpita Kaushik | Medium">
-            <a:extLst>
-              <a:ext uri="{FF2B5EF4-FFF2-40B4-BE49-F238E27FC236}">
-                <a16:creationId xmlns:a16="http://schemas.microsoft.com/office/drawing/2014/main" id="{D92FC8B7-3110-8FE7-AF4B-AF75734123EE}"/>
-              </a:ext>
-            </a:extLst>
-          </p:cNvPr>
-          <p:cNvPicPr>
-            <a:picLocks noChangeAspect="1" noChangeArrowheads="1"/>
-          </p:cNvPicPr>
-          <p:nvPr/>
-        </p:nvPicPr>
-        <p:blipFill>
-          <a:blip r:embed="rId2">
-            <a:extLst>
-              <a:ext uri="{28A0092B-C50C-407E-A947-70E740481C1C}">
-                <a14:useLocalDpi xmlns:a14="http://schemas.microsoft.com/office/drawing/2010/main" val="0"/>
-              </a:ext>
-            </a:extLst>
-          </a:blip>
-          <a:srcRect/>
-          <a:stretch>
-            <a:fillRect/>
-          </a:stretch>
-        </p:blipFill>
-        <p:spPr bwMode="auto">
-          <a:xfrm>
-            <a:off x="4316466" y="3429000"/>
-            <a:ext cx="3873500" cy="1930400"/>
-          </a:xfrm>
-          <a:prstGeom prst="rect">
-            <a:avLst/>
-          </a:prstGeom>
-          <a:noFill/>
-          <a:extLst>
-            <a:ext uri="{909E8E84-426E-40DD-AFC4-6F175D3DCCD1}">
-              <a14:hiddenFill xmlns:a14="http://schemas.microsoft.com/office/drawing/2010/main">
-                <a:solidFill>
-                  <a:srgbClr val="FFFFFF"/>
-                </a:solidFill>
-              </a14:hiddenFill>
-            </a:ext>
-          </a:extLst>
-        </p:spPr>
-      </p:pic>
-    </p:spTree>
-    <p:extLst>
-      <p:ext uri="{BB962C8B-B14F-4D97-AF65-F5344CB8AC3E}">
-        <p14:creationId xmlns:p14="http://schemas.microsoft.com/office/powerpoint/2010/main" val="3054187747"/>
-      </p:ext>
-    </p:extLst>
-  </p:cSld>
-  <p:clrMapOvr>
-    <a:masterClrMapping/>
-  </p:clrMapOvr>
-</p:sld>
-</file>
-
-<file path=ppt/slides/slide6.xml><?xml version="1.0" encoding="utf-8"?>
-<p:sld xmlns:a="http://schemas.openxmlformats.org/drawingml/2006/main" xmlns:r="http://schemas.openxmlformats.org/officeDocument/2006/relationships" xmlns:p="http://schemas.openxmlformats.org/presentationml/2006/main">
-  <p:cSld>
-    <p:bg>
-      <p:bgPr>
-        <a:gradFill rotWithShape="1">
-          <a:gsLst>
-            <a:gs pos="0">
-              <a:schemeClr val="bg2">
-                <a:tint val="94000"/>
-                <a:satMod val="80000"/>
-                <a:lumMod val="106000"/>
-              </a:schemeClr>
-            </a:gs>
-            <a:gs pos="100000">
-              <a:schemeClr val="bg2">
-                <a:shade val="80000"/>
-              </a:schemeClr>
-            </a:gs>
-          </a:gsLst>
-          <a:path path="circle">
-            <a:fillToRect l="43000" r="43000" b="100000"/>
-          </a:path>
-        </a:gradFill>
-        <a:effectLst/>
-      </p:bgPr>
-    </p:bg>
-    <p:spTree>
-      <p:nvGrpSpPr>
-        <p:cNvPr id="1" name=""/>
-        <p:cNvGrpSpPr/>
-        <p:nvPr/>
-      </p:nvGrpSpPr>
-      <p:grpSpPr>
-        <a:xfrm>
-          <a:off x="0" y="0"/>
-          <a:ext cx="0" cy="0"/>
-          <a:chOff x="0" y="0"/>
-          <a:chExt cx="0" cy="0"/>
-        </a:xfrm>
-      </p:grpSpPr>
-      <p:sp>
-        <p:nvSpPr>
-          <p:cNvPr id="2" name="Title 1">
-            <a:extLst>
-              <a:ext uri="{FF2B5EF4-FFF2-40B4-BE49-F238E27FC236}">
-                <a16:creationId xmlns:a16="http://schemas.microsoft.com/office/drawing/2014/main" id="{31BEB022-BAF7-B088-A4E6-78DC7516070E}"/>
-              </a:ext>
-            </a:extLst>
-          </p:cNvPr>
-          <p:cNvSpPr>
-            <a:spLocks noGrp="1"/>
-          </p:cNvSpPr>
-          <p:nvPr>
-            <p:ph type="title"/>
-          </p:nvPr>
-        </p:nvSpPr>
-        <p:spPr>
-          <a:xfrm>
-            <a:off x="1451579" y="804519"/>
-            <a:ext cx="9603275" cy="1049235"/>
-          </a:xfrm>
-        </p:spPr>
-        <p:txBody>
-          <a:bodyPr>
-            <a:normAutofit/>
-          </a:bodyPr>
-          <a:lstStyle/>
-          <a:p>
-            <a:r>
-              <a:rPr lang="en-US" dirty="0"/>
-              <a:t>Feature 1</a:t>
-            </a:r>
-          </a:p>
-        </p:txBody>
-      </p:sp>
-      <p:sp>
-        <p:nvSpPr>
-          <p:cNvPr id="3" name="Content Placeholder 2">
-            <a:extLst>
-              <a:ext uri="{FF2B5EF4-FFF2-40B4-BE49-F238E27FC236}">
-                <a16:creationId xmlns:a16="http://schemas.microsoft.com/office/drawing/2014/main" id="{C2555DC0-FF2D-1FDE-A184-613C450A5E23}"/>
-              </a:ext>
-            </a:extLst>
-          </p:cNvPr>
-          <p:cNvSpPr>
-            <a:spLocks noGrp="1"/>
-          </p:cNvSpPr>
-          <p:nvPr>
-            <p:ph idx="1"/>
-          </p:nvPr>
-        </p:nvSpPr>
-        <p:spPr>
-          <a:xfrm>
-            <a:off x="157164" y="2015734"/>
-            <a:ext cx="7100372" cy="3450613"/>
-          </a:xfrm>
-        </p:spPr>
-        <p:txBody>
-          <a:bodyPr>
-            <a:normAutofit lnSpcReduction="10000"/>
-          </a:bodyPr>
-          <a:lstStyle/>
-          <a:p>
-            <a:r>
-              <a:rPr lang="en-US" dirty="0"/>
-              <a:t>True:</a:t>
-            </a:r>
-          </a:p>
-          <a:p>
-            <a:pPr lvl="1"/>
-            <a:r>
-              <a:rPr lang="en-US" dirty="0"/>
-              <a:t>Gini Impurity = 1 — (5/(5+1))^2 — (1/(5+1))^2 = .277</a:t>
-            </a:r>
-          </a:p>
-          <a:p>
-            <a:r>
-              <a:rPr lang="en-US" dirty="0"/>
-              <a:t>False:</a:t>
-            </a:r>
-          </a:p>
-          <a:p>
-            <a:pPr lvl="1"/>
-            <a:r>
-              <a:rPr lang="en-US" dirty="0"/>
-              <a:t>Gini Impurity = 1 — (1/(3+1))^2 — (3/(3+1))^2 = .375</a:t>
-            </a:r>
-          </a:p>
-          <a:p>
-            <a:r>
-              <a:rPr lang="en-US" dirty="0"/>
-              <a:t>Since these leaf nodes represent a different number of patients (True = 6, False = 4), we have to get the weighted average of the leaf node impurities.</a:t>
-            </a:r>
-          </a:p>
-          <a:p>
-            <a:pPr lvl="1"/>
-            <a:r>
-              <a:rPr lang="en-US" dirty="0"/>
-              <a:t>Weighted Average Gini Impurity = (6/10)*.277 + (4/10)*.375 = </a:t>
-            </a:r>
-            <a:r>
-              <a:rPr lang="en-US" b="1" dirty="0"/>
-              <a:t>.3162</a:t>
-            </a:r>
-          </a:p>
-          <a:p>
-            <a:endParaRPr lang="en-US" dirty="0"/>
-          </a:p>
-        </p:txBody>
-      </p:sp>
-      <p:pic>
-        <p:nvPicPr>
-          <p:cNvPr id="3074" name="Picture 2">
-            <a:extLst>
-              <a:ext uri="{FF2B5EF4-FFF2-40B4-BE49-F238E27FC236}">
-                <a16:creationId xmlns:a16="http://schemas.microsoft.com/office/drawing/2014/main" id="{8F5AF9CF-5F7E-7B51-175E-B6D8E9B32922}"/>
-              </a:ext>
-            </a:extLst>
-          </p:cNvPr>
-          <p:cNvPicPr>
-            <a:picLocks noChangeAspect="1" noChangeArrowheads="1"/>
-          </p:cNvPicPr>
-          <p:nvPr/>
-        </p:nvPicPr>
-        <p:blipFill>
-          <a:blip r:embed="rId2">
-            <a:extLst>
-              <a:ext uri="{28A0092B-C50C-407E-A947-70E740481C1C}">
-                <a14:useLocalDpi xmlns:a14="http://schemas.microsoft.com/office/drawing/2010/main" val="0"/>
-              </a:ext>
-            </a:extLst>
-          </a:blip>
-          <a:stretch>
-            <a:fillRect/>
-          </a:stretch>
-        </p:blipFill>
-        <p:spPr bwMode="auto">
-          <a:xfrm>
-            <a:off x="7257535" y="2188336"/>
-            <a:ext cx="4928019" cy="3278012"/>
-          </a:xfrm>
-          <a:prstGeom prst="rect">
-            <a:avLst/>
-          </a:prstGeom>
-          <a:noFill/>
-          <a:extLst>
-            <a:ext uri="{909E8E84-426E-40DD-AFC4-6F175D3DCCD1}">
-              <a14:hiddenFill xmlns:a14="http://schemas.microsoft.com/office/drawing/2010/main">
-                <a:solidFill>
-                  <a:srgbClr val="FFFFFF"/>
-                </a:solidFill>
-              </a14:hiddenFill>
-            </a:ext>
-          </a:extLst>
-        </p:spPr>
-      </p:pic>
-    </p:spTree>
-    <p:extLst>
-      <p:ext uri="{BB962C8B-B14F-4D97-AF65-F5344CB8AC3E}">
-        <p14:creationId xmlns:p14="http://schemas.microsoft.com/office/powerpoint/2010/main" val="3801276320"/>
-      </p:ext>
-    </p:extLst>
-  </p:cSld>
-  <p:clrMapOvr>
-    <a:masterClrMapping/>
-  </p:clrMapOvr>
-</p:sld>
-</file>
-
-<file path=ppt/slides/slide7.xml><?xml version="1.0" encoding="utf-8"?>
-<p:sld xmlns:a="http://schemas.openxmlformats.org/drawingml/2006/main" xmlns:r="http://schemas.openxmlformats.org/officeDocument/2006/relationships" xmlns:p="http://schemas.openxmlformats.org/presentationml/2006/main">
-  <p:cSld>
-    <p:bg>
-      <p:bgPr>
-        <a:gradFill rotWithShape="1">
-          <a:gsLst>
-            <a:gs pos="0">
-              <a:schemeClr val="bg2">
-                <a:tint val="94000"/>
-                <a:satMod val="80000"/>
-                <a:lumMod val="106000"/>
-              </a:schemeClr>
-            </a:gs>
-            <a:gs pos="100000">
-              <a:schemeClr val="bg2">
-                <a:shade val="80000"/>
-              </a:schemeClr>
-            </a:gs>
-          </a:gsLst>
-          <a:path path="circle">
-            <a:fillToRect l="43000" r="43000" b="100000"/>
-          </a:path>
-        </a:gradFill>
-        <a:effectLst/>
-      </p:bgPr>
-    </p:bg>
-    <p:spTree>
-      <p:nvGrpSpPr>
-        <p:cNvPr id="1" name="">
-          <a:extLst>
-            <a:ext uri="{FF2B5EF4-FFF2-40B4-BE49-F238E27FC236}">
-              <a16:creationId xmlns:a16="http://schemas.microsoft.com/office/drawing/2014/main" id="{DFC4750B-A498-B710-83D7-976847DBFBB1}"/>
-            </a:ext>
-          </a:extLst>
-        </p:cNvPr>
-        <p:cNvGrpSpPr/>
-        <p:nvPr/>
-      </p:nvGrpSpPr>
-      <p:grpSpPr>
-        <a:xfrm>
-          <a:off x="0" y="0"/>
-          <a:ext cx="0" cy="0"/>
-          <a:chOff x="0" y="0"/>
-          <a:chExt cx="0" cy="0"/>
-        </a:xfrm>
-      </p:grpSpPr>
-      <p:sp>
-        <p:nvSpPr>
-          <p:cNvPr id="2" name="Title 1">
-            <a:extLst>
-              <a:ext uri="{FF2B5EF4-FFF2-40B4-BE49-F238E27FC236}">
-                <a16:creationId xmlns:a16="http://schemas.microsoft.com/office/drawing/2014/main" id="{7AC06B39-9506-ED9C-8561-71D72AE8265E}"/>
-              </a:ext>
-            </a:extLst>
-          </p:cNvPr>
-          <p:cNvSpPr>
-            <a:spLocks noGrp="1"/>
-          </p:cNvSpPr>
-          <p:nvPr>
-            <p:ph type="title"/>
-          </p:nvPr>
-        </p:nvSpPr>
-        <p:spPr>
-          <a:xfrm>
-            <a:off x="1451579" y="804519"/>
-            <a:ext cx="9603275" cy="1049235"/>
-          </a:xfrm>
-        </p:spPr>
-        <p:txBody>
-          <a:bodyPr>
-            <a:normAutofit/>
-          </a:bodyPr>
-          <a:lstStyle/>
-          <a:p>
-            <a:r>
-              <a:rPr lang="en-US" dirty="0"/>
-              <a:t>Feature 2</a:t>
-            </a:r>
-          </a:p>
-        </p:txBody>
-      </p:sp>
-      <p:sp>
-        <p:nvSpPr>
-          <p:cNvPr id="3" name="Content Placeholder 2">
-            <a:extLst>
-              <a:ext uri="{FF2B5EF4-FFF2-40B4-BE49-F238E27FC236}">
-                <a16:creationId xmlns:a16="http://schemas.microsoft.com/office/drawing/2014/main" id="{8C4E6DA6-A573-4264-04E8-13E381EBF33C}"/>
-              </a:ext>
-            </a:extLst>
-          </p:cNvPr>
-          <p:cNvSpPr>
-            <a:spLocks noGrp="1"/>
-          </p:cNvSpPr>
-          <p:nvPr>
-            <p:ph idx="1"/>
-          </p:nvPr>
-        </p:nvSpPr>
-        <p:spPr>
-          <a:xfrm>
-            <a:off x="157164" y="2015734"/>
-            <a:ext cx="7100372" cy="3450613"/>
-          </a:xfrm>
-        </p:spPr>
-        <p:txBody>
-          <a:bodyPr>
-            <a:normAutofit/>
-          </a:bodyPr>
-          <a:lstStyle/>
-          <a:p>
-            <a:r>
-              <a:rPr lang="en-US" dirty="0"/>
-              <a:t>True:</a:t>
-            </a:r>
-          </a:p>
-          <a:p>
-            <a:pPr lvl="1"/>
-            <a:r>
-              <a:rPr lang="en-US" dirty="0"/>
-              <a:t>Gini Impurity = 1 — (4/(4+0))^2 — (0/(4+0))^2 = 0</a:t>
-            </a:r>
-          </a:p>
-          <a:p>
-            <a:r>
-              <a:rPr lang="en-US" dirty="0"/>
-              <a:t>False:</a:t>
-            </a:r>
-          </a:p>
-          <a:p>
-            <a:pPr lvl="1"/>
-            <a:r>
-              <a:rPr lang="en-US" dirty="0"/>
-              <a:t>Gini Impurity = 1 — (2/(4+2))^2 — (4/(4+2))^2 = .444</a:t>
-            </a:r>
-          </a:p>
-          <a:p>
-            <a:r>
-              <a:rPr lang="en-US" dirty="0"/>
-              <a:t>Weighted Average Gini Impurity = (4/10)*0 + (6/10) *.444 = </a:t>
-            </a:r>
-            <a:r>
-              <a:rPr lang="en-US" b="1" dirty="0"/>
-              <a:t>.2664</a:t>
-            </a:r>
-          </a:p>
-        </p:txBody>
-      </p:sp>
-      <p:pic>
-        <p:nvPicPr>
-          <p:cNvPr id="6146" name="Picture 2">
-            <a:extLst>
-              <a:ext uri="{FF2B5EF4-FFF2-40B4-BE49-F238E27FC236}">
-                <a16:creationId xmlns:a16="http://schemas.microsoft.com/office/drawing/2014/main" id="{BF529C48-B865-5C3B-FEDB-9188424A3A48}"/>
-              </a:ext>
-            </a:extLst>
-          </p:cNvPr>
-          <p:cNvPicPr>
-            <a:picLocks noChangeAspect="1" noChangeArrowheads="1"/>
-          </p:cNvPicPr>
-          <p:nvPr/>
-        </p:nvPicPr>
-        <p:blipFill>
-          <a:blip r:embed="rId2">
-            <a:extLst>
-              <a:ext uri="{28A0092B-C50C-407E-A947-70E740481C1C}">
-                <a14:useLocalDpi xmlns:a14="http://schemas.microsoft.com/office/drawing/2010/main" val="0"/>
-              </a:ext>
-            </a:extLst>
-          </a:blip>
-          <a:srcRect/>
-          <a:stretch>
-            <a:fillRect/>
-          </a:stretch>
-        </p:blipFill>
-        <p:spPr bwMode="auto">
-          <a:xfrm>
-            <a:off x="6680200" y="1853754"/>
-            <a:ext cx="5511800" cy="4038600"/>
-          </a:xfrm>
-          <a:prstGeom prst="rect">
-            <a:avLst/>
-          </a:prstGeom>
-          <a:noFill/>
-          <a:extLst>
-            <a:ext uri="{909E8E84-426E-40DD-AFC4-6F175D3DCCD1}">
-              <a14:hiddenFill xmlns:a14="http://schemas.microsoft.com/office/drawing/2010/main">
-                <a:solidFill>
-                  <a:srgbClr val="FFFFFF"/>
-                </a:solidFill>
-              </a14:hiddenFill>
-            </a:ext>
-          </a:extLst>
-        </p:spPr>
-      </p:pic>
-    </p:spTree>
-    <p:extLst>
-      <p:ext uri="{BB962C8B-B14F-4D97-AF65-F5344CB8AC3E}">
-        <p14:creationId xmlns:p14="http://schemas.microsoft.com/office/powerpoint/2010/main" val="4021065881"/>
-      </p:ext>
-    </p:extLst>
-  </p:cSld>
-  <p:clrMapOvr>
-    <a:masterClrMapping/>
-  </p:clrMapOvr>
-</p:sld>
-</file>
-
-<file path=ppt/slides/slide8.xml><?xml version="1.0" encoding="utf-8"?>
-<p:sld xmlns:a="http://schemas.openxmlformats.org/drawingml/2006/main" xmlns:r="http://schemas.openxmlformats.org/officeDocument/2006/relationships" xmlns:p="http://schemas.openxmlformats.org/presentationml/2006/main">
-  <p:cSld>
-    <p:bg>
-      <p:bgPr>
-        <a:gradFill rotWithShape="1">
-          <a:gsLst>
-            <a:gs pos="0">
-              <a:schemeClr val="bg2">
-                <a:tint val="94000"/>
-                <a:satMod val="80000"/>
-                <a:lumMod val="106000"/>
-              </a:schemeClr>
-            </a:gs>
-            <a:gs pos="100000">
-              <a:schemeClr val="bg2">
-                <a:shade val="80000"/>
-              </a:schemeClr>
-            </a:gs>
-          </a:gsLst>
-          <a:path path="circle">
-            <a:fillToRect l="43000" r="43000" b="100000"/>
-          </a:path>
-        </a:gradFill>
-        <a:effectLst/>
-      </p:bgPr>
-    </p:bg>
-    <p:spTree>
-      <p:nvGrpSpPr>
-        <p:cNvPr id="1" name="">
-          <a:extLst>
-            <a:ext uri="{FF2B5EF4-FFF2-40B4-BE49-F238E27FC236}">
-              <a16:creationId xmlns:a16="http://schemas.microsoft.com/office/drawing/2014/main" id="{E9E393A7-9BCA-F98A-E697-36BF37195125}"/>
-            </a:ext>
-          </a:extLst>
-        </p:cNvPr>
-        <p:cNvGrpSpPr/>
-        <p:nvPr/>
-      </p:nvGrpSpPr>
-      <p:grpSpPr>
-        <a:xfrm>
-          <a:off x="0" y="0"/>
-          <a:ext cx="0" cy="0"/>
-          <a:chOff x="0" y="0"/>
-          <a:chExt cx="0" cy="0"/>
-        </a:xfrm>
-      </p:grpSpPr>
-      <p:sp>
-        <p:nvSpPr>
-          <p:cNvPr id="2" name="Title 1">
-            <a:extLst>
-              <a:ext uri="{FF2B5EF4-FFF2-40B4-BE49-F238E27FC236}">
-                <a16:creationId xmlns:a16="http://schemas.microsoft.com/office/drawing/2014/main" id="{35057119-D68F-B1B5-ABBF-5C29FE6E5656}"/>
-              </a:ext>
-            </a:extLst>
-          </p:cNvPr>
-          <p:cNvSpPr>
-            <a:spLocks noGrp="1"/>
-          </p:cNvSpPr>
-          <p:nvPr>
-            <p:ph type="title"/>
-          </p:nvPr>
-        </p:nvSpPr>
-        <p:spPr>
-          <a:xfrm>
-            <a:off x="1451579" y="804519"/>
-            <a:ext cx="9603275" cy="1049235"/>
-          </a:xfrm>
-        </p:spPr>
-        <p:txBody>
-          <a:bodyPr>
-            <a:normAutofit/>
-          </a:bodyPr>
-          <a:lstStyle/>
-          <a:p>
-            <a:r>
-              <a:rPr lang="en-US" dirty="0"/>
-              <a:t>Feature 3</a:t>
-            </a:r>
-          </a:p>
-        </p:txBody>
-      </p:sp>
-      <p:sp>
-        <p:nvSpPr>
-          <p:cNvPr id="3" name="Content Placeholder 2">
-            <a:extLst>
-              <a:ext uri="{FF2B5EF4-FFF2-40B4-BE49-F238E27FC236}">
-                <a16:creationId xmlns:a16="http://schemas.microsoft.com/office/drawing/2014/main" id="{892C6BFD-2F6A-46BA-0D74-AC74D664B1A2}"/>
-              </a:ext>
-            </a:extLst>
-          </p:cNvPr>
-          <p:cNvSpPr>
-            <a:spLocks noGrp="1"/>
-          </p:cNvSpPr>
-          <p:nvPr>
-            <p:ph idx="1"/>
-          </p:nvPr>
-        </p:nvSpPr>
-        <p:spPr>
-          <a:xfrm>
-            <a:off x="157164" y="2015734"/>
-            <a:ext cx="7100372" cy="3450613"/>
-          </a:xfrm>
-        </p:spPr>
-        <p:txBody>
-          <a:bodyPr>
-            <a:normAutofit/>
-          </a:bodyPr>
-          <a:lstStyle/>
-          <a:p>
-            <a:pPr algn="l">
-              <a:lnSpc>
-                <a:spcPts val="2400"/>
-              </a:lnSpc>
-            </a:pPr>
-            <a:r>
-              <a:rPr lang="en-CA" b="1" i="0" dirty="0">
-                <a:solidFill>
-                  <a:srgbClr val="242424"/>
-                </a:solidFill>
-                <a:effectLst/>
-                <a:latin typeface="source-serif-pro"/>
-              </a:rPr>
-              <a:t>True:</a:t>
-            </a:r>
-            <a:endParaRPr lang="en-CA" b="0" i="0" dirty="0">
-              <a:solidFill>
-                <a:srgbClr val="242424"/>
-              </a:solidFill>
-              <a:effectLst/>
-              <a:latin typeface="source-serif-pro"/>
-            </a:endParaRPr>
-          </a:p>
-          <a:p>
-            <a:pPr lvl="1">
-              <a:lnSpc>
-                <a:spcPts val="2400"/>
-              </a:lnSpc>
-            </a:pPr>
-            <a:r>
-              <a:rPr lang="en-CA" b="0" i="0" dirty="0">
-                <a:solidFill>
-                  <a:srgbClr val="242424"/>
-                </a:solidFill>
-                <a:effectLst/>
-                <a:latin typeface="source-serif-pro"/>
-              </a:rPr>
-              <a:t>Gini Impurity = 1 — (3/(3+2))2 — (2/(3+2))2 = .48</a:t>
-            </a:r>
-          </a:p>
-          <a:p>
-            <a:pPr algn="l">
-              <a:lnSpc>
-                <a:spcPts val="2400"/>
-              </a:lnSpc>
-            </a:pPr>
-            <a:r>
-              <a:rPr lang="en-CA" b="1" i="0" dirty="0">
-                <a:solidFill>
-                  <a:srgbClr val="242424"/>
-                </a:solidFill>
-                <a:effectLst/>
-                <a:latin typeface="source-serif-pro"/>
-              </a:rPr>
-              <a:t>False:</a:t>
-            </a:r>
-            <a:endParaRPr lang="en-CA" b="0" i="0" dirty="0">
-              <a:solidFill>
-                <a:srgbClr val="242424"/>
-              </a:solidFill>
-              <a:effectLst/>
-              <a:latin typeface="source-serif-pro"/>
-            </a:endParaRPr>
-          </a:p>
-          <a:p>
-            <a:pPr lvl="1">
-              <a:lnSpc>
-                <a:spcPts val="2400"/>
-              </a:lnSpc>
-            </a:pPr>
-            <a:r>
-              <a:rPr lang="en-CA" b="0" i="0" dirty="0">
-                <a:solidFill>
-                  <a:srgbClr val="242424"/>
-                </a:solidFill>
-                <a:effectLst/>
-                <a:latin typeface="source-serif-pro"/>
-              </a:rPr>
-              <a:t>Gini Impurity = 1 — (3/(3+2))2 — (2/(3+2))2 = .48</a:t>
-            </a:r>
-          </a:p>
-          <a:p>
-            <a:pPr algn="l">
-              <a:lnSpc>
-                <a:spcPts val="2400"/>
-              </a:lnSpc>
-            </a:pPr>
-            <a:r>
-              <a:rPr lang="en-CA" b="0" i="0" dirty="0">
-                <a:solidFill>
-                  <a:srgbClr val="242424"/>
-                </a:solidFill>
-                <a:effectLst/>
-                <a:latin typeface="source-serif-pro"/>
-              </a:rPr>
-              <a:t>Weighted Average Gini Impurity = </a:t>
-            </a:r>
-            <a:r>
-              <a:rPr lang="en-CA" b="1" i="0" dirty="0">
-                <a:solidFill>
-                  <a:srgbClr val="242424"/>
-                </a:solidFill>
-                <a:effectLst/>
-                <a:latin typeface="source-serif-pro"/>
-              </a:rPr>
-              <a:t>.48</a:t>
-            </a:r>
-          </a:p>
-        </p:txBody>
-      </p:sp>
-      <p:pic>
-        <p:nvPicPr>
-          <p:cNvPr id="8194" name="Picture 2">
-            <a:extLst>
-              <a:ext uri="{FF2B5EF4-FFF2-40B4-BE49-F238E27FC236}">
-                <a16:creationId xmlns:a16="http://schemas.microsoft.com/office/drawing/2014/main" id="{E429E821-487F-AE96-90BB-789D5A8696CA}"/>
-              </a:ext>
-            </a:extLst>
-          </p:cNvPr>
-          <p:cNvPicPr>
-            <a:picLocks noChangeAspect="1" noChangeArrowheads="1"/>
-          </p:cNvPicPr>
-          <p:nvPr/>
-        </p:nvPicPr>
-        <p:blipFill>
-          <a:blip r:embed="rId2">
-            <a:extLst>
-              <a:ext uri="{28A0092B-C50C-407E-A947-70E740481C1C}">
-                <a14:useLocalDpi xmlns:a14="http://schemas.microsoft.com/office/drawing/2010/main" val="0"/>
-              </a:ext>
-            </a:extLst>
-          </a:blip>
-          <a:srcRect/>
-          <a:stretch>
-            <a:fillRect/>
-          </a:stretch>
-        </p:blipFill>
-        <p:spPr bwMode="auto">
-          <a:xfrm>
-            <a:off x="6819900" y="1886840"/>
-            <a:ext cx="5372100" cy="3708400"/>
-          </a:xfrm>
-          <a:prstGeom prst="rect">
-            <a:avLst/>
-          </a:prstGeom>
-          <a:noFill/>
-          <a:extLst>
-            <a:ext uri="{909E8E84-426E-40DD-AFC4-6F175D3DCCD1}">
-              <a14:hiddenFill xmlns:a14="http://schemas.microsoft.com/office/drawing/2010/main">
-                <a:solidFill>
-                  <a:srgbClr val="FFFFFF"/>
-                </a:solidFill>
-              </a14:hiddenFill>
-            </a:ext>
-          </a:extLst>
-        </p:spPr>
-      </p:pic>
-    </p:spTree>
-    <p:extLst>
-      <p:ext uri="{BB962C8B-B14F-4D97-AF65-F5344CB8AC3E}">
-        <p14:creationId xmlns:p14="http://schemas.microsoft.com/office/powerpoint/2010/main" val="3771097757"/>
-      </p:ext>
-    </p:extLst>
-  </p:cSld>
-  <p:clrMapOvr>
-    <a:masterClrMapping/>
-  </p:clrMapOvr>
-</p:sld>
-</file>
-
-<file path=ppt/slides/slide9.xml><?xml version="1.0" encoding="utf-8"?>
-<p:sld xmlns:a="http://schemas.openxmlformats.org/drawingml/2006/main" xmlns:r="http://schemas.openxmlformats.org/officeDocument/2006/relationships" xmlns:p="http://schemas.openxmlformats.org/presentationml/2006/main">
-  <p:cSld>
-    <p:bg>
-      <p:bgPr>
-        <a:gradFill rotWithShape="1">
-          <a:gsLst>
-            <a:gs pos="0">
-              <a:schemeClr val="bg2">
-                <a:tint val="94000"/>
-                <a:satMod val="80000"/>
-                <a:lumMod val="106000"/>
-              </a:schemeClr>
-            </a:gs>
-            <a:gs pos="100000">
-              <a:schemeClr val="bg2">
-                <a:shade val="80000"/>
-              </a:schemeClr>
-            </a:gs>
-          </a:gsLst>
-          <a:path path="circle">
-            <a:fillToRect l="43000" r="43000" b="100000"/>
-          </a:path>
-        </a:gradFill>
-        <a:effectLst/>
-      </p:bgPr>
-    </p:bg>
-    <p:spTree>
-      <p:nvGrpSpPr>
-        <p:cNvPr id="1" name=""/>
-        <p:cNvGrpSpPr/>
-        <p:nvPr/>
-      </p:nvGrpSpPr>
-      <p:grpSpPr>
-        <a:xfrm>
-          <a:off x="0" y="0"/>
-          <a:ext cx="0" cy="0"/>
-          <a:chOff x="0" y="0"/>
-          <a:chExt cx="0" cy="0"/>
-        </a:xfrm>
-      </p:grpSpPr>
-      <p:sp>
-        <p:nvSpPr>
-          <p:cNvPr id="2" name="Title 1">
-            <a:extLst>
-              <a:ext uri="{FF2B5EF4-FFF2-40B4-BE49-F238E27FC236}">
-                <a16:creationId xmlns:a16="http://schemas.microsoft.com/office/drawing/2014/main" id="{30DE709D-CA56-FD6B-E63C-23610CD6CC2F}"/>
-              </a:ext>
-            </a:extLst>
-          </p:cNvPr>
-          <p:cNvSpPr>
-            <a:spLocks noGrp="1"/>
-          </p:cNvSpPr>
-          <p:nvPr>
-            <p:ph type="title"/>
-          </p:nvPr>
-        </p:nvSpPr>
-        <p:spPr>
-          <a:xfrm>
-            <a:off x="1451579" y="804519"/>
-            <a:ext cx="9603275" cy="1049235"/>
-          </a:xfrm>
-        </p:spPr>
-        <p:txBody>
-          <a:bodyPr>
-            <a:normAutofit/>
-          </a:bodyPr>
-          <a:lstStyle/>
-          <a:p>
-            <a:r>
-              <a:rPr lang="en-US" dirty="0"/>
-              <a:t>Root Node Decision</a:t>
-            </a:r>
-          </a:p>
-        </p:txBody>
-      </p:sp>
-      <p:pic>
-        <p:nvPicPr>
-          <p:cNvPr id="9218" name="Picture 2">
-            <a:extLst>
-              <a:ext uri="{FF2B5EF4-FFF2-40B4-BE49-F238E27FC236}">
-                <a16:creationId xmlns:a16="http://schemas.microsoft.com/office/drawing/2014/main" id="{24C3FB5B-039A-C64A-67BF-F0CDDF95956B}"/>
-              </a:ext>
-            </a:extLst>
-          </p:cNvPr>
-          <p:cNvPicPr>
-            <a:picLocks noChangeAspect="1" noChangeArrowheads="1"/>
-          </p:cNvPicPr>
-          <p:nvPr/>
-        </p:nvPicPr>
-        <p:blipFill>
-          <a:blip r:embed="rId2">
-            <a:extLst>
-              <a:ext uri="{28A0092B-C50C-407E-A947-70E740481C1C}">
-                <a14:useLocalDpi xmlns:a14="http://schemas.microsoft.com/office/drawing/2010/main" val="0"/>
-              </a:ext>
-            </a:extLst>
-          </a:blip>
-          <a:stretch>
-            <a:fillRect/>
-          </a:stretch>
-        </p:blipFill>
-        <p:spPr bwMode="auto">
-          <a:xfrm>
-            <a:off x="800790" y="2145806"/>
-            <a:ext cx="4960443" cy="3190467"/>
-          </a:xfrm>
-          <a:prstGeom prst="rect">
-            <a:avLst/>
-          </a:prstGeom>
-          <a:noFill/>
-          <a:extLst>
-            <a:ext uri="{909E8E84-426E-40DD-AFC4-6F175D3DCCD1}">
-              <a14:hiddenFill xmlns:a14="http://schemas.microsoft.com/office/drawing/2010/main">
-                <a:solidFill>
-                  <a:srgbClr val="FFFFFF"/>
-                </a:solidFill>
-              </a14:hiddenFill>
-            </a:ext>
-          </a:extLst>
-        </p:spPr>
-      </p:pic>
-      <p:sp>
-        <p:nvSpPr>
-          <p:cNvPr id="3" name="Content Placeholder 2">
-            <a:extLst>
-              <a:ext uri="{FF2B5EF4-FFF2-40B4-BE49-F238E27FC236}">
-                <a16:creationId xmlns:a16="http://schemas.microsoft.com/office/drawing/2014/main" id="{39CC9FA5-693D-0F61-3D0B-8C64F85EEBAA}"/>
-              </a:ext>
-            </a:extLst>
-          </p:cNvPr>
-          <p:cNvSpPr>
-            <a:spLocks noGrp="1"/>
-          </p:cNvSpPr>
-          <p:nvPr>
-            <p:ph idx="1"/>
-          </p:nvPr>
-        </p:nvSpPr>
-        <p:spPr>
-          <a:xfrm>
-            <a:off x="5761233" y="1853754"/>
-            <a:ext cx="6354567" cy="4199727"/>
-          </a:xfrm>
-        </p:spPr>
-        <p:txBody>
-          <a:bodyPr>
-            <a:normAutofit/>
-          </a:bodyPr>
-          <a:lstStyle/>
-          <a:p>
-            <a:r>
-              <a:rPr lang="en-US" sz="2400" dirty="0"/>
-              <a:t>The lowest Gini is using Fever to split. </a:t>
-            </a:r>
-          </a:p>
-          <a:p>
-            <a:pPr lvl="1"/>
-            <a:r>
-              <a:rPr lang="en-US" sz="2000" dirty="0"/>
-              <a:t>Fever is the root. </a:t>
-            </a:r>
-          </a:p>
-          <a:p>
-            <a:pPr lvl="1"/>
-            <a:r>
-              <a:rPr lang="en-US" sz="2000" dirty="0"/>
-              <a:t>This results in the ‘most pure’ subsets. </a:t>
-            </a:r>
-          </a:p>
-          <a:p>
-            <a:r>
-              <a:rPr lang="en-US" sz="2200" dirty="0"/>
-              <a:t>If the tree is allowed to grow, we’d:</a:t>
-            </a:r>
-          </a:p>
-          <a:p>
-            <a:pPr lvl="1"/>
-            <a:r>
-              <a:rPr lang="en-US" sz="2000" dirty="0"/>
-              <a:t>Repeat the same process from the right node.</a:t>
-            </a:r>
-          </a:p>
-          <a:p>
-            <a:pPr lvl="1"/>
-            <a:r>
-              <a:rPr lang="en-US" sz="2000" dirty="0"/>
-              <a:t>Using those 6 records, what is the best split?</a:t>
-            </a:r>
-          </a:p>
-          <a:p>
-            <a:pPr lvl="1"/>
-            <a:r>
-              <a:rPr lang="en-US" sz="2000" dirty="0"/>
-              <a:t>Repeat until 100% or a limit is hit. </a:t>
-            </a:r>
-          </a:p>
-          <a:p>
-            <a:pPr lvl="1"/>
-            <a:r>
-              <a:rPr lang="en-US" sz="2000" dirty="0"/>
-              <a:t>Note: features can be reused for decisions.</a:t>
-            </a:r>
-          </a:p>
-          <a:p>
-            <a:r>
-              <a:rPr lang="en-US" sz="2200" dirty="0"/>
-              <a:t>If we used entropy, only the calculation is different.</a:t>
-            </a:r>
-          </a:p>
-        </p:txBody>
-      </p:sp>
-    </p:spTree>
-    <p:extLst>
-      <p:ext uri="{BB962C8B-B14F-4D97-AF65-F5344CB8AC3E}">
-        <p14:creationId xmlns:p14="http://schemas.microsoft.com/office/powerpoint/2010/main" val="2678851100"/>
-      </p:ext>
-    </p:extLst>
-  </p:cSld>
-  <p:clrMapOvr>
-    <a:masterClrMapping/>
-  </p:clrMapOvr>
-</p:sld>
-</file>
-
 <file path=ppt/theme/theme1.xml><?xml version="1.0" encoding="utf-8"?>
 <a:theme xmlns:a="http://schemas.openxmlformats.org/drawingml/2006/main" name="Gallery">
   <a:themeElements>

--- a/reference_content/Slides/002a_tree_review_step_by_step.pptx
+++ b/reference_content/Slides/002a_tree_review_step_by_step.pptx
@@ -4795,6 +4795,49 @@
               <a:t>Review of basics and step-by-step example. </a:t>
             </a:r>
           </a:p>
+          <a:p>
+            <a:pPr lvl="1"/>
+            <a:r>
+              <a:rPr lang="en-US" dirty="0"/>
+              <a:t>Restricting a tree’s growth – hyperparameters and regularization with CCP. </a:t>
+            </a:r>
+          </a:p>
+          <a:p>
+            <a:pPr lvl="1"/>
+            <a:r>
+              <a:rPr lang="en-US" dirty="0"/>
+              <a:t>(Probably, dep. On time) intro to column transformers and using pipelines with mixed data. </a:t>
+            </a:r>
+          </a:p>
+          <a:p>
+            <a:pPr lvl="1"/>
+            <a:r>
+              <a:rPr lang="en-US" dirty="0"/>
+              <a:t>(Depending on time) bias/variance tradeoff and over/underfitting. </a:t>
+            </a:r>
+          </a:p>
+          <a:p>
+            <a:r>
+              <a:rPr lang="en-US" dirty="0"/>
+              <a:t>Next time – grid search (this will be enough to do most of the 1</a:t>
+            </a:r>
+            <a:r>
+              <a:rPr lang="en-US" baseline="30000" dirty="0"/>
+              <a:t>st</a:t>
+            </a:r>
+            <a:r>
+              <a:rPr lang="en-US" dirty="0"/>
+              <a:t> </a:t>
+            </a:r>
+            <a:r>
+              <a:rPr lang="en-US" dirty="0" err="1"/>
+              <a:t>asn</a:t>
+            </a:r>
+            <a:r>
+              <a:rPr lang="en-US" dirty="0"/>
+              <a:t>, part 2). </a:t>
+            </a:r>
+          </a:p>
         </p:txBody>
       </p:sp>
     </p:spTree>
@@ -4905,10 +4948,9 @@
               <a:t>ginis</a:t>
             </a:r>
             <a:r>
-              <a:rPr lang="en-US"/>
+              <a:rPr lang="en-US" dirty="0"/>
               <a:t>. </a:t>
             </a:r>
-            <a:endParaRPr lang="en-US" dirty="0"/>
           </a:p>
           <a:p>
             <a:endParaRPr lang="en-US" dirty="0"/>
@@ -7046,12 +7088,14 @@
         </p:nvSpPr>
         <p:spPr>
           <a:xfrm>
-            <a:off x="1451579" y="3972492"/>
-            <a:ext cx="4860359" cy="2080990"/>
+            <a:off x="0" y="2906670"/>
+            <a:ext cx="7955698" cy="3146812"/>
           </a:xfrm>
         </p:spPr>
         <p:txBody>
-          <a:bodyPr/>
+          <a:bodyPr>
+            <a:normAutofit/>
+          </a:bodyPr>
           <a:lstStyle/>
           <a:p>
             <a:r>
@@ -7072,6 +7116,25 @@
               <a:rPr lang="en-US" dirty="0"/>
               <a:t>The model still ‘wants’ to adapt more, and starts looking at ‘junk’. </a:t>
             </a:r>
+          </a:p>
+          <a:p>
+            <a:pPr lvl="1"/>
+            <a:r>
+              <a:rPr lang="en-US" dirty="0"/>
+              <a:t>In this node, the items are the same in the important features, but we still have a split. To get to 100%, the model will look at less important variables and pick one to split to 100% (all 4 read, all do HW, what can be used…)</a:t>
+            </a:r>
+          </a:p>
+          <a:p>
+            <a:pPr lvl="1"/>
+            <a:r>
+              <a:rPr lang="en-US" dirty="0"/>
+              <a:t>With a new class, those less important things aren’t likely to hold true as predictors, so with new student’s our </a:t>
+            </a:r>
+            <a:r>
+              <a:rPr lang="en-US"/>
+              <a:t>model will fail. </a:t>
+            </a:r>
+            <a:endParaRPr lang="en-US" dirty="0"/>
           </a:p>
         </p:txBody>
       </p:sp>

--- a/reference_content/Slides/002a_tree_review_step_by_step.pptx
+++ b/reference_content/Slides/002a_tree_review_step_by_step.pptx
@@ -6071,6 +6071,20 @@
               <a:t>The larger the dataset gets, the more this random instability can change things. </a:t>
             </a:r>
           </a:p>
+          <a:p>
+            <a:pPr lvl="2"/>
+            <a:r>
+              <a:rPr lang="en-US" dirty="0"/>
+              <a:t>The model will be more stable. </a:t>
+            </a:r>
+          </a:p>
+          <a:p>
+            <a:pPr lvl="2"/>
+            <a:r>
+              <a:rPr lang="en-US" dirty="0"/>
+              <a:t>The change may be more dramatic. </a:t>
+            </a:r>
+          </a:p>
         </p:txBody>
       </p:sp>
     </p:spTree>
@@ -7128,13 +7142,8 @@
             <a:pPr lvl="1"/>
             <a:r>
               <a:rPr lang="en-US" dirty="0"/>
-              <a:t>With a new class, those less important things aren’t likely to hold true as predictors, so with new student’s our </a:t>
-            </a:r>
-            <a:r>
-              <a:rPr lang="en-US"/>
-              <a:t>model will fail. </a:t>
-            </a:r>
-            <a:endParaRPr lang="en-US" dirty="0"/>
+              <a:t>With a new class, those less important things aren’t likely to hold true as predictors, so with new student’s our model will fail. </a:t>
+            </a:r>
           </a:p>
         </p:txBody>
       </p:sp>
